--- a/CS680-Project2.pptx
+++ b/CS680-Project2.pptx
@@ -2,27 +2,28 @@
 <file path=ppt/presentation.xml><?xml version="1.0" encoding="utf-8"?>
 <p:presentation xmlns:a="http://schemas.openxmlformats.org/drawingml/2006/main" xmlns:r="http://schemas.openxmlformats.org/officeDocument/2006/relationships" xmlns:p="http://schemas.openxmlformats.org/presentationml/2006/main">
   <p:sldMasterIdLst>
-    <p:sldMasterId id="2147483648" r:id="rId5"/>
+    <p:sldMasterId id="2147483648" r:id="rId1"/>
   </p:sldMasterIdLst>
   <p:notesMasterIdLst>
-    <p:notesMasterId r:id="rId7"/>
+    <p:notesMasterId r:id="rId16"/>
   </p:notesMasterIdLst>
   <p:sldIdLst>
-    <p:sldId id="256" r:id="rId8"/>
-    <p:sldId id="257" r:id="rId9"/>
-    <p:sldId id="258" r:id="rId10"/>
-    <p:sldId id="259" r:id="rId11"/>
-    <p:sldId id="260" r:id="rId12"/>
-    <p:sldId id="261" r:id="rId13"/>
-    <p:sldId id="262" r:id="rId14"/>
-    <p:sldId id="263" r:id="rId15"/>
-    <p:sldId id="264" r:id="rId16"/>
-    <p:sldId id="265" r:id="rId17"/>
-    <p:sldId id="266" r:id="rId18"/>
-    <p:sldId id="267" r:id="rId19"/>
-    <p:sldId id="268" r:id="rId20"/>
+    <p:sldId id="256" r:id="rId2"/>
+    <p:sldId id="257" r:id="rId3"/>
+    <p:sldId id="258" r:id="rId4"/>
+    <p:sldId id="259" r:id="rId5"/>
+    <p:sldId id="260" r:id="rId6"/>
+    <p:sldId id="261" r:id="rId7"/>
+    <p:sldId id="262" r:id="rId8"/>
+    <p:sldId id="263" r:id="rId9"/>
+    <p:sldId id="264" r:id="rId10"/>
+    <p:sldId id="265" r:id="rId11"/>
+    <p:sldId id="266" r:id="rId12"/>
+    <p:sldId id="269" r:id="rId13"/>
+    <p:sldId id="267" r:id="rId14"/>
+    <p:sldId id="268" r:id="rId15"/>
   </p:sldIdLst>
-  <p:sldSz cx="9144000" cy="6858000"/>
+  <p:sldSz cx="9144000" cy="6858000" type="screen4x3"/>
   <p:notesSz cx="6858000" cy="9144000"/>
   <p:defaultTextStyle>
     <a:lvl1pPr defTabSz="457200">
@@ -101,13 +102,14 @@
 </p:presentation>
 </file>
 
-<file path=ppt/commentAuthors.xml><?xml version="1.0" encoding="utf-8"?>
-<p:cmAuthorLst xmlns:a="http://schemas.openxmlformats.org/drawingml/2006/main" xmlns:r="http://schemas.openxmlformats.org/officeDocument/2006/relationships" xmlns:p="http://schemas.openxmlformats.org/presentationml/2006/main"/>
-</file>
-
 <file path=ppt/notesMasters/notesMaster1.xml><?xml version="1.0" encoding="utf-8"?>
 <p:notesMaster xmlns:a="http://schemas.openxmlformats.org/drawingml/2006/main" xmlns:r="http://schemas.openxmlformats.org/officeDocument/2006/relationships" xmlns:p="http://schemas.openxmlformats.org/presentationml/2006/main">
   <p:cSld>
+    <p:bg>
+      <p:bgRef idx="1001">
+        <a:schemeClr val="bg1"/>
+      </p:bgRef>
+    </p:bg>
     <p:spTree>
       <p:nvGrpSpPr>
         <p:cNvPr id="1" name=""/>
@@ -125,7 +127,9 @@
       <p:sp>
         <p:nvSpPr>
           <p:cNvPr id="51" name="Shape 51"/>
-          <p:cNvSpPr/>
+          <p:cNvSpPr>
+            <a:spLocks noGrp="1" noRot="1" noChangeAspect="1"/>
+          </p:cNvSpPr>
           <p:nvPr>
             <p:ph type="sldImg"/>
           </p:nvPr>
@@ -144,13 +148,16 @@
           <a:lstStyle/>
           <a:p>
             <a:pPr lvl="0"/>
+            <a:endParaRPr/>
           </a:p>
         </p:txBody>
       </p:sp>
       <p:sp>
         <p:nvSpPr>
           <p:cNvPr id="52" name="Shape 52"/>
-          <p:cNvSpPr/>
+          <p:cNvSpPr>
+            <a:spLocks noGrp="1"/>
+          </p:cNvSpPr>
           <p:nvPr>
             <p:ph type="body" sz="quarter" idx="1"/>
           </p:nvPr>
@@ -169,10 +176,16 @@
           <a:lstStyle/>
           <a:p>
             <a:pPr lvl="0"/>
+            <a:endParaRPr/>
           </a:p>
         </p:txBody>
       </p:sp>
     </p:spTree>
+    <p:extLst>
+      <p:ext uri="{BB962C8B-B14F-4D97-AF65-F5344CB8AC3E}">
+        <p14:creationId xmlns:p14="http://schemas.microsoft.com/office/powerpoint/2010/main" val="4187357402"/>
+      </p:ext>
+    </p:extLst>
   </p:cSld>
   <p:clrMap bg1="lt1" tx1="dk1" bg2="lt2" tx2="dk2" accent1="accent1" accent2="accent2" accent3="accent3" accent4="accent4" accent5="accent5" accent6="accent6" hlink="hlink" folHlink="folHlink"/>
   <p:notesStyle>
@@ -280,17 +293,18 @@
 </file>
 
 <file path=ppt/slideLayouts/slideLayout1.xml><?xml version="1.0" encoding="utf-8"?>
-<p:sldLayout xmlns:a="http://schemas.openxmlformats.org/drawingml/2006/main" xmlns:r="http://schemas.openxmlformats.org/officeDocument/2006/relationships" xmlns:p="http://schemas.openxmlformats.org/presentationml/2006/main" type="tx" showMasterSp="1" showMasterPhAnim="1">
+<p:sldLayout xmlns:a="http://schemas.openxmlformats.org/drawingml/2006/main" xmlns:r="http://schemas.openxmlformats.org/officeDocument/2006/relationships" xmlns:p="http://schemas.openxmlformats.org/presentationml/2006/main" type="tx">
   <p:cSld name="Title Slide">
     <p:bg>
       <p:bgPr>
         <a:blipFill rotWithShape="1">
           <a:blip r:embed="rId2"/>
-          <a:srcRect l="0" t="0" r="0" b="0"/>
+          <a:srcRect/>
           <a:stretch>
             <a:fillRect/>
           </a:stretch>
         </a:blipFill>
+        <a:effectLst/>
       </p:bgPr>
     </p:bg>
     <p:spTree>
@@ -310,7 +324,9 @@
       <p:sp>
         <p:nvSpPr>
           <p:cNvPr id="6" name="Shape 6"/>
-          <p:cNvSpPr/>
+          <p:cNvSpPr>
+            <a:spLocks noGrp="1"/>
+          </p:cNvSpPr>
           <p:nvPr>
             <p:ph type="title"/>
           </p:nvPr>
@@ -337,14 +353,14 @@
           </a:lstStyle>
           <a:p>
             <a:pPr lvl="0">
-              <a:defRPr cap="none" sz="1800">
-                <a:solidFill>
-                  <a:srgbClr val="000000"/>
-                </a:solidFill>
-              </a:defRPr>
-            </a:pPr>
-            <a:r>
-              <a:rPr cap="all" sz="3600">
+              <a:defRPr sz="1800" cap="none">
+                <a:solidFill>
+                  <a:srgbClr val="000000"/>
+                </a:solidFill>
+              </a:defRPr>
+            </a:pPr>
+            <a:r>
+              <a:rPr sz="3600" cap="all">
                 <a:solidFill>
                   <a:srgbClr val="FFFFFF"/>
                 </a:solidFill>
@@ -357,7 +373,9 @@
       <p:sp>
         <p:nvSpPr>
           <p:cNvPr id="7" name="Shape 7"/>
-          <p:cNvSpPr/>
+          <p:cNvSpPr>
+            <a:spLocks noGrp="1"/>
+          </p:cNvSpPr>
           <p:nvPr>
             <p:ph type="body" idx="1"/>
           </p:nvPr>
@@ -466,11 +484,6 @@
               </a:rPr>
               <a:t>Body Level One</a:t>
             </a:r>
-            <a:endParaRPr sz="2000">
-              <a:solidFill>
-                <a:srgbClr val="EEECE1"/>
-              </a:solidFill>
-            </a:endParaRPr>
           </a:p>
           <a:p>
             <a:pPr lvl="1">
@@ -488,11 +501,6 @@
               </a:rPr>
               <a:t>Body Level Two</a:t>
             </a:r>
-            <a:endParaRPr sz="2000">
-              <a:solidFill>
-                <a:srgbClr val="EEECE1"/>
-              </a:solidFill>
-            </a:endParaRPr>
           </a:p>
           <a:p>
             <a:pPr lvl="2">
@@ -510,11 +518,6 @@
               </a:rPr>
               <a:t>Body Level Three</a:t>
             </a:r>
-            <a:endParaRPr sz="2000">
-              <a:solidFill>
-                <a:srgbClr val="EEECE1"/>
-              </a:solidFill>
-            </a:endParaRPr>
           </a:p>
           <a:p>
             <a:pPr lvl="3">
@@ -532,11 +535,6 @@
               </a:rPr>
               <a:t>Body Level Four</a:t>
             </a:r>
-            <a:endParaRPr sz="2000">
-              <a:solidFill>
-                <a:srgbClr val="EEECE1"/>
-              </a:solidFill>
-            </a:endParaRPr>
           </a:p>
           <a:p>
             <a:pPr lvl="4">
@@ -560,7 +558,9 @@
       <p:sp>
         <p:nvSpPr>
           <p:cNvPr id="8" name="Shape 8"/>
-          <p:cNvSpPr/>
+          <p:cNvSpPr>
+            <a:spLocks noGrp="1"/>
+          </p:cNvSpPr>
           <p:nvPr>
             <p:ph type="sldNum" sz="quarter" idx="2"/>
           </p:nvPr>
@@ -576,12 +576,15 @@
         </p:spPr>
         <p:txBody>
           <a:bodyPr>
-            <a:normAutofit fontScale="100000" lnSpcReduction="0"/>
+            <a:normAutofit/>
           </a:bodyPr>
           <a:lstStyle/>
           <a:p>
             <a:pPr lvl="0"/>
-            <a:fld id="{86CB4B4D-7CA3-9044-876B-883B54F8677D}" type="slidenum"/>
+            <a:fld id="{86CB4B4D-7CA3-9044-876B-883B54F8677D}" type="slidenum">
+              <a:t>‹#›</a:t>
+            </a:fld>
+            <a:endParaRPr/>
           </a:p>
         </p:txBody>
       </p:sp>
@@ -590,12 +593,12 @@
   <p:clrMapOvr>
     <a:masterClrMapping/>
   </p:clrMapOvr>
-  <p:transition spd="med" advClick="1"/>
+  <p:transition spd="med"/>
 </p:sldLayout>
 </file>
 
 <file path=ppt/slideLayouts/slideLayout10.xml><?xml version="1.0" encoding="utf-8"?>
-<p:sldLayout xmlns:a="http://schemas.openxmlformats.org/drawingml/2006/main" xmlns:r="http://schemas.openxmlformats.org/officeDocument/2006/relationships" xmlns:p="http://schemas.openxmlformats.org/presentationml/2006/main" type="tx" showMasterSp="1" showMasterPhAnim="1">
+<p:sldLayout xmlns:a="http://schemas.openxmlformats.org/drawingml/2006/main" xmlns:r="http://schemas.openxmlformats.org/officeDocument/2006/relationships" xmlns:p="http://schemas.openxmlformats.org/presentationml/2006/main" type="tx">
   <p:cSld name="Title and Vertical Text">
     <p:spTree>
       <p:nvGrpSpPr>
@@ -614,7 +617,9 @@
       <p:sp>
         <p:nvSpPr>
           <p:cNvPr id="40" name="Shape 40"/>
-          <p:cNvSpPr/>
+          <p:cNvSpPr>
+            <a:spLocks noGrp="1"/>
+          </p:cNvSpPr>
           <p:nvPr>
             <p:ph type="title"/>
           </p:nvPr>
@@ -633,14 +638,14 @@
           <a:lstStyle/>
           <a:p>
             <a:pPr lvl="0">
-              <a:defRPr cap="none" sz="1800">
-                <a:solidFill>
-                  <a:srgbClr val="000000"/>
-                </a:solidFill>
-              </a:defRPr>
-            </a:pPr>
-            <a:r>
-              <a:rPr cap="all" sz="3600">
+              <a:defRPr sz="1800" cap="none">
+                <a:solidFill>
+                  <a:srgbClr val="000000"/>
+                </a:solidFill>
+              </a:defRPr>
+            </a:pPr>
+            <a:r>
+              <a:rPr sz="3600" cap="all">
                 <a:solidFill>
                   <a:srgbClr val="001978"/>
                 </a:solidFill>
@@ -653,7 +658,9 @@
       <p:sp>
         <p:nvSpPr>
           <p:cNvPr id="41" name="Shape 41"/>
-          <p:cNvSpPr/>
+          <p:cNvSpPr>
+            <a:spLocks noGrp="1"/>
+          </p:cNvSpPr>
           <p:nvPr>
             <p:ph type="body" idx="1"/>
           </p:nvPr>
@@ -686,11 +693,6 @@
               </a:rPr>
               <a:t>Body Level One</a:t>
             </a:r>
-            <a:endParaRPr sz="2000">
-              <a:solidFill>
-                <a:srgbClr val="001978"/>
-              </a:solidFill>
-            </a:endParaRPr>
           </a:p>
           <a:p>
             <a:pPr lvl="1">
@@ -708,11 +710,6 @@
               </a:rPr>
               <a:t>Body Level Two</a:t>
             </a:r>
-            <a:endParaRPr sz="2000">
-              <a:solidFill>
-                <a:srgbClr val="001978"/>
-              </a:solidFill>
-            </a:endParaRPr>
           </a:p>
           <a:p>
             <a:pPr lvl="2">
@@ -730,11 +727,6 @@
               </a:rPr>
               <a:t>Body Level Three</a:t>
             </a:r>
-            <a:endParaRPr sz="2000">
-              <a:solidFill>
-                <a:srgbClr val="001978"/>
-              </a:solidFill>
-            </a:endParaRPr>
           </a:p>
           <a:p>
             <a:pPr lvl="3">
@@ -752,11 +744,6 @@
               </a:rPr>
               <a:t>Body Level Four</a:t>
             </a:r>
-            <a:endParaRPr sz="2000">
-              <a:solidFill>
-                <a:srgbClr val="001978"/>
-              </a:solidFill>
-            </a:endParaRPr>
           </a:p>
           <a:p>
             <a:pPr lvl="4">
@@ -780,7 +767,9 @@
       <p:sp>
         <p:nvSpPr>
           <p:cNvPr id="42" name="Shape 42"/>
-          <p:cNvSpPr/>
+          <p:cNvSpPr>
+            <a:spLocks noGrp="1"/>
+          </p:cNvSpPr>
           <p:nvPr>
             <p:ph type="sldNum" sz="quarter" idx="2"/>
           </p:nvPr>
@@ -795,7 +784,10 @@
           <a:lstStyle/>
           <a:p>
             <a:pPr lvl="0"/>
-            <a:fld id="{86CB4B4D-7CA3-9044-876B-883B54F8677D}" type="slidenum"/>
+            <a:fld id="{86CB4B4D-7CA3-9044-876B-883B54F8677D}" type="slidenum">
+              <a:t>‹#›</a:t>
+            </a:fld>
+            <a:endParaRPr/>
           </a:p>
         </p:txBody>
       </p:sp>
@@ -804,12 +796,12 @@
   <p:clrMapOvr>
     <a:masterClrMapping/>
   </p:clrMapOvr>
-  <p:transition spd="med" advClick="1"/>
+  <p:transition spd="med"/>
 </p:sldLayout>
 </file>
 
 <file path=ppt/slideLayouts/slideLayout11.xml><?xml version="1.0" encoding="utf-8"?>
-<p:sldLayout xmlns:a="http://schemas.openxmlformats.org/drawingml/2006/main" xmlns:r="http://schemas.openxmlformats.org/officeDocument/2006/relationships" xmlns:p="http://schemas.openxmlformats.org/presentationml/2006/main" type="tx" showMasterSp="1" showMasterPhAnim="1">
+<p:sldLayout xmlns:a="http://schemas.openxmlformats.org/drawingml/2006/main" xmlns:r="http://schemas.openxmlformats.org/officeDocument/2006/relationships" xmlns:p="http://schemas.openxmlformats.org/presentationml/2006/main" type="tx">
   <p:cSld name="Vertical Title and Text">
     <p:spTree>
       <p:nvGrpSpPr>
@@ -828,7 +820,9 @@
       <p:sp>
         <p:nvSpPr>
           <p:cNvPr id="44" name="Shape 44"/>
-          <p:cNvSpPr/>
+          <p:cNvSpPr>
+            <a:spLocks noGrp="1"/>
+          </p:cNvSpPr>
           <p:nvPr>
             <p:ph type="title"/>
           </p:nvPr>
@@ -847,14 +841,14 @@
           <a:lstStyle/>
           <a:p>
             <a:pPr lvl="0">
-              <a:defRPr cap="none" sz="1800">
-                <a:solidFill>
-                  <a:srgbClr val="000000"/>
-                </a:solidFill>
-              </a:defRPr>
-            </a:pPr>
-            <a:r>
-              <a:rPr cap="all" sz="3600">
+              <a:defRPr sz="1800" cap="none">
+                <a:solidFill>
+                  <a:srgbClr val="000000"/>
+                </a:solidFill>
+              </a:defRPr>
+            </a:pPr>
+            <a:r>
+              <a:rPr sz="3600" cap="all">
                 <a:solidFill>
                   <a:srgbClr val="001978"/>
                 </a:solidFill>
@@ -867,7 +861,9 @@
       <p:sp>
         <p:nvSpPr>
           <p:cNvPr id="45" name="Shape 45"/>
-          <p:cNvSpPr/>
+          <p:cNvSpPr>
+            <a:spLocks noGrp="1"/>
+          </p:cNvSpPr>
           <p:nvPr>
             <p:ph type="body" idx="1"/>
           </p:nvPr>
@@ -900,11 +896,6 @@
               </a:rPr>
               <a:t>Body Level One</a:t>
             </a:r>
-            <a:endParaRPr sz="2000">
-              <a:solidFill>
-                <a:srgbClr val="001978"/>
-              </a:solidFill>
-            </a:endParaRPr>
           </a:p>
           <a:p>
             <a:pPr lvl="1">
@@ -922,11 +913,6 @@
               </a:rPr>
               <a:t>Body Level Two</a:t>
             </a:r>
-            <a:endParaRPr sz="2000">
-              <a:solidFill>
-                <a:srgbClr val="001978"/>
-              </a:solidFill>
-            </a:endParaRPr>
           </a:p>
           <a:p>
             <a:pPr lvl="2">
@@ -944,11 +930,6 @@
               </a:rPr>
               <a:t>Body Level Three</a:t>
             </a:r>
-            <a:endParaRPr sz="2000">
-              <a:solidFill>
-                <a:srgbClr val="001978"/>
-              </a:solidFill>
-            </a:endParaRPr>
           </a:p>
           <a:p>
             <a:pPr lvl="3">
@@ -966,11 +947,6 @@
               </a:rPr>
               <a:t>Body Level Four</a:t>
             </a:r>
-            <a:endParaRPr sz="2000">
-              <a:solidFill>
-                <a:srgbClr val="001978"/>
-              </a:solidFill>
-            </a:endParaRPr>
           </a:p>
           <a:p>
             <a:pPr lvl="4">
@@ -994,7 +970,9 @@
       <p:sp>
         <p:nvSpPr>
           <p:cNvPr id="46" name="Shape 46"/>
-          <p:cNvSpPr/>
+          <p:cNvSpPr>
+            <a:spLocks noGrp="1"/>
+          </p:cNvSpPr>
           <p:nvPr>
             <p:ph type="sldNum" sz="quarter" idx="2"/>
           </p:nvPr>
@@ -1009,7 +987,10 @@
           <a:lstStyle/>
           <a:p>
             <a:pPr lvl="0"/>
-            <a:fld id="{86CB4B4D-7CA3-9044-876B-883B54F8677D}" type="slidenum"/>
+            <a:fld id="{86CB4B4D-7CA3-9044-876B-883B54F8677D}" type="slidenum">
+              <a:t>‹#›</a:t>
+            </a:fld>
+            <a:endParaRPr/>
           </a:p>
         </p:txBody>
       </p:sp>
@@ -1018,12 +999,12 @@
   <p:clrMapOvr>
     <a:masterClrMapping/>
   </p:clrMapOvr>
-  <p:transition spd="med" advClick="1"/>
+  <p:transition spd="med"/>
 </p:sldLayout>
 </file>
 
 <file path=ppt/slideLayouts/slideLayout12.xml><?xml version="1.0" encoding="utf-8"?>
-<p:sldLayout xmlns:a="http://schemas.openxmlformats.org/drawingml/2006/main" xmlns:r="http://schemas.openxmlformats.org/officeDocument/2006/relationships" xmlns:p="http://schemas.openxmlformats.org/presentationml/2006/main" type="tx" showMasterSp="1" showMasterPhAnim="1">
+<p:sldLayout xmlns:a="http://schemas.openxmlformats.org/drawingml/2006/main" xmlns:r="http://schemas.openxmlformats.org/officeDocument/2006/relationships" xmlns:p="http://schemas.openxmlformats.org/presentationml/2006/main" type="tx">
   <p:cSld name="2_Title and Content">
     <p:spTree>
       <p:nvGrpSpPr>
@@ -1069,7 +1050,9 @@
       <p:sp>
         <p:nvSpPr>
           <p:cNvPr id="49" name="Shape 49"/>
-          <p:cNvSpPr/>
+          <p:cNvSpPr>
+            <a:spLocks noGrp="1"/>
+          </p:cNvSpPr>
           <p:nvPr>
             <p:ph type="title"/>
           </p:nvPr>
@@ -1100,10 +1083,10 @@
           </a:lstStyle>
           <a:p>
             <a:pPr lvl="0">
-              <a:defRPr cap="none" sz="1800"/>
-            </a:pPr>
-            <a:r>
-              <a:rPr cap="all" sz="3600"/>
+              <a:defRPr sz="1800" cap="none"/>
+            </a:pPr>
+            <a:r>
+              <a:rPr sz="3600" cap="all"/>
               <a:t>Title Text</a:t>
             </a:r>
           </a:p>
@@ -1128,7 +1111,7 @@
           </a:ln>
           <a:extLst>
             <a:ext uri="{C572A759-6A51-4108-AA02-DFA0A04FC94B}">
-              <ma14:wrappingTextBoxFlag xmlns:ma14="http://schemas.microsoft.com/office/mac/drawingml/2011/main" val="1"/>
+              <ma14:wrappingTextBoxFlag xmlns:ma14="http://schemas.microsoft.com/office/mac/drawingml/2011/main" xmlns="" val="1"/>
             </a:ext>
           </a:extLst>
         </p:spPr>
@@ -1152,12 +1135,12 @@
   <p:clrMapOvr>
     <a:masterClrMapping/>
   </p:clrMapOvr>
-  <p:transition spd="med" advClick="1"/>
+  <p:transition spd="med"/>
 </p:sldLayout>
 </file>
 
 <file path=ppt/slideLayouts/slideLayout2.xml><?xml version="1.0" encoding="utf-8"?>
-<p:sldLayout xmlns:a="http://schemas.openxmlformats.org/drawingml/2006/main" xmlns:r="http://schemas.openxmlformats.org/officeDocument/2006/relationships" xmlns:p="http://schemas.openxmlformats.org/presentationml/2006/main" type="tx" showMasterSp="1" showMasterPhAnim="1">
+<p:sldLayout xmlns:a="http://schemas.openxmlformats.org/drawingml/2006/main" xmlns:r="http://schemas.openxmlformats.org/officeDocument/2006/relationships" xmlns:p="http://schemas.openxmlformats.org/presentationml/2006/main" type="tx">
   <p:cSld name="Title and Content">
     <p:spTree>
       <p:nvGrpSpPr>
@@ -1176,7 +1159,9 @@
       <p:sp>
         <p:nvSpPr>
           <p:cNvPr id="10" name="Shape 10"/>
-          <p:cNvSpPr/>
+          <p:cNvSpPr>
+            <a:spLocks noGrp="1"/>
+          </p:cNvSpPr>
           <p:nvPr>
             <p:ph type="title"/>
           </p:nvPr>
@@ -1191,14 +1176,14 @@
           <a:lstStyle/>
           <a:p>
             <a:pPr lvl="0">
-              <a:defRPr cap="none" sz="1800">
-                <a:solidFill>
-                  <a:srgbClr val="000000"/>
-                </a:solidFill>
-              </a:defRPr>
-            </a:pPr>
-            <a:r>
-              <a:rPr cap="all" sz="3600">
+              <a:defRPr sz="1800" cap="none">
+                <a:solidFill>
+                  <a:srgbClr val="000000"/>
+                </a:solidFill>
+              </a:defRPr>
+            </a:pPr>
+            <a:r>
+              <a:rPr sz="3600" cap="all">
                 <a:solidFill>
                   <a:srgbClr val="001978"/>
                 </a:solidFill>
@@ -1211,7 +1196,9 @@
       <p:sp>
         <p:nvSpPr>
           <p:cNvPr id="11" name="Shape 11"/>
-          <p:cNvSpPr/>
+          <p:cNvSpPr>
+            <a:spLocks noGrp="1"/>
+          </p:cNvSpPr>
           <p:nvPr>
             <p:ph type="body" idx="1"/>
           </p:nvPr>
@@ -1240,11 +1227,6 @@
               </a:rPr>
               <a:t>Body Level One</a:t>
             </a:r>
-            <a:endParaRPr sz="2000">
-              <a:solidFill>
-                <a:srgbClr val="001978"/>
-              </a:solidFill>
-            </a:endParaRPr>
           </a:p>
           <a:p>
             <a:pPr lvl="1">
@@ -1262,11 +1244,6 @@
               </a:rPr>
               <a:t>Body Level Two</a:t>
             </a:r>
-            <a:endParaRPr sz="2000">
-              <a:solidFill>
-                <a:srgbClr val="001978"/>
-              </a:solidFill>
-            </a:endParaRPr>
           </a:p>
           <a:p>
             <a:pPr lvl="2">
@@ -1284,11 +1261,6 @@
               </a:rPr>
               <a:t>Body Level Three</a:t>
             </a:r>
-            <a:endParaRPr sz="2000">
-              <a:solidFill>
-                <a:srgbClr val="001978"/>
-              </a:solidFill>
-            </a:endParaRPr>
           </a:p>
           <a:p>
             <a:pPr lvl="3">
@@ -1306,11 +1278,6 @@
               </a:rPr>
               <a:t>Body Level Four</a:t>
             </a:r>
-            <a:endParaRPr sz="2000">
-              <a:solidFill>
-                <a:srgbClr val="001978"/>
-              </a:solidFill>
-            </a:endParaRPr>
           </a:p>
           <a:p>
             <a:pPr lvl="4">
@@ -1334,7 +1301,9 @@
       <p:sp>
         <p:nvSpPr>
           <p:cNvPr id="12" name="Shape 12"/>
-          <p:cNvSpPr/>
+          <p:cNvSpPr>
+            <a:spLocks noGrp="1"/>
+          </p:cNvSpPr>
           <p:nvPr>
             <p:ph type="sldNum" sz="quarter" idx="2"/>
           </p:nvPr>
@@ -1349,7 +1318,10 @@
           <a:lstStyle/>
           <a:p>
             <a:pPr lvl="0"/>
-            <a:fld id="{86CB4B4D-7CA3-9044-876B-883B54F8677D}" type="slidenum"/>
+            <a:fld id="{86CB4B4D-7CA3-9044-876B-883B54F8677D}" type="slidenum">
+              <a:t>‹#›</a:t>
+            </a:fld>
+            <a:endParaRPr/>
           </a:p>
         </p:txBody>
       </p:sp>
@@ -1358,12 +1330,12 @@
   <p:clrMapOvr>
     <a:masterClrMapping/>
   </p:clrMapOvr>
-  <p:transition spd="med" advClick="1"/>
+  <p:transition spd="med"/>
 </p:sldLayout>
 </file>
 
 <file path=ppt/slideLayouts/slideLayout3.xml><?xml version="1.0" encoding="utf-8"?>
-<p:sldLayout xmlns:a="http://schemas.openxmlformats.org/drawingml/2006/main" xmlns:r="http://schemas.openxmlformats.org/officeDocument/2006/relationships" xmlns:p="http://schemas.openxmlformats.org/presentationml/2006/main" type="tx" showMasterSp="1" showMasterPhAnim="1">
+<p:sldLayout xmlns:a="http://schemas.openxmlformats.org/drawingml/2006/main" xmlns:r="http://schemas.openxmlformats.org/officeDocument/2006/relationships" xmlns:p="http://schemas.openxmlformats.org/presentationml/2006/main" type="tx">
   <p:cSld name="Section Header">
     <p:spTree>
       <p:nvGrpSpPr>
@@ -1382,7 +1354,9 @@
       <p:sp>
         <p:nvSpPr>
           <p:cNvPr id="14" name="Shape 14"/>
-          <p:cNvSpPr/>
+          <p:cNvSpPr>
+            <a:spLocks noGrp="1"/>
+          </p:cNvSpPr>
           <p:nvPr>
             <p:ph type="title"/>
           </p:nvPr>
@@ -1405,14 +1379,14 @@
           </a:lstStyle>
           <a:p>
             <a:pPr lvl="0">
-              <a:defRPr cap="none" sz="1800">
-                <a:solidFill>
-                  <a:srgbClr val="000000"/>
-                </a:solidFill>
-              </a:defRPr>
-            </a:pPr>
-            <a:r>
-              <a:rPr cap="all" sz="4000">
+              <a:defRPr sz="1800" cap="none">
+                <a:solidFill>
+                  <a:srgbClr val="000000"/>
+                </a:solidFill>
+              </a:defRPr>
+            </a:pPr>
+            <a:r>
+              <a:rPr sz="4000" cap="all">
                 <a:solidFill>
                   <a:srgbClr val="001978"/>
                 </a:solidFill>
@@ -1425,7 +1399,9 @@
       <p:sp>
         <p:nvSpPr>
           <p:cNvPr id="15" name="Shape 15"/>
-          <p:cNvSpPr/>
+          <p:cNvSpPr>
+            <a:spLocks noGrp="1"/>
+          </p:cNvSpPr>
           <p:nvPr>
             <p:ph type="body" idx="1"/>
           </p:nvPr>
@@ -1520,102 +1496,82 @@
           </a:lstStyle>
           <a:p>
             <a:pPr lvl="0">
-              <a:defRPr b="0" sz="1800">
-                <a:solidFill>
-                  <a:srgbClr val="000000"/>
-                </a:solidFill>
-              </a:defRPr>
-            </a:pPr>
-            <a:r>
-              <a:rPr b="1" sz="2000">
+              <a:defRPr sz="1800" b="0">
+                <a:solidFill>
+                  <a:srgbClr val="000000"/>
+                </a:solidFill>
+              </a:defRPr>
+            </a:pPr>
+            <a:r>
+              <a:rPr sz="2000" b="1">
                 <a:solidFill>
                   <a:srgbClr val="C4BD97"/>
                 </a:solidFill>
               </a:rPr>
               <a:t>Body Level One</a:t>
             </a:r>
-            <a:endParaRPr b="1" sz="2000">
-              <a:solidFill>
-                <a:srgbClr val="C4BD97"/>
-              </a:solidFill>
-            </a:endParaRPr>
           </a:p>
           <a:p>
             <a:pPr lvl="1">
-              <a:defRPr b="0" sz="1800">
-                <a:solidFill>
-                  <a:srgbClr val="000000"/>
-                </a:solidFill>
-              </a:defRPr>
-            </a:pPr>
-            <a:r>
-              <a:rPr b="1" sz="2000">
+              <a:defRPr sz="1800" b="0">
+                <a:solidFill>
+                  <a:srgbClr val="000000"/>
+                </a:solidFill>
+              </a:defRPr>
+            </a:pPr>
+            <a:r>
+              <a:rPr sz="2000" b="1">
                 <a:solidFill>
                   <a:srgbClr val="C4BD97"/>
                 </a:solidFill>
               </a:rPr>
               <a:t>Body Level Two</a:t>
             </a:r>
-            <a:endParaRPr b="1" sz="2000">
-              <a:solidFill>
-                <a:srgbClr val="C4BD97"/>
-              </a:solidFill>
-            </a:endParaRPr>
           </a:p>
           <a:p>
             <a:pPr lvl="2">
-              <a:defRPr b="0" sz="1800">
-                <a:solidFill>
-                  <a:srgbClr val="000000"/>
-                </a:solidFill>
-              </a:defRPr>
-            </a:pPr>
-            <a:r>
-              <a:rPr b="1" sz="2000">
+              <a:defRPr sz="1800" b="0">
+                <a:solidFill>
+                  <a:srgbClr val="000000"/>
+                </a:solidFill>
+              </a:defRPr>
+            </a:pPr>
+            <a:r>
+              <a:rPr sz="2000" b="1">
                 <a:solidFill>
                   <a:srgbClr val="C4BD97"/>
                 </a:solidFill>
               </a:rPr>
               <a:t>Body Level Three</a:t>
             </a:r>
-            <a:endParaRPr b="1" sz="2000">
-              <a:solidFill>
-                <a:srgbClr val="C4BD97"/>
-              </a:solidFill>
-            </a:endParaRPr>
           </a:p>
           <a:p>
             <a:pPr lvl="3">
-              <a:defRPr b="0" sz="1800">
-                <a:solidFill>
-                  <a:srgbClr val="000000"/>
-                </a:solidFill>
-              </a:defRPr>
-            </a:pPr>
-            <a:r>
-              <a:rPr b="1" sz="2000">
+              <a:defRPr sz="1800" b="0">
+                <a:solidFill>
+                  <a:srgbClr val="000000"/>
+                </a:solidFill>
+              </a:defRPr>
+            </a:pPr>
+            <a:r>
+              <a:rPr sz="2000" b="1">
                 <a:solidFill>
                   <a:srgbClr val="C4BD97"/>
                 </a:solidFill>
               </a:rPr>
               <a:t>Body Level Four</a:t>
             </a:r>
-            <a:endParaRPr b="1" sz="2000">
-              <a:solidFill>
-                <a:srgbClr val="C4BD97"/>
-              </a:solidFill>
-            </a:endParaRPr>
           </a:p>
           <a:p>
             <a:pPr lvl="4">
-              <a:defRPr b="0" sz="1800">
-                <a:solidFill>
-                  <a:srgbClr val="000000"/>
-                </a:solidFill>
-              </a:defRPr>
-            </a:pPr>
-            <a:r>
-              <a:rPr b="1" sz="2000">
+              <a:defRPr sz="1800" b="0">
+                <a:solidFill>
+                  <a:srgbClr val="000000"/>
+                </a:solidFill>
+              </a:defRPr>
+            </a:pPr>
+            <a:r>
+              <a:rPr sz="2000" b="1">
                 <a:solidFill>
                   <a:srgbClr val="C4BD97"/>
                 </a:solidFill>
@@ -1657,13 +1613,16 @@
                 </a:solidFill>
               </a:defRPr>
             </a:pPr>
+            <a:endParaRPr/>
           </a:p>
         </p:txBody>
       </p:sp>
       <p:sp>
         <p:nvSpPr>
           <p:cNvPr id="17" name="Shape 17"/>
-          <p:cNvSpPr/>
+          <p:cNvSpPr>
+            <a:spLocks noGrp="1"/>
+          </p:cNvSpPr>
           <p:nvPr>
             <p:ph type="sldNum" sz="quarter" idx="2"/>
           </p:nvPr>
@@ -1678,7 +1637,10 @@
           <a:lstStyle/>
           <a:p>
             <a:pPr lvl="0"/>
-            <a:fld id="{86CB4B4D-7CA3-9044-876B-883B54F8677D}" type="slidenum"/>
+            <a:fld id="{86CB4B4D-7CA3-9044-876B-883B54F8677D}" type="slidenum">
+              <a:t>‹#›</a:t>
+            </a:fld>
+            <a:endParaRPr/>
           </a:p>
         </p:txBody>
       </p:sp>
@@ -1687,12 +1649,12 @@
   <p:clrMapOvr>
     <a:masterClrMapping/>
   </p:clrMapOvr>
-  <p:transition spd="med" advClick="1"/>
+  <p:transition spd="med"/>
 </p:sldLayout>
 </file>
 
 <file path=ppt/slideLayouts/slideLayout4.xml><?xml version="1.0" encoding="utf-8"?>
-<p:sldLayout xmlns:a="http://schemas.openxmlformats.org/drawingml/2006/main" xmlns:r="http://schemas.openxmlformats.org/officeDocument/2006/relationships" xmlns:p="http://schemas.openxmlformats.org/presentationml/2006/main" type="tx" showMasterSp="1" showMasterPhAnim="1">
+<p:sldLayout xmlns:a="http://schemas.openxmlformats.org/drawingml/2006/main" xmlns:r="http://schemas.openxmlformats.org/officeDocument/2006/relationships" xmlns:p="http://schemas.openxmlformats.org/presentationml/2006/main" type="tx">
   <p:cSld name="Two Content">
     <p:spTree>
       <p:nvGrpSpPr>
@@ -1711,7 +1673,9 @@
       <p:sp>
         <p:nvSpPr>
           <p:cNvPr id="19" name="Shape 19"/>
-          <p:cNvSpPr/>
+          <p:cNvSpPr>
+            <a:spLocks noGrp="1"/>
+          </p:cNvSpPr>
           <p:nvPr>
             <p:ph type="title"/>
           </p:nvPr>
@@ -1730,14 +1694,14 @@
           <a:lstStyle/>
           <a:p>
             <a:pPr lvl="0">
-              <a:defRPr cap="none" sz="1800">
-                <a:solidFill>
-                  <a:srgbClr val="000000"/>
-                </a:solidFill>
-              </a:defRPr>
-            </a:pPr>
-            <a:r>
-              <a:rPr cap="all" sz="3600">
+              <a:defRPr sz="1800" cap="none">
+                <a:solidFill>
+                  <a:srgbClr val="000000"/>
+                </a:solidFill>
+              </a:defRPr>
+            </a:pPr>
+            <a:r>
+              <a:rPr sz="3600" cap="all">
                 <a:solidFill>
                   <a:srgbClr val="001978"/>
                 </a:solidFill>
@@ -1750,7 +1714,9 @@
       <p:sp>
         <p:nvSpPr>
           <p:cNvPr id="20" name="Shape 20"/>
-          <p:cNvSpPr/>
+          <p:cNvSpPr>
+            <a:spLocks noGrp="1"/>
+          </p:cNvSpPr>
           <p:nvPr>
             <p:ph type="sldNum" sz="quarter" idx="2"/>
           </p:nvPr>
@@ -1765,14 +1731,19 @@
           <a:lstStyle/>
           <a:p>
             <a:pPr lvl="0"/>
-            <a:fld id="{86CB4B4D-7CA3-9044-876B-883B54F8677D}" type="slidenum"/>
+            <a:fld id="{86CB4B4D-7CA3-9044-876B-883B54F8677D}" type="slidenum">
+              <a:t>‹#›</a:t>
+            </a:fld>
+            <a:endParaRPr/>
           </a:p>
         </p:txBody>
       </p:sp>
       <p:sp>
         <p:nvSpPr>
           <p:cNvPr id="21" name="Shape 21"/>
-          <p:cNvSpPr/>
+          <p:cNvSpPr>
+            <a:spLocks noGrp="1"/>
+          </p:cNvSpPr>
           <p:nvPr>
             <p:ph type="body" idx="1"/>
           </p:nvPr>
@@ -1805,11 +1776,6 @@
               </a:rPr>
               <a:t>Body Level One</a:t>
             </a:r>
-            <a:endParaRPr sz="2000">
-              <a:solidFill>
-                <a:srgbClr val="001978"/>
-              </a:solidFill>
-            </a:endParaRPr>
           </a:p>
           <a:p>
             <a:pPr lvl="1">
@@ -1827,11 +1793,6 @@
               </a:rPr>
               <a:t>Body Level Two</a:t>
             </a:r>
-            <a:endParaRPr sz="2000">
-              <a:solidFill>
-                <a:srgbClr val="001978"/>
-              </a:solidFill>
-            </a:endParaRPr>
           </a:p>
           <a:p>
             <a:pPr lvl="2">
@@ -1849,11 +1810,6 @@
               </a:rPr>
               <a:t>Body Level Three</a:t>
             </a:r>
-            <a:endParaRPr sz="2000">
-              <a:solidFill>
-                <a:srgbClr val="001978"/>
-              </a:solidFill>
-            </a:endParaRPr>
           </a:p>
           <a:p>
             <a:pPr lvl="3">
@@ -1871,11 +1827,6 @@
               </a:rPr>
               <a:t>Body Level Four</a:t>
             </a:r>
-            <a:endParaRPr sz="2000">
-              <a:solidFill>
-                <a:srgbClr val="001978"/>
-              </a:solidFill>
-            </a:endParaRPr>
           </a:p>
           <a:p>
             <a:pPr lvl="4">
@@ -1901,12 +1852,12 @@
   <p:clrMapOvr>
     <a:masterClrMapping/>
   </p:clrMapOvr>
-  <p:transition spd="med" advClick="1"/>
+  <p:transition spd="med"/>
 </p:sldLayout>
 </file>
 
 <file path=ppt/slideLayouts/slideLayout5.xml><?xml version="1.0" encoding="utf-8"?>
-<p:sldLayout xmlns:a="http://schemas.openxmlformats.org/drawingml/2006/main" xmlns:r="http://schemas.openxmlformats.org/officeDocument/2006/relationships" xmlns:p="http://schemas.openxmlformats.org/presentationml/2006/main" type="tx" showMasterSp="1" showMasterPhAnim="1">
+<p:sldLayout xmlns:a="http://schemas.openxmlformats.org/drawingml/2006/main" xmlns:r="http://schemas.openxmlformats.org/officeDocument/2006/relationships" xmlns:p="http://schemas.openxmlformats.org/presentationml/2006/main" type="tx">
   <p:cSld name="Comparison">
     <p:spTree>
       <p:nvGrpSpPr>
@@ -1925,7 +1876,9 @@
       <p:sp>
         <p:nvSpPr>
           <p:cNvPr id="23" name="Shape 23"/>
-          <p:cNvSpPr/>
+          <p:cNvSpPr>
+            <a:spLocks noGrp="1"/>
+          </p:cNvSpPr>
           <p:nvPr>
             <p:ph type="title"/>
           </p:nvPr>
@@ -1944,14 +1897,14 @@
           <a:lstStyle/>
           <a:p>
             <a:pPr lvl="0">
-              <a:defRPr cap="none" sz="1800">
-                <a:solidFill>
-                  <a:srgbClr val="000000"/>
-                </a:solidFill>
-              </a:defRPr>
-            </a:pPr>
-            <a:r>
-              <a:rPr cap="all" sz="3600">
+              <a:defRPr sz="1800" cap="none">
+                <a:solidFill>
+                  <a:srgbClr val="000000"/>
+                </a:solidFill>
+              </a:defRPr>
+            </a:pPr>
+            <a:r>
+              <a:rPr sz="3600" cap="all">
                 <a:solidFill>
                   <a:srgbClr val="001978"/>
                 </a:solidFill>
@@ -1964,7 +1917,9 @@
       <p:sp>
         <p:nvSpPr>
           <p:cNvPr id="24" name="Shape 24"/>
-          <p:cNvSpPr/>
+          <p:cNvSpPr>
+            <a:spLocks noGrp="1"/>
+          </p:cNvSpPr>
           <p:nvPr>
             <p:ph type="body" idx="1"/>
           </p:nvPr>
@@ -1986,7 +1941,7 @@
               <a:buSzTx/>
               <a:buFontTx/>
               <a:buNone/>
-              <a:defRPr b="1" sz="1800">
+              <a:defRPr sz="1800" b="1">
                 <a:solidFill>
                   <a:srgbClr val="9F9F9F"/>
                 </a:solidFill>
@@ -1997,7 +1952,7 @@
               <a:buSzTx/>
               <a:buFontTx/>
               <a:buNone/>
-              <a:defRPr b="1" sz="1800">
+              <a:defRPr sz="1800" b="1">
                 <a:solidFill>
                   <a:srgbClr val="9F9F9F"/>
                 </a:solidFill>
@@ -2008,7 +1963,7 @@
               <a:buSzTx/>
               <a:buFontTx/>
               <a:buNone/>
-              <a:defRPr b="1" sz="1800">
+              <a:defRPr sz="1800" b="1">
                 <a:solidFill>
                   <a:srgbClr val="9F9F9F"/>
                 </a:solidFill>
@@ -2019,7 +1974,7 @@
               <a:buSzTx/>
               <a:buFontTx/>
               <a:buNone/>
-              <a:defRPr b="1" sz="1800">
+              <a:defRPr sz="1800" b="1">
                 <a:solidFill>
                   <a:srgbClr val="9F9F9F"/>
                 </a:solidFill>
@@ -2030,7 +1985,7 @@
               <a:buSzTx/>
               <a:buFontTx/>
               <a:buNone/>
-              <a:defRPr b="1" sz="1800">
+              <a:defRPr sz="1800" b="1">
                 <a:solidFill>
                   <a:srgbClr val="9F9F9F"/>
                 </a:solidFill>
@@ -2053,11 +2008,6 @@
               </a:rPr>
               <a:t>Body Level One</a:t>
             </a:r>
-            <a:endParaRPr b="1">
-              <a:solidFill>
-                <a:srgbClr val="9F9F9F"/>
-              </a:solidFill>
-            </a:endParaRPr>
           </a:p>
           <a:p>
             <a:pPr lvl="1">
@@ -2075,11 +2025,6 @@
               </a:rPr>
               <a:t>Body Level Two</a:t>
             </a:r>
-            <a:endParaRPr b="1">
-              <a:solidFill>
-                <a:srgbClr val="9F9F9F"/>
-              </a:solidFill>
-            </a:endParaRPr>
           </a:p>
           <a:p>
             <a:pPr lvl="2">
@@ -2097,11 +2042,6 @@
               </a:rPr>
               <a:t>Body Level Three</a:t>
             </a:r>
-            <a:endParaRPr b="1">
-              <a:solidFill>
-                <a:srgbClr val="9F9F9F"/>
-              </a:solidFill>
-            </a:endParaRPr>
           </a:p>
           <a:p>
             <a:pPr lvl="3">
@@ -2119,11 +2059,6 @@
               </a:rPr>
               <a:t>Body Level Four</a:t>
             </a:r>
-            <a:endParaRPr b="1">
-              <a:solidFill>
-                <a:srgbClr val="9F9F9F"/>
-              </a:solidFill>
-            </a:endParaRPr>
           </a:p>
           <a:p>
             <a:pPr lvl="4">
@@ -2147,7 +2082,9 @@
       <p:sp>
         <p:nvSpPr>
           <p:cNvPr id="25" name="Shape 25"/>
-          <p:cNvSpPr/>
+          <p:cNvSpPr>
+            <a:spLocks noGrp="1"/>
+          </p:cNvSpPr>
           <p:nvPr>
             <p:ph type="sldNum" sz="quarter" idx="2"/>
           </p:nvPr>
@@ -2162,7 +2099,10 @@
           <a:lstStyle/>
           <a:p>
             <a:pPr lvl="0"/>
-            <a:fld id="{86CB4B4D-7CA3-9044-876B-883B54F8677D}" type="slidenum"/>
+            <a:fld id="{86CB4B4D-7CA3-9044-876B-883B54F8677D}" type="slidenum">
+              <a:t>‹#›</a:t>
+            </a:fld>
+            <a:endParaRPr/>
           </a:p>
         </p:txBody>
       </p:sp>
@@ -2171,12 +2111,12 @@
   <p:clrMapOvr>
     <a:masterClrMapping/>
   </p:clrMapOvr>
-  <p:transition spd="med" advClick="1"/>
+  <p:transition spd="med"/>
 </p:sldLayout>
 </file>
 
 <file path=ppt/slideLayouts/slideLayout6.xml><?xml version="1.0" encoding="utf-8"?>
-<p:sldLayout xmlns:a="http://schemas.openxmlformats.org/drawingml/2006/main" xmlns:r="http://schemas.openxmlformats.org/officeDocument/2006/relationships" xmlns:p="http://schemas.openxmlformats.org/presentationml/2006/main" type="tx" showMasterSp="1" showMasterPhAnim="1">
+<p:sldLayout xmlns:a="http://schemas.openxmlformats.org/drawingml/2006/main" xmlns:r="http://schemas.openxmlformats.org/officeDocument/2006/relationships" xmlns:p="http://schemas.openxmlformats.org/presentationml/2006/main" type="tx">
   <p:cSld name="Title Only">
     <p:spTree>
       <p:nvGrpSpPr>
@@ -2195,7 +2135,9 @@
       <p:sp>
         <p:nvSpPr>
           <p:cNvPr id="27" name="Shape 27"/>
-          <p:cNvSpPr/>
+          <p:cNvSpPr>
+            <a:spLocks noGrp="1"/>
+          </p:cNvSpPr>
           <p:nvPr>
             <p:ph type="title"/>
           </p:nvPr>
@@ -2214,14 +2156,14 @@
           <a:lstStyle/>
           <a:p>
             <a:pPr lvl="0">
-              <a:defRPr cap="none" sz="1800">
-                <a:solidFill>
-                  <a:srgbClr val="000000"/>
-                </a:solidFill>
-              </a:defRPr>
-            </a:pPr>
-            <a:r>
-              <a:rPr cap="all" sz="3600">
+              <a:defRPr sz="1800" cap="none">
+                <a:solidFill>
+                  <a:srgbClr val="000000"/>
+                </a:solidFill>
+              </a:defRPr>
+            </a:pPr>
+            <a:r>
+              <a:rPr sz="3600" cap="all">
                 <a:solidFill>
                   <a:srgbClr val="001978"/>
                 </a:solidFill>
@@ -2234,7 +2176,9 @@
       <p:sp>
         <p:nvSpPr>
           <p:cNvPr id="28" name="Shape 28"/>
-          <p:cNvSpPr/>
+          <p:cNvSpPr>
+            <a:spLocks noGrp="1"/>
+          </p:cNvSpPr>
           <p:nvPr>
             <p:ph type="sldNum" sz="quarter" idx="2"/>
           </p:nvPr>
@@ -2249,7 +2193,10 @@
           <a:lstStyle/>
           <a:p>
             <a:pPr lvl="0"/>
-            <a:fld id="{86CB4B4D-7CA3-9044-876B-883B54F8677D}" type="slidenum"/>
+            <a:fld id="{86CB4B4D-7CA3-9044-876B-883B54F8677D}" type="slidenum">
+              <a:t>‹#›</a:t>
+            </a:fld>
+            <a:endParaRPr/>
           </a:p>
         </p:txBody>
       </p:sp>
@@ -2258,12 +2205,12 @@
   <p:clrMapOvr>
     <a:masterClrMapping/>
   </p:clrMapOvr>
-  <p:transition spd="med" advClick="1"/>
+  <p:transition spd="med"/>
 </p:sldLayout>
 </file>
 
 <file path=ppt/slideLayouts/slideLayout7.xml><?xml version="1.0" encoding="utf-8"?>
-<p:sldLayout xmlns:a="http://schemas.openxmlformats.org/drawingml/2006/main" xmlns:r="http://schemas.openxmlformats.org/officeDocument/2006/relationships" xmlns:p="http://schemas.openxmlformats.org/presentationml/2006/main" type="tx" showMasterSp="1" showMasterPhAnim="1">
+<p:sldLayout xmlns:a="http://schemas.openxmlformats.org/drawingml/2006/main" xmlns:r="http://schemas.openxmlformats.org/officeDocument/2006/relationships" xmlns:p="http://schemas.openxmlformats.org/presentationml/2006/main" type="tx">
   <p:cSld name="Blank">
     <p:spTree>
       <p:nvGrpSpPr>
@@ -2282,7 +2229,9 @@
       <p:sp>
         <p:nvSpPr>
           <p:cNvPr id="30" name="Shape 30"/>
-          <p:cNvSpPr/>
+          <p:cNvSpPr>
+            <a:spLocks noGrp="1"/>
+          </p:cNvSpPr>
           <p:nvPr>
             <p:ph type="sldNum" sz="quarter" idx="2"/>
           </p:nvPr>
@@ -2297,7 +2246,10 @@
           <a:lstStyle/>
           <a:p>
             <a:pPr lvl="0"/>
-            <a:fld id="{86CB4B4D-7CA3-9044-876B-883B54F8677D}" type="slidenum"/>
+            <a:fld id="{86CB4B4D-7CA3-9044-876B-883B54F8677D}" type="slidenum">
+              <a:t>‹#›</a:t>
+            </a:fld>
+            <a:endParaRPr/>
           </a:p>
         </p:txBody>
       </p:sp>
@@ -2306,12 +2258,12 @@
   <p:clrMapOvr>
     <a:masterClrMapping/>
   </p:clrMapOvr>
-  <p:transition spd="med" advClick="1"/>
+  <p:transition spd="med"/>
 </p:sldLayout>
 </file>
 
 <file path=ppt/slideLayouts/slideLayout8.xml><?xml version="1.0" encoding="utf-8"?>
-<p:sldLayout xmlns:a="http://schemas.openxmlformats.org/drawingml/2006/main" xmlns:r="http://schemas.openxmlformats.org/officeDocument/2006/relationships" xmlns:p="http://schemas.openxmlformats.org/presentationml/2006/main" type="tx" showMasterSp="1" showMasterPhAnim="1">
+<p:sldLayout xmlns:a="http://schemas.openxmlformats.org/drawingml/2006/main" xmlns:r="http://schemas.openxmlformats.org/officeDocument/2006/relationships" xmlns:p="http://schemas.openxmlformats.org/presentationml/2006/main" type="tx">
   <p:cSld name="Content with Caption">
     <p:spTree>
       <p:nvGrpSpPr>
@@ -2330,7 +2282,9 @@
       <p:sp>
         <p:nvSpPr>
           <p:cNvPr id="32" name="Shape 32"/>
-          <p:cNvSpPr/>
+          <p:cNvSpPr>
+            <a:spLocks noGrp="1"/>
+          </p:cNvSpPr>
           <p:nvPr>
             <p:ph type="title"/>
           </p:nvPr>
@@ -2350,7 +2304,7 @@
           </a:bodyPr>
           <a:lstStyle>
             <a:lvl1pPr>
-              <a:defRPr b="1" cap="none" sz="1600">
+              <a:defRPr sz="1600" b="1" cap="none">
                 <a:solidFill>
                   <a:srgbClr val="9F9F9F"/>
                 </a:solidFill>
@@ -2359,14 +2313,14 @@
           </a:lstStyle>
           <a:p>
             <a:pPr lvl="0">
-              <a:defRPr b="0" sz="1800">
-                <a:solidFill>
-                  <a:srgbClr val="000000"/>
-                </a:solidFill>
-              </a:defRPr>
-            </a:pPr>
-            <a:r>
-              <a:rPr b="1" sz="1600">
+              <a:defRPr sz="1800" b="0">
+                <a:solidFill>
+                  <a:srgbClr val="000000"/>
+                </a:solidFill>
+              </a:defRPr>
+            </a:pPr>
+            <a:r>
+              <a:rPr sz="1600" b="1">
                 <a:solidFill>
                   <a:srgbClr val="9F9F9F"/>
                 </a:solidFill>
@@ -2379,7 +2333,9 @@
       <p:sp>
         <p:nvSpPr>
           <p:cNvPr id="33" name="Shape 33"/>
-          <p:cNvSpPr/>
+          <p:cNvSpPr>
+            <a:spLocks noGrp="1"/>
+          </p:cNvSpPr>
           <p:nvPr>
             <p:ph type="sldNum" sz="quarter" idx="2"/>
           </p:nvPr>
@@ -2394,14 +2350,19 @@
           <a:lstStyle/>
           <a:p>
             <a:pPr lvl="0"/>
-            <a:fld id="{86CB4B4D-7CA3-9044-876B-883B54F8677D}" type="slidenum"/>
+            <a:fld id="{86CB4B4D-7CA3-9044-876B-883B54F8677D}" type="slidenum">
+              <a:t>‹#›</a:t>
+            </a:fld>
+            <a:endParaRPr/>
           </a:p>
         </p:txBody>
       </p:sp>
       <p:sp>
         <p:nvSpPr>
           <p:cNvPr id="34" name="Shape 34"/>
-          <p:cNvSpPr/>
+          <p:cNvSpPr>
+            <a:spLocks noGrp="1"/>
+          </p:cNvSpPr>
           <p:nvPr>
             <p:ph type="body" idx="1"/>
           </p:nvPr>
@@ -2434,11 +2395,6 @@
               </a:rPr>
               <a:t>Body Level One</a:t>
             </a:r>
-            <a:endParaRPr sz="2000">
-              <a:solidFill>
-                <a:srgbClr val="001978"/>
-              </a:solidFill>
-            </a:endParaRPr>
           </a:p>
           <a:p>
             <a:pPr lvl="1">
@@ -2456,11 +2412,6 @@
               </a:rPr>
               <a:t>Body Level Two</a:t>
             </a:r>
-            <a:endParaRPr sz="2000">
-              <a:solidFill>
-                <a:srgbClr val="001978"/>
-              </a:solidFill>
-            </a:endParaRPr>
           </a:p>
           <a:p>
             <a:pPr lvl="2">
@@ -2478,11 +2429,6 @@
               </a:rPr>
               <a:t>Body Level Three</a:t>
             </a:r>
-            <a:endParaRPr sz="2000">
-              <a:solidFill>
-                <a:srgbClr val="001978"/>
-              </a:solidFill>
-            </a:endParaRPr>
           </a:p>
           <a:p>
             <a:pPr lvl="3">
@@ -2500,11 +2446,6 @@
               </a:rPr>
               <a:t>Body Level Four</a:t>
             </a:r>
-            <a:endParaRPr sz="2000">
-              <a:solidFill>
-                <a:srgbClr val="001978"/>
-              </a:solidFill>
-            </a:endParaRPr>
           </a:p>
           <a:p>
             <a:pPr lvl="4">
@@ -2530,12 +2471,12 @@
   <p:clrMapOvr>
     <a:masterClrMapping/>
   </p:clrMapOvr>
-  <p:transition spd="med" advClick="1"/>
+  <p:transition spd="med"/>
 </p:sldLayout>
 </file>
 
 <file path=ppt/slideLayouts/slideLayout9.xml><?xml version="1.0" encoding="utf-8"?>
-<p:sldLayout xmlns:a="http://schemas.openxmlformats.org/drawingml/2006/main" xmlns:r="http://schemas.openxmlformats.org/officeDocument/2006/relationships" xmlns:p="http://schemas.openxmlformats.org/presentationml/2006/main" type="tx" showMasterSp="1" showMasterPhAnim="1">
+<p:sldLayout xmlns:a="http://schemas.openxmlformats.org/drawingml/2006/main" xmlns:r="http://schemas.openxmlformats.org/officeDocument/2006/relationships" xmlns:p="http://schemas.openxmlformats.org/presentationml/2006/main" type="tx">
   <p:cSld name="Picture with Caption">
     <p:spTree>
       <p:nvGrpSpPr>
@@ -2554,7 +2495,9 @@
       <p:sp>
         <p:nvSpPr>
           <p:cNvPr id="36" name="Shape 36"/>
-          <p:cNvSpPr/>
+          <p:cNvSpPr>
+            <a:spLocks noGrp="1"/>
+          </p:cNvSpPr>
           <p:nvPr>
             <p:ph type="sldNum" sz="quarter" idx="2"/>
           </p:nvPr>
@@ -2569,14 +2512,19 @@
           <a:lstStyle/>
           <a:p>
             <a:pPr lvl="0"/>
-            <a:fld id="{86CB4B4D-7CA3-9044-876B-883B54F8677D}" type="slidenum"/>
+            <a:fld id="{86CB4B4D-7CA3-9044-876B-883B54F8677D}" type="slidenum">
+              <a:t>‹#›</a:t>
+            </a:fld>
+            <a:endParaRPr/>
           </a:p>
         </p:txBody>
       </p:sp>
       <p:sp>
         <p:nvSpPr>
           <p:cNvPr id="37" name="Shape 37"/>
-          <p:cNvSpPr/>
+          <p:cNvSpPr>
+            <a:spLocks noGrp="1"/>
+          </p:cNvSpPr>
           <p:nvPr>
             <p:ph type="title"/>
           </p:nvPr>
@@ -2596,7 +2544,7 @@
           </a:bodyPr>
           <a:lstStyle>
             <a:lvl1pPr>
-              <a:defRPr b="1" cap="none" sz="1600">
+              <a:defRPr sz="1600" b="1" cap="none">
                 <a:solidFill>
                   <a:srgbClr val="9F9F9F"/>
                 </a:solidFill>
@@ -2605,14 +2553,14 @@
           </a:lstStyle>
           <a:p>
             <a:pPr lvl="0">
-              <a:defRPr b="0" sz="1800">
-                <a:solidFill>
-                  <a:srgbClr val="000000"/>
-                </a:solidFill>
-              </a:defRPr>
-            </a:pPr>
-            <a:r>
-              <a:rPr b="1" sz="1600">
+              <a:defRPr sz="1800" b="0">
+                <a:solidFill>
+                  <a:srgbClr val="000000"/>
+                </a:solidFill>
+              </a:defRPr>
+            </a:pPr>
+            <a:r>
+              <a:rPr sz="1600" b="1">
                 <a:solidFill>
                   <a:srgbClr val="9F9F9F"/>
                 </a:solidFill>
@@ -2625,7 +2573,9 @@
       <p:sp>
         <p:nvSpPr>
           <p:cNvPr id="38" name="Shape 38"/>
-          <p:cNvSpPr/>
+          <p:cNvSpPr>
+            <a:spLocks noGrp="1"/>
+          </p:cNvSpPr>
           <p:nvPr>
             <p:ph type="body" idx="1"/>
           </p:nvPr>
@@ -2694,11 +2644,6 @@
               </a:rPr>
               <a:t>Body Level One</a:t>
             </a:r>
-            <a:endParaRPr sz="1600">
-              <a:solidFill>
-                <a:srgbClr val="001978"/>
-              </a:solidFill>
-            </a:endParaRPr>
           </a:p>
           <a:p>
             <a:pPr lvl="1">
@@ -2716,11 +2661,6 @@
               </a:rPr>
               <a:t>Body Level Two</a:t>
             </a:r>
-            <a:endParaRPr sz="1600">
-              <a:solidFill>
-                <a:srgbClr val="001978"/>
-              </a:solidFill>
-            </a:endParaRPr>
           </a:p>
           <a:p>
             <a:pPr lvl="2">
@@ -2738,11 +2678,6 @@
               </a:rPr>
               <a:t>Body Level Three</a:t>
             </a:r>
-            <a:endParaRPr sz="1600">
-              <a:solidFill>
-                <a:srgbClr val="001978"/>
-              </a:solidFill>
-            </a:endParaRPr>
           </a:p>
           <a:p>
             <a:pPr lvl="3">
@@ -2760,11 +2695,6 @@
               </a:rPr>
               <a:t>Body Level Four</a:t>
             </a:r>
-            <a:endParaRPr sz="1600">
-              <a:solidFill>
-                <a:srgbClr val="001978"/>
-              </a:solidFill>
-            </a:endParaRPr>
           </a:p>
           <a:p>
             <a:pPr lvl="4">
@@ -2790,7 +2720,7 @@
   <p:clrMapOvr>
     <a:masterClrMapping/>
   </p:clrMapOvr>
-  <p:transition spd="med" advClick="1"/>
+  <p:transition spd="med"/>
 </p:sldLayout>
 </file>
 
@@ -2800,12 +2730,13 @@
     <p:bg>
       <p:bgPr>
         <a:blipFill rotWithShape="1">
-          <a:blip r:embed="rId2"/>
-          <a:srcRect l="0" t="0" r="0" b="0"/>
+          <a:blip r:embed="rId14"/>
+          <a:srcRect/>
           <a:stretch>
             <a:fillRect/>
           </a:stretch>
         </a:blipFill>
+        <a:effectLst/>
       </p:bgPr>
     </p:bg>
     <p:spTree>
@@ -2825,7 +2756,9 @@
       <p:sp>
         <p:nvSpPr>
           <p:cNvPr id="2" name="Shape 2"/>
-          <p:cNvSpPr/>
+          <p:cNvSpPr>
+            <a:spLocks noGrp="1"/>
+          </p:cNvSpPr>
           <p:nvPr>
             <p:ph type="title"/>
           </p:nvPr>
@@ -2843,25 +2776,25 @@
           </a:ln>
           <a:extLst>
             <a:ext uri="{C572A759-6A51-4108-AA02-DFA0A04FC94B}">
-              <ma14:wrappingTextBoxFlag xmlns:ma14="http://schemas.microsoft.com/office/mac/drawingml/2011/main" val="1"/>
+              <ma14:wrappingTextBoxFlag xmlns:ma14="http://schemas.microsoft.com/office/mac/drawingml/2011/main" xmlns="" val="1"/>
             </a:ext>
           </a:extLst>
         </p:spPr>
         <p:txBody>
           <a:bodyPr lIns="0" tIns="0" rIns="0" bIns="0" anchor="ctr">
-            <a:normAutofit fontScale="100000" lnSpcReduction="0"/>
+            <a:normAutofit/>
           </a:bodyPr>
           <a:lstStyle/>
           <a:p>
             <a:pPr lvl="0">
-              <a:defRPr cap="none" sz="1800">
-                <a:solidFill>
-                  <a:srgbClr val="000000"/>
-                </a:solidFill>
-              </a:defRPr>
-            </a:pPr>
-            <a:r>
-              <a:rPr cap="all" sz="3600">
+              <a:defRPr sz="1800" cap="none">
+                <a:solidFill>
+                  <a:srgbClr val="000000"/>
+                </a:solidFill>
+              </a:defRPr>
+            </a:pPr>
+            <a:r>
+              <a:rPr sz="3600" cap="all">
                 <a:solidFill>
                   <a:srgbClr val="001978"/>
                 </a:solidFill>
@@ -2874,7 +2807,9 @@
       <p:sp>
         <p:nvSpPr>
           <p:cNvPr id="3" name="Shape 3"/>
-          <p:cNvSpPr/>
+          <p:cNvSpPr>
+            <a:spLocks noGrp="1"/>
+          </p:cNvSpPr>
           <p:nvPr>
             <p:ph type="body" idx="1"/>
           </p:nvPr>
@@ -2892,13 +2827,13 @@
           </a:ln>
           <a:extLst>
             <a:ext uri="{C572A759-6A51-4108-AA02-DFA0A04FC94B}">
-              <ma14:wrappingTextBoxFlag xmlns:ma14="http://schemas.microsoft.com/office/mac/drawingml/2011/main" val="1"/>
+              <ma14:wrappingTextBoxFlag xmlns:ma14="http://schemas.microsoft.com/office/mac/drawingml/2011/main" xmlns="" val="1"/>
             </a:ext>
           </a:extLst>
         </p:spPr>
         <p:txBody>
           <a:bodyPr lIns="0" tIns="0" rIns="0" bIns="0">
-            <a:normAutofit fontScale="100000" lnSpcReduction="0"/>
+            <a:normAutofit/>
           </a:bodyPr>
           <a:lstStyle/>
           <a:p>
@@ -2917,11 +2852,6 @@
               </a:rPr>
               <a:t>Body Level One</a:t>
             </a:r>
-            <a:endParaRPr sz="2000">
-              <a:solidFill>
-                <a:srgbClr val="001978"/>
-              </a:solidFill>
-            </a:endParaRPr>
           </a:p>
           <a:p>
             <a:pPr lvl="1">
@@ -2939,11 +2869,6 @@
               </a:rPr>
               <a:t>Body Level Two</a:t>
             </a:r>
-            <a:endParaRPr sz="2000">
-              <a:solidFill>
-                <a:srgbClr val="001978"/>
-              </a:solidFill>
-            </a:endParaRPr>
           </a:p>
           <a:p>
             <a:pPr lvl="2">
@@ -2961,11 +2886,6 @@
               </a:rPr>
               <a:t>Body Level Three</a:t>
             </a:r>
-            <a:endParaRPr sz="2000">
-              <a:solidFill>
-                <a:srgbClr val="001978"/>
-              </a:solidFill>
-            </a:endParaRPr>
           </a:p>
           <a:p>
             <a:pPr lvl="3">
@@ -2983,11 +2903,6 @@
               </a:rPr>
               <a:t>Body Level Four</a:t>
             </a:r>
-            <a:endParaRPr sz="2000">
-              <a:solidFill>
-                <a:srgbClr val="001978"/>
-              </a:solidFill>
-            </a:endParaRPr>
           </a:p>
           <a:p>
             <a:pPr lvl="4">
@@ -3011,7 +2926,9 @@
       <p:sp>
         <p:nvSpPr>
           <p:cNvPr id="4" name="Shape 4"/>
-          <p:cNvSpPr/>
+          <p:cNvSpPr>
+            <a:spLocks noGrp="1"/>
+          </p:cNvSpPr>
           <p:nvPr>
             <p:ph type="sldNum" sz="quarter" idx="2"/>
           </p:nvPr>
@@ -3034,7 +2951,7 @@
           </a:bodyPr>
           <a:lstStyle>
             <a:lvl1pPr algn="r">
-              <a:defRPr b="1" sz="1100">
+              <a:defRPr sz="1100" b="1">
                 <a:solidFill>
                   <a:srgbClr val="4D4D4D"/>
                 </a:solidFill>
@@ -3043,7 +2960,10 @@
           </a:lstStyle>
           <a:p>
             <a:pPr lvl="0"/>
-            <a:fld id="{86CB4B4D-7CA3-9044-876B-883B54F8677D}" type="slidenum"/>
+            <a:fld id="{86CB4B4D-7CA3-9044-876B-883B54F8677D}" type="slidenum">
+              <a:t>‹#›</a:t>
+            </a:fld>
+            <a:endParaRPr/>
           </a:p>
         </p:txBody>
       </p:sp>
@@ -3051,24 +2971,24 @@
   </p:cSld>
   <p:clrMap bg1="lt1" tx1="dk1" bg2="lt2" tx2="dk2" accent1="accent1" accent2="accent2" accent3="accent3" accent4="accent4" accent5="accent5" accent6="accent6" hlink="hlink" folHlink="folHlink"/>
   <p:sldLayoutIdLst>
-    <p:sldLayoutId id="2147483649" r:id="rId3"/>
-    <p:sldLayoutId id="2147483650" r:id="rId4"/>
-    <p:sldLayoutId id="2147483651" r:id="rId5"/>
-    <p:sldLayoutId id="2147483652" r:id="rId6"/>
-    <p:sldLayoutId id="2147483653" r:id="rId7"/>
-    <p:sldLayoutId id="2147483654" r:id="rId8"/>
-    <p:sldLayoutId id="2147483655" r:id="rId9"/>
-    <p:sldLayoutId id="2147483656" r:id="rId10"/>
-    <p:sldLayoutId id="2147483657" r:id="rId11"/>
-    <p:sldLayoutId id="2147483658" r:id="rId12"/>
-    <p:sldLayoutId id="2147483659" r:id="rId13"/>
-    <p:sldLayoutId id="2147483660" r:id="rId14"/>
+    <p:sldLayoutId id="2147483649" r:id="rId1"/>
+    <p:sldLayoutId id="2147483650" r:id="rId2"/>
+    <p:sldLayoutId id="2147483651" r:id="rId3"/>
+    <p:sldLayoutId id="2147483652" r:id="rId4"/>
+    <p:sldLayoutId id="2147483653" r:id="rId5"/>
+    <p:sldLayoutId id="2147483654" r:id="rId6"/>
+    <p:sldLayoutId id="2147483655" r:id="rId7"/>
+    <p:sldLayoutId id="2147483656" r:id="rId8"/>
+    <p:sldLayoutId id="2147483657" r:id="rId9"/>
+    <p:sldLayoutId id="2147483658" r:id="rId10"/>
+    <p:sldLayoutId id="2147483659" r:id="rId11"/>
+    <p:sldLayoutId id="2147483660" r:id="rId12"/>
   </p:sldLayoutIdLst>
-  <p:transition spd="med" advClick="1"/>
+  <p:transition spd="med"/>
   <p:txStyles>
     <p:titleStyle>
       <a:lvl1pPr>
-        <a:defRPr cap="all" sz="3600">
+        <a:defRPr sz="3600" cap="all">
           <a:solidFill>
             <a:srgbClr val="001978"/>
           </a:solidFill>
@@ -3079,7 +2999,7 @@
         </a:defRPr>
       </a:lvl1pPr>
       <a:lvl2pPr>
-        <a:defRPr cap="all" sz="3600">
+        <a:defRPr sz="3600" cap="all">
           <a:solidFill>
             <a:srgbClr val="001978"/>
           </a:solidFill>
@@ -3090,7 +3010,7 @@
         </a:defRPr>
       </a:lvl2pPr>
       <a:lvl3pPr>
-        <a:defRPr cap="all" sz="3600">
+        <a:defRPr sz="3600" cap="all">
           <a:solidFill>
             <a:srgbClr val="001978"/>
           </a:solidFill>
@@ -3101,7 +3021,7 @@
         </a:defRPr>
       </a:lvl3pPr>
       <a:lvl4pPr>
-        <a:defRPr cap="all" sz="3600">
+        <a:defRPr sz="3600" cap="all">
           <a:solidFill>
             <a:srgbClr val="001978"/>
           </a:solidFill>
@@ -3112,7 +3032,7 @@
         </a:defRPr>
       </a:lvl4pPr>
       <a:lvl5pPr>
-        <a:defRPr cap="all" sz="3600">
+        <a:defRPr sz="3600" cap="all">
           <a:solidFill>
             <a:srgbClr val="001978"/>
           </a:solidFill>
@@ -3123,7 +3043,7 @@
         </a:defRPr>
       </a:lvl5pPr>
       <a:lvl6pPr>
-        <a:defRPr cap="all" sz="3600">
+        <a:defRPr sz="3600" cap="all">
           <a:solidFill>
             <a:srgbClr val="001978"/>
           </a:solidFill>
@@ -3134,7 +3054,7 @@
         </a:defRPr>
       </a:lvl6pPr>
       <a:lvl7pPr>
-        <a:defRPr cap="all" sz="3600">
+        <a:defRPr sz="3600" cap="all">
           <a:solidFill>
             <a:srgbClr val="001978"/>
           </a:solidFill>
@@ -3145,7 +3065,7 @@
         </a:defRPr>
       </a:lvl7pPr>
       <a:lvl8pPr>
-        <a:defRPr cap="all" sz="3600">
+        <a:defRPr sz="3600" cap="all">
           <a:solidFill>
             <a:srgbClr val="001978"/>
           </a:solidFill>
@@ -3156,7 +3076,7 @@
         </a:defRPr>
       </a:lvl8pPr>
       <a:lvl9pPr>
-        <a:defRPr cap="all" sz="3600">
+        <a:defRPr sz="3600" cap="all">
           <a:solidFill>
             <a:srgbClr val="001978"/>
           </a:solidFill>
@@ -3351,7 +3271,7 @@
     </p:bodyStyle>
     <p:otherStyle>
       <a:lvl1pPr algn="r" defTabSz="457200">
-        <a:defRPr b="1" sz="1100">
+        <a:defRPr sz="1100" b="1">
           <a:solidFill>
             <a:schemeClr val="tx1"/>
           </a:solidFill>
@@ -3362,7 +3282,7 @@
         </a:defRPr>
       </a:lvl1pPr>
       <a:lvl2pPr indent="457200" algn="r" defTabSz="457200">
-        <a:defRPr b="1" sz="1100">
+        <a:defRPr sz="1100" b="1">
           <a:solidFill>
             <a:schemeClr val="tx1"/>
           </a:solidFill>
@@ -3373,7 +3293,7 @@
         </a:defRPr>
       </a:lvl2pPr>
       <a:lvl3pPr indent="914400" algn="r" defTabSz="457200">
-        <a:defRPr b="1" sz="1100">
+        <a:defRPr sz="1100" b="1">
           <a:solidFill>
             <a:schemeClr val="tx1"/>
           </a:solidFill>
@@ -3384,7 +3304,7 @@
         </a:defRPr>
       </a:lvl3pPr>
       <a:lvl4pPr indent="1371600" algn="r" defTabSz="457200">
-        <a:defRPr b="1" sz="1100">
+        <a:defRPr sz="1100" b="1">
           <a:solidFill>
             <a:schemeClr val="tx1"/>
           </a:solidFill>
@@ -3395,7 +3315,7 @@
         </a:defRPr>
       </a:lvl4pPr>
       <a:lvl5pPr indent="1828800" algn="r" defTabSz="457200">
-        <a:defRPr b="1" sz="1100">
+        <a:defRPr sz="1100" b="1">
           <a:solidFill>
             <a:schemeClr val="tx1"/>
           </a:solidFill>
@@ -3406,7 +3326,7 @@
         </a:defRPr>
       </a:lvl5pPr>
       <a:lvl6pPr indent="2286000" algn="r" defTabSz="457200">
-        <a:defRPr b="1" sz="1100">
+        <a:defRPr sz="1100" b="1">
           <a:solidFill>
             <a:schemeClr val="tx1"/>
           </a:solidFill>
@@ -3417,7 +3337,7 @@
         </a:defRPr>
       </a:lvl6pPr>
       <a:lvl7pPr indent="2743200" algn="r" defTabSz="457200">
-        <a:defRPr b="1" sz="1100">
+        <a:defRPr sz="1100" b="1">
           <a:solidFill>
             <a:schemeClr val="tx1"/>
           </a:solidFill>
@@ -3428,7 +3348,7 @@
         </a:defRPr>
       </a:lvl7pPr>
       <a:lvl8pPr indent="3200400" algn="r" defTabSz="457200">
-        <a:defRPr b="1" sz="1100">
+        <a:defRPr sz="1100" b="1">
           <a:solidFill>
             <a:schemeClr val="tx1"/>
           </a:solidFill>
@@ -3439,7 +3359,7 @@
         </a:defRPr>
       </a:lvl8pPr>
       <a:lvl9pPr indent="3657600" algn="r" defTabSz="457200">
-        <a:defRPr b="1" sz="1100">
+        <a:defRPr sz="1100" b="1">
           <a:solidFill>
             <a:schemeClr val="tx1"/>
           </a:solidFill>
@@ -3455,7 +3375,7 @@
 </file>
 
 <file path=ppt/slides/slide1.xml><?xml version="1.0" encoding="utf-8"?>
-<p:sld xmlns:a="http://schemas.openxmlformats.org/drawingml/2006/main" xmlns:r="http://schemas.openxmlformats.org/officeDocument/2006/relationships" xmlns:p="http://schemas.openxmlformats.org/presentationml/2006/main" showMasterSp="1" showMasterPhAnim="1">
+<p:sld xmlns:a="http://schemas.openxmlformats.org/drawingml/2006/main" xmlns:r="http://schemas.openxmlformats.org/officeDocument/2006/relationships" xmlns:p="http://schemas.openxmlformats.org/presentationml/2006/main">
   <p:cSld>
     <p:spTree>
       <p:nvGrpSpPr>
@@ -3474,7 +3394,9 @@
       <p:sp>
         <p:nvSpPr>
           <p:cNvPr id="54" name="Shape 54"/>
-          <p:cNvSpPr/>
+          <p:cNvSpPr>
+            <a:spLocks noGrp="1"/>
+          </p:cNvSpPr>
           <p:nvPr>
             <p:ph type="title"/>
           </p:nvPr>
@@ -3497,14 +3419,14 @@
           </a:lstStyle>
           <a:p>
             <a:pPr lvl="0">
-              <a:defRPr cap="none" sz="1800">
-                <a:solidFill>
-                  <a:srgbClr val="000000"/>
-                </a:solidFill>
-              </a:defRPr>
-            </a:pPr>
-            <a:r>
-              <a:rPr cap="all" sz="3276">
+              <a:defRPr sz="1800" cap="none">
+                <a:solidFill>
+                  <a:srgbClr val="000000"/>
+                </a:solidFill>
+              </a:defRPr>
+            </a:pPr>
+            <a:r>
+              <a:rPr sz="3276" cap="all">
                 <a:solidFill>
                   <a:srgbClr val="FFFFFF"/>
                 </a:solidFill>
@@ -3517,7 +3439,9 @@
       <p:sp>
         <p:nvSpPr>
           <p:cNvPr id="55" name="Shape 55"/>
-          <p:cNvSpPr/>
+          <p:cNvSpPr>
+            <a:spLocks noGrp="1"/>
+          </p:cNvSpPr>
           <p:nvPr>
             <p:ph type="body" idx="1"/>
           </p:nvPr>
@@ -3550,11 +3474,6 @@
               </a:rPr>
               <a:t>Kyle Patron</a:t>
             </a:r>
-            <a:endParaRPr sz="2000">
-              <a:solidFill>
-                <a:srgbClr val="EEECE1"/>
-              </a:solidFill>
-            </a:endParaRPr>
           </a:p>
           <a:p>
             <a:pPr lvl="0">
@@ -3572,11 +3491,6 @@
               </a:rPr>
               <a:t>Matt Ping</a:t>
             </a:r>
-            <a:endParaRPr sz="2000">
-              <a:solidFill>
-                <a:srgbClr val="EEECE1"/>
-              </a:solidFill>
-            </a:endParaRPr>
           </a:p>
           <a:p>
             <a:pPr lvl="0">
@@ -3594,11 +3508,6 @@
               </a:rPr>
               <a:t>CS 680</a:t>
             </a:r>
-            <a:endParaRPr sz="2000">
-              <a:solidFill>
-                <a:srgbClr val="EEECE1"/>
-              </a:solidFill>
-            </a:endParaRPr>
           </a:p>
           <a:p>
             <a:pPr lvl="0">
@@ -3624,12 +3533,12 @@
   <p:clrMapOvr>
     <a:masterClrMapping/>
   </p:clrMapOvr>
-  <p:transition spd="med" advClick="1"/>
+  <p:transition spd="med"/>
 </p:sld>
 </file>
 
 <file path=ppt/slides/slide10.xml><?xml version="1.0" encoding="utf-8"?>
-<p:sld xmlns:a="http://schemas.openxmlformats.org/drawingml/2006/main" xmlns:r="http://schemas.openxmlformats.org/officeDocument/2006/relationships" xmlns:p="http://schemas.openxmlformats.org/presentationml/2006/main" showMasterSp="1" showMasterPhAnim="1">
+<p:sld xmlns:a="http://schemas.openxmlformats.org/drawingml/2006/main" xmlns:r="http://schemas.openxmlformats.org/officeDocument/2006/relationships" xmlns:p="http://schemas.openxmlformats.org/presentationml/2006/main">
   <p:cSld>
     <p:spTree>
       <p:nvGrpSpPr>
@@ -3648,7 +3557,9 @@
       <p:sp>
         <p:nvSpPr>
           <p:cNvPr id="81" name="Shape 81"/>
-          <p:cNvSpPr/>
+          <p:cNvSpPr>
+            <a:spLocks noGrp="1"/>
+          </p:cNvSpPr>
           <p:nvPr>
             <p:ph type="title"/>
           </p:nvPr>
@@ -3667,125 +3578,495 @@
           <a:lstStyle/>
           <a:p>
             <a:pPr lvl="1">
-              <a:defRPr cap="none" sz="1800">
-                <a:solidFill>
-                  <a:srgbClr val="000000"/>
-                </a:solidFill>
-              </a:defRPr>
-            </a:pPr>
-            <a:r>
-              <a:rPr cap="all" sz="3600">
+              <a:defRPr sz="1800" cap="none">
+                <a:solidFill>
+                  <a:srgbClr val="000000"/>
+                </a:solidFill>
+              </a:defRPr>
+            </a:pPr>
+            <a:r>
+              <a:rPr lang="en-US" sz="3600" cap="all" dirty="0" smtClean="0">
                 <a:solidFill>
                   <a:srgbClr val="001978"/>
                 </a:solidFill>
               </a:rPr>
-              <a:t>Output - Deposit Second</a:t>
-            </a:r>
+              <a:t>Output- Asynchronous</a:t>
+            </a:r>
+            <a:endParaRPr sz="3600" cap="all" dirty="0">
+              <a:solidFill>
+                <a:srgbClr val="001978"/>
+              </a:solidFill>
+            </a:endParaRPr>
           </a:p>
         </p:txBody>
       </p:sp>
       <p:sp>
         <p:nvSpPr>
           <p:cNvPr id="82" name="Shape 82"/>
-          <p:cNvSpPr/>
+          <p:cNvSpPr>
+            <a:spLocks noGrp="1"/>
+          </p:cNvSpPr>
           <p:nvPr>
             <p:ph type="body" idx="1"/>
           </p:nvPr>
         </p:nvSpPr>
         <p:spPr>
           <a:xfrm>
-            <a:off x="685800" y="992921"/>
-            <a:ext cx="7772400" cy="4756715"/>
+            <a:off x="0" y="992921"/>
+            <a:ext cx="9034272" cy="4756715"/>
           </a:xfrm>
           <a:prstGeom prst="rect">
             <a:avLst/>
           </a:prstGeom>
         </p:spPr>
         <p:txBody>
-          <a:bodyPr/>
+          <a:bodyPr numCol="3">
+            <a:normAutofit fontScale="40000" lnSpcReduction="20000"/>
+          </a:bodyPr>
           <a:lstStyle/>
           <a:p>
-            <a:pPr lvl="0">
-              <a:defRPr sz="1800">
-                <a:solidFill>
-                  <a:srgbClr val="000000"/>
-                </a:solidFill>
-              </a:defRPr>
-            </a:pPr>
-            <a:r>
-              <a:rPr sz="2000">
-                <a:solidFill>
-                  <a:srgbClr val="001978"/>
-                </a:solidFill>
-              </a:rPr>
-              <a:t>Sufficient funds for withdraw</a:t>
-            </a:r>
-            <a:endParaRPr sz="2000">
+            <a:r>
+              <a:rPr lang="en-US" dirty="0"/>
+              <a:t>Trace Description: Simulation Trace </a:t>
+            </a:r>
+          </a:p>
+          <a:p>
+            <a:r>
+              <a:rPr lang="en-US" dirty="0"/>
+              <a:t>Trace Type: Simulation </a:t>
+            </a:r>
+          </a:p>
+          <a:p>
+            <a:r>
+              <a:rPr lang="en-US" dirty="0"/>
+              <a:t>-&gt; State: 1.1 &lt;-</a:t>
+            </a:r>
+          </a:p>
+          <a:p>
+            <a:r>
+              <a:rPr lang="en-US" dirty="0"/>
+              <a:t>      atm0.state = sending</a:t>
+            </a:r>
+          </a:p>
+          <a:p>
+            <a:r>
+              <a:rPr lang="en-US" dirty="0"/>
+              <a:t>      atm0.message = -27</a:t>
+            </a:r>
+          </a:p>
+          <a:p>
+            <a:r>
+              <a:rPr lang="en-US" dirty="0"/>
+              <a:t>      atm0.control = FALSE</a:t>
+            </a:r>
+          </a:p>
+          <a:p>
+            <a:r>
+              <a:rPr lang="en-US" dirty="0"/>
+              <a:t>      atm0.confailed = FALSE</a:t>
+            </a:r>
+          </a:p>
+          <a:p>
+            <a:r>
+              <a:rPr lang="en-US" dirty="0"/>
+              <a:t>      atm0.output = 0</a:t>
+            </a:r>
+          </a:p>
+          <a:p>
+            <a:r>
+              <a:rPr lang="en-US" dirty="0"/>
+              <a:t>      atm0.balance = 0</a:t>
+            </a:r>
+          </a:p>
+          <a:p>
+            <a:r>
+              <a:rPr lang="en-US" dirty="0"/>
+              <a:t>      bank0.balance = 37</a:t>
+            </a:r>
+          </a:p>
+          <a:p>
+            <a:r>
+              <a:rPr lang="en-US" dirty="0"/>
+              <a:t>      bank0.failedb = TRUE</a:t>
+            </a:r>
+          </a:p>
+          <a:p>
+            <a:r>
+              <a:rPr lang="en-US" dirty="0"/>
+              <a:t>      bank0.state = receiving</a:t>
+            </a:r>
+          </a:p>
+          <a:p>
+            <a:r>
+              <a:rPr lang="en-US" dirty="0"/>
+              <a:t>      bank0.ack = TRUE</a:t>
+            </a:r>
+          </a:p>
+          <a:p>
+            <a:r>
+              <a:rPr lang="en-US" dirty="0"/>
+              <a:t>      bank0.expected = FALSE</a:t>
+            </a:r>
+          </a:p>
+          <a:p>
+            <a:r>
+              <a:rPr lang="en-US" dirty="0"/>
+              <a:t>      bank0.expfailed = FALSE</a:t>
+            </a:r>
+          </a:p>
+          <a:p>
+            <a:r>
+              <a:rPr lang="en-US" dirty="0"/>
+              <a:t>      </a:t>
+            </a:r>
+            <a:r>
+              <a:rPr lang="en-US" dirty="0" err="1"/>
+              <a:t>msg_channel.forget</a:t>
+            </a:r>
+            <a:r>
+              <a:rPr lang="en-US" dirty="0"/>
+              <a:t> = FALSE</a:t>
+            </a:r>
+          </a:p>
+          <a:p>
+            <a:r>
+              <a:rPr lang="en-US" dirty="0"/>
+              <a:t>      msg_channel.output1 = 0</a:t>
+            </a:r>
+          </a:p>
+          <a:p>
+            <a:r>
+              <a:rPr lang="en-US" dirty="0"/>
+              <a:t>      msg_channel.output2 = TRUE</a:t>
+            </a:r>
+          </a:p>
+          <a:p>
+            <a:r>
+              <a:rPr lang="en-US" dirty="0"/>
+              <a:t>      msg_channel.output3 = TRUE</a:t>
+            </a:r>
+          </a:p>
+          <a:p>
+            <a:r>
+              <a:rPr lang="en-US" dirty="0"/>
+              <a:t>      </a:t>
+            </a:r>
+            <a:r>
+              <a:rPr lang="en-US" dirty="0" err="1"/>
+              <a:t>ack_channel.forget</a:t>
+            </a:r>
+            <a:r>
+              <a:rPr lang="en-US" dirty="0"/>
+              <a:t> = FALSE</a:t>
+            </a:r>
+          </a:p>
+          <a:p>
+            <a:r>
+              <a:rPr lang="en-US" dirty="0"/>
+              <a:t>      ack_channel.output1 = TRUE</a:t>
+            </a:r>
+          </a:p>
+          <a:p>
+            <a:r>
+              <a:rPr lang="en-US" dirty="0"/>
+              <a:t>      ack_channel.output2 = TRUE</a:t>
+            </a:r>
+          </a:p>
+          <a:p>
+            <a:r>
+              <a:rPr lang="en-US" dirty="0"/>
+              <a:t>      ack_channel.output3 = 0</a:t>
+            </a:r>
+          </a:p>
+          <a:p>
+            <a:r>
+              <a:rPr lang="en-US" dirty="0"/>
+              <a:t>-&gt; State: 1.2 &lt;-</a:t>
+            </a:r>
+          </a:p>
+          <a:p>
+            <a:r>
+              <a:rPr lang="en-US" dirty="0"/>
+              <a:t>      atm0.balance = -1</a:t>
+            </a:r>
+          </a:p>
+          <a:p>
+            <a:r>
+              <a:rPr lang="en-US" dirty="0"/>
+              <a:t>      msg_channel.output1 = -27</a:t>
+            </a:r>
+          </a:p>
+          <a:p>
+            <a:r>
+              <a:rPr lang="en-US" dirty="0"/>
+              <a:t>      msg_channel.output2 = FALSE</a:t>
+            </a:r>
+          </a:p>
+          <a:p>
+            <a:r>
+              <a:rPr lang="en-US" dirty="0"/>
+              <a:t>      msg_channel.output3 = FALSE</a:t>
+            </a:r>
+          </a:p>
+          <a:p>
+            <a:r>
+              <a:rPr lang="en-US" dirty="0"/>
+              <a:t>      ack_channel.output3 = 37</a:t>
+            </a:r>
+          </a:p>
+          <a:p>
+            <a:r>
+              <a:rPr lang="en-US" dirty="0"/>
+              <a:t>-&gt; State: 1.3 &lt;-</a:t>
+            </a:r>
+          </a:p>
+          <a:p>
+            <a:r>
+              <a:rPr lang="en-US" dirty="0"/>
+              <a:t>      bank0.balance = 10</a:t>
+            </a:r>
+          </a:p>
+          <a:p>
+            <a:r>
+              <a:rPr lang="en-US" dirty="0"/>
+              <a:t>      bank0.state = received</a:t>
+            </a:r>
+          </a:p>
+          <a:p>
+            <a:r>
+              <a:rPr lang="en-US" dirty="0"/>
+              <a:t>-&gt; State: 1.4 &lt;-</a:t>
+            </a:r>
+          </a:p>
+          <a:p>
+            <a:r>
+              <a:rPr lang="en-US" dirty="0"/>
+              <a:t>      bank0.state = receiving</a:t>
+            </a:r>
+          </a:p>
+          <a:p>
+            <a:r>
+              <a:rPr lang="en-US" dirty="0"/>
+              <a:t>      bank0.ack = FALSE</a:t>
+            </a:r>
+          </a:p>
+          <a:p>
+            <a:r>
+              <a:rPr lang="en-US" dirty="0"/>
+              <a:t>      bank0.expected = TRUE</a:t>
+            </a:r>
+          </a:p>
+          <a:p>
+            <a:r>
+              <a:rPr lang="en-US" dirty="0"/>
+              <a:t>      ack_channel.output3 = 10</a:t>
+            </a:r>
+          </a:p>
+          <a:p>
+            <a:r>
+              <a:rPr lang="en-US" dirty="0"/>
+              <a:t>-&gt; State: 1.5 &lt;-</a:t>
+            </a:r>
+          </a:p>
+          <a:p>
+            <a:r>
+              <a:rPr lang="en-US" dirty="0"/>
+              <a:t>      bank0.state = failed</a:t>
+            </a:r>
+          </a:p>
+          <a:p>
+            <a:r>
+              <a:rPr lang="en-US" dirty="0"/>
+              <a:t>      ack_channel.output1 = FALSE</a:t>
+            </a:r>
+          </a:p>
+          <a:p>
+            <a:r>
+              <a:rPr lang="en-US" dirty="0"/>
+              <a:t>-&gt; State: 1.6 &lt;-</a:t>
+            </a:r>
+          </a:p>
+          <a:p>
+            <a:r>
+              <a:rPr lang="en-US" dirty="0"/>
+              <a:t>      atm0.state = sent</a:t>
+            </a:r>
+          </a:p>
+          <a:p>
+            <a:r>
+              <a:rPr lang="en-US" dirty="0"/>
+              <a:t>      bank0.failedb = FALSE</a:t>
+            </a:r>
+          </a:p>
+          <a:p>
+            <a:r>
+              <a:rPr lang="en-US" dirty="0"/>
+              <a:t>      bank0.state = receiving</a:t>
+            </a:r>
+          </a:p>
+          <a:p>
+            <a:r>
+              <a:rPr lang="en-US" dirty="0"/>
+              <a:t>      bank0.expfailed = TRUE</a:t>
+            </a:r>
+          </a:p>
+          <a:p>
+            <a:r>
+              <a:rPr lang="en-US" dirty="0"/>
+              <a:t>-&gt; State: 1.7 &lt;-</a:t>
+            </a:r>
+          </a:p>
+          <a:p>
+            <a:r>
+              <a:rPr lang="en-US" dirty="0"/>
+              <a:t>      atm0.state = sending</a:t>
+            </a:r>
+          </a:p>
+          <a:p>
+            <a:r>
+              <a:rPr lang="en-US" dirty="0"/>
+              <a:t>      atm0.control = TRUE</a:t>
+            </a:r>
+          </a:p>
+          <a:p>
+            <a:r>
+              <a:rPr lang="en-US" dirty="0"/>
+              <a:t>      atm0.output = 27</a:t>
+            </a:r>
+          </a:p>
+          <a:p>
+            <a:r>
+              <a:rPr lang="en-US" dirty="0"/>
+              <a:t>      atm0.balance = 10</a:t>
+            </a:r>
+          </a:p>
+          <a:p>
+            <a:r>
+              <a:rPr lang="en-US" dirty="0"/>
+              <a:t>      bank0.state = failed</a:t>
+            </a:r>
+          </a:p>
+          <a:p>
+            <a:r>
+              <a:rPr lang="en-US" dirty="0"/>
+              <a:t>      ack_channel.output2 = FALSE</a:t>
+            </a:r>
+          </a:p>
+          <a:p>
+            <a:r>
+              <a:rPr lang="en-US" dirty="0"/>
+              <a:t>-&gt; State: 1.8 &lt;-</a:t>
+            </a:r>
+          </a:p>
+          <a:p>
+            <a:r>
+              <a:rPr lang="en-US" dirty="0"/>
+              <a:t>      atm0.state = failed</a:t>
+            </a:r>
+          </a:p>
+          <a:p>
+            <a:r>
+              <a:rPr lang="en-US" dirty="0"/>
+              <a:t>      atm0.output = 0</a:t>
+            </a:r>
+          </a:p>
+          <a:p>
+            <a:r>
+              <a:rPr lang="en-US" dirty="0"/>
+              <a:t>      atm0.balance = -1</a:t>
+            </a:r>
+          </a:p>
+          <a:p>
+            <a:r>
+              <a:rPr lang="en-US" dirty="0"/>
+              <a:t>      bank0.state = receiving</a:t>
+            </a:r>
+          </a:p>
+          <a:p>
+            <a:r>
+              <a:rPr lang="en-US" dirty="0"/>
+              <a:t>      bank0.expfailed = FALSE</a:t>
+            </a:r>
+          </a:p>
+          <a:p>
+            <a:r>
+              <a:rPr lang="en-US" dirty="0"/>
+              <a:t>      msg_channel.output2 = TRUE</a:t>
+            </a:r>
+          </a:p>
+          <a:p>
+            <a:r>
+              <a:rPr lang="en-US" dirty="0"/>
+              <a:t>-&gt; State: 1.9 &lt;-</a:t>
+            </a:r>
+          </a:p>
+          <a:p>
+            <a:r>
+              <a:rPr lang="en-US" dirty="0"/>
+              <a:t>      atm0.state = sending</a:t>
+            </a:r>
+          </a:p>
+          <a:p>
+            <a:r>
+              <a:rPr lang="en-US" dirty="0"/>
+              <a:t>      atm0.confailed = TRUE</a:t>
+            </a:r>
+          </a:p>
+          <a:p>
+            <a:r>
+              <a:rPr lang="en-US" dirty="0"/>
+              <a:t>      bank0.state = failed</a:t>
+            </a:r>
+          </a:p>
+          <a:p>
+            <a:r>
+              <a:rPr lang="en-US" dirty="0"/>
+              <a:t>-&gt; State: 1.10 &lt;-</a:t>
+            </a:r>
+          </a:p>
+          <a:p>
+            <a:r>
+              <a:rPr lang="en-US" dirty="0"/>
+              <a:t>      bank0.state = receiving</a:t>
+            </a:r>
+          </a:p>
+          <a:p>
+            <a:r>
+              <a:rPr lang="en-US" dirty="0"/>
+              <a:t>      bank0.expfailed = TRUE</a:t>
+            </a:r>
+          </a:p>
+          <a:p>
+            <a:r>
+              <a:rPr lang="en-US" dirty="0"/>
+              <a:t>      msg_channel.output3 = TRUE</a:t>
+            </a:r>
+          </a:p>
+          <a:p>
+            <a:r>
+              <a:rPr lang="en-US" dirty="0"/>
+              <a:t>-&gt; State: 1.11 &lt;-</a:t>
+            </a:r>
+          </a:p>
+          <a:p>
+            <a:r>
+              <a:rPr lang="en-US" dirty="0"/>
+              <a:t>      bank0.state = failed</a:t>
+            </a:r>
+          </a:p>
+          <a:p>
+            <a:pPr lvl="0">
+              <a:defRPr sz="1800">
+                <a:solidFill>
+                  <a:srgbClr val="000000"/>
+                </a:solidFill>
+              </a:defRPr>
+            </a:pPr>
+            <a:endParaRPr sz="2000" dirty="0">
               <a:solidFill>
                 <a:srgbClr val="001978"/>
               </a:solidFill>
             </a:endParaRPr>
-          </a:p>
-          <a:p>
-            <a:pPr lvl="0">
-              <a:defRPr sz="1800">
-                <a:solidFill>
-                  <a:srgbClr val="000000"/>
-                </a:solidFill>
-              </a:defRPr>
-            </a:pPr>
-            <a:r>
-              <a:rPr sz="2000">
-                <a:solidFill>
-                  <a:srgbClr val="001978"/>
-                </a:solidFill>
-              </a:rPr>
-              <a:t>Insufficient funds for withdraw</a:t>
-            </a:r>
-            <a:endParaRPr sz="2000">
-              <a:solidFill>
-                <a:srgbClr val="001978"/>
-              </a:solidFill>
-            </a:endParaRPr>
-          </a:p>
-          <a:p>
-            <a:pPr lvl="0">
-              <a:defRPr sz="1800">
-                <a:solidFill>
-                  <a:srgbClr val="000000"/>
-                </a:solidFill>
-              </a:defRPr>
-            </a:pPr>
-            <a:r>
-              <a:rPr sz="2000">
-                <a:solidFill>
-                  <a:srgbClr val="001978"/>
-                </a:solidFill>
-              </a:rPr>
-              <a:t>Simultaneous deposit then withdraw</a:t>
-            </a:r>
-            <a:endParaRPr sz="2000">
-              <a:solidFill>
-                <a:srgbClr val="001978"/>
-              </a:solidFill>
-            </a:endParaRPr>
-          </a:p>
-          <a:p>
-            <a:pPr lvl="0">
-              <a:defRPr sz="1800">
-                <a:solidFill>
-                  <a:srgbClr val="000000"/>
-                </a:solidFill>
-              </a:defRPr>
-            </a:pPr>
-            <a:r>
-              <a:rPr sz="2000">
-                <a:solidFill>
-                  <a:srgbClr val="001978"/>
-                </a:solidFill>
-              </a:rPr>
-              <a:t>Simultaneous withdraw then deposit</a:t>
-            </a:r>
           </a:p>
         </p:txBody>
       </p:sp>
@@ -3794,12 +4075,12 @@
   <p:clrMapOvr>
     <a:masterClrMapping/>
   </p:clrMapOvr>
-  <p:transition spd="med" advClick="1"/>
+  <p:transition spd="med"/>
 </p:sld>
 </file>
 
 <file path=ppt/slides/slide11.xml><?xml version="1.0" encoding="utf-8"?>
-<p:sld xmlns:a="http://schemas.openxmlformats.org/drawingml/2006/main" xmlns:r="http://schemas.openxmlformats.org/officeDocument/2006/relationships" xmlns:p="http://schemas.openxmlformats.org/presentationml/2006/main" showMasterSp="1" showMasterPhAnim="1">
+<p:sld xmlns:a="http://schemas.openxmlformats.org/drawingml/2006/main" xmlns:r="http://schemas.openxmlformats.org/officeDocument/2006/relationships" xmlns:p="http://schemas.openxmlformats.org/presentationml/2006/main">
   <p:cSld>
     <p:spTree>
       <p:nvGrpSpPr>
@@ -3818,7 +4099,9 @@
       <p:sp>
         <p:nvSpPr>
           <p:cNvPr id="84" name="Shape 84"/>
-          <p:cNvSpPr/>
+          <p:cNvSpPr>
+            <a:spLocks noGrp="1"/>
+          </p:cNvSpPr>
           <p:nvPr>
             <p:ph type="title"/>
           </p:nvPr>
@@ -3837,35 +4120,58 @@
           <a:lstStyle/>
           <a:p>
             <a:pPr lvl="1">
-              <a:defRPr cap="none" sz="1800">
-                <a:solidFill>
-                  <a:srgbClr val="000000"/>
-                </a:solidFill>
-              </a:defRPr>
-            </a:pPr>
-            <a:r>
-              <a:rPr cap="all" sz="3600">
+              <a:defRPr sz="1800" cap="none">
+                <a:solidFill>
+                  <a:srgbClr val="000000"/>
+                </a:solidFill>
+              </a:defRPr>
+            </a:pPr>
+            <a:r>
+              <a:rPr sz="3600" cap="all" dirty="0">
                 <a:solidFill>
                   <a:srgbClr val="001978"/>
                 </a:solidFill>
               </a:rPr>
-              <a:t>Analysis of behavior</a:t>
-            </a:r>
+              <a:t>Analysis of </a:t>
+            </a:r>
+            <a:r>
+              <a:rPr sz="3600" cap="all" dirty="0" smtClean="0">
+                <a:solidFill>
+                  <a:srgbClr val="001978"/>
+                </a:solidFill>
+              </a:rPr>
+              <a:t>behavior</a:t>
+            </a:r>
+            <a:r>
+              <a:rPr lang="en-US" sz="3600" cap="all" dirty="0" smtClean="0">
+                <a:solidFill>
+                  <a:srgbClr val="001978"/>
+                </a:solidFill>
+              </a:rPr>
+              <a:t> - Synchronous</a:t>
+            </a:r>
+            <a:endParaRPr sz="3600" cap="all" dirty="0">
+              <a:solidFill>
+                <a:srgbClr val="001978"/>
+              </a:solidFill>
+            </a:endParaRPr>
           </a:p>
         </p:txBody>
       </p:sp>
       <p:sp>
         <p:nvSpPr>
           <p:cNvPr id="85" name="Shape 85"/>
-          <p:cNvSpPr/>
+          <p:cNvSpPr>
+            <a:spLocks noGrp="1"/>
+          </p:cNvSpPr>
           <p:nvPr>
             <p:ph type="body" idx="1"/>
           </p:nvPr>
         </p:nvSpPr>
         <p:spPr>
           <a:xfrm>
-            <a:off x="685800" y="992921"/>
-            <a:ext cx="7772400" cy="4756715"/>
+            <a:off x="685800" y="1175193"/>
+            <a:ext cx="7772400" cy="4574443"/>
           </a:xfrm>
           <a:prstGeom prst="rect">
             <a:avLst/>
@@ -3883,79 +4189,86 @@
               </a:defRPr>
             </a:pPr>
             <a:r>
-              <a:rPr sz="2000">
-                <a:solidFill>
-                  <a:srgbClr val="001978"/>
-                </a:solidFill>
-              </a:rPr>
-              <a:t>Sufficient funds for withdraw</a:t>
-            </a:r>
-            <a:endParaRPr sz="2000">
+              <a:rPr lang="en-US" dirty="0" smtClean="0">
+                <a:solidFill>
+                  <a:srgbClr val="0F2780"/>
+                </a:solidFill>
+              </a:rPr>
+              <a:t>Works beautifully</a:t>
+            </a:r>
+          </a:p>
+          <a:p>
+            <a:pPr lvl="0">
+              <a:defRPr sz="1800">
+                <a:solidFill>
+                  <a:srgbClr val="000000"/>
+                </a:solidFill>
+              </a:defRPr>
+            </a:pPr>
+            <a:r>
+              <a:rPr lang="en-US" sz="2000" dirty="0" smtClean="0">
+                <a:solidFill>
+                  <a:srgbClr val="0F2780"/>
+                </a:solidFill>
+              </a:rPr>
+              <a:t>Is supposed to keep running but doesn’t generate a new operation so just repeats it over and over again</a:t>
+            </a:r>
+          </a:p>
+          <a:p>
+            <a:pPr lvl="0">
+              <a:defRPr sz="1800">
+                <a:solidFill>
+                  <a:srgbClr val="000000"/>
+                </a:solidFill>
+              </a:defRPr>
+            </a:pPr>
+            <a:r>
+              <a:rPr lang="en-US" dirty="0" smtClean="0">
+                <a:solidFill>
+                  <a:srgbClr val="0F2780"/>
+                </a:solidFill>
+              </a:rPr>
+              <a:t>Since it is run synchronously there is very little variation from run to run</a:t>
+            </a:r>
+          </a:p>
+          <a:p>
+            <a:pPr lvl="0">
+              <a:defRPr sz="1800">
+                <a:solidFill>
+                  <a:srgbClr val="000000"/>
+                </a:solidFill>
+              </a:defRPr>
+            </a:pPr>
+            <a:r>
+              <a:rPr lang="en-US" sz="1800" dirty="0" smtClean="0">
+                <a:solidFill>
+                  <a:srgbClr val="0F2780"/>
+                </a:solidFill>
+              </a:rPr>
+              <a:t>Either it fails or it doesn’t based on amount withdrawn/deposited.</a:t>
+            </a:r>
+          </a:p>
+          <a:p>
+            <a:pPr lvl="0">
+              <a:defRPr sz="1800">
+                <a:solidFill>
+                  <a:srgbClr val="000000"/>
+                </a:solidFill>
+              </a:defRPr>
+            </a:pPr>
+            <a:r>
+              <a:rPr lang="en-US" sz="1800" dirty="0" smtClean="0">
+                <a:solidFill>
+                  <a:srgbClr val="0F2780"/>
+                </a:solidFill>
+              </a:rPr>
+              <a:t>Keeps running forever as designed</a:t>
+            </a:r>
+            <a:endParaRPr sz="2000" dirty="0">
               <a:solidFill>
-                <a:srgbClr val="001978"/>
+                <a:srgbClr val="0F2780"/>
               </a:solidFill>
             </a:endParaRPr>
-          </a:p>
-          <a:p>
-            <a:pPr lvl="0">
-              <a:defRPr sz="1800">
-                <a:solidFill>
-                  <a:srgbClr val="000000"/>
-                </a:solidFill>
-              </a:defRPr>
-            </a:pPr>
-            <a:r>
-              <a:rPr sz="2000">
-                <a:solidFill>
-                  <a:srgbClr val="001978"/>
-                </a:solidFill>
-              </a:rPr>
-              <a:t>Insufficient funds for withdraw</a:t>
-            </a:r>
-            <a:endParaRPr sz="2000">
-              <a:solidFill>
-                <a:srgbClr val="001978"/>
-              </a:solidFill>
-            </a:endParaRPr>
-          </a:p>
-          <a:p>
-            <a:pPr lvl="0">
-              <a:defRPr sz="1800">
-                <a:solidFill>
-                  <a:srgbClr val="000000"/>
-                </a:solidFill>
-              </a:defRPr>
-            </a:pPr>
-            <a:r>
-              <a:rPr sz="2000">
-                <a:solidFill>
-                  <a:srgbClr val="001978"/>
-                </a:solidFill>
-              </a:rPr>
-              <a:t>Simultaneous deposit then withdraw</a:t>
-            </a:r>
-            <a:endParaRPr sz="2000">
-              <a:solidFill>
-                <a:srgbClr val="001978"/>
-              </a:solidFill>
-            </a:endParaRPr>
-          </a:p>
-          <a:p>
-            <a:pPr lvl="0">
-              <a:defRPr sz="1800">
-                <a:solidFill>
-                  <a:srgbClr val="000000"/>
-                </a:solidFill>
-              </a:defRPr>
-            </a:pPr>
-            <a:r>
-              <a:rPr sz="2000">
-                <a:solidFill>
-                  <a:srgbClr val="001978"/>
-                </a:solidFill>
-              </a:rPr>
-              <a:t>Simultaneous withdraw then deposit</a:t>
-            </a:r>
           </a:p>
         </p:txBody>
       </p:sp>
@@ -3964,12 +4277,293 @@
   <p:clrMapOvr>
     <a:masterClrMapping/>
   </p:clrMapOvr>
-  <p:transition spd="med" advClick="1"/>
+  <p:transition spd="med"/>
 </p:sld>
 </file>
 
 <file path=ppt/slides/slide12.xml><?xml version="1.0" encoding="utf-8"?>
-<p:sld xmlns:a="http://schemas.openxmlformats.org/drawingml/2006/main" xmlns:r="http://schemas.openxmlformats.org/officeDocument/2006/relationships" xmlns:p="http://schemas.openxmlformats.org/presentationml/2006/main" showMasterSp="1" showMasterPhAnim="1">
+<p:sld xmlns:a="http://schemas.openxmlformats.org/drawingml/2006/main" xmlns:r="http://schemas.openxmlformats.org/officeDocument/2006/relationships" xmlns:p="http://schemas.openxmlformats.org/presentationml/2006/main">
+  <p:cSld>
+    <p:spTree>
+      <p:nvGrpSpPr>
+        <p:cNvPr id="1" name=""/>
+        <p:cNvGrpSpPr/>
+        <p:nvPr/>
+      </p:nvGrpSpPr>
+      <p:grpSpPr>
+        <a:xfrm>
+          <a:off x="0" y="0"/>
+          <a:ext cx="0" cy="0"/>
+          <a:chOff x="0" y="0"/>
+          <a:chExt cx="0" cy="0"/>
+        </a:xfrm>
+      </p:grpSpPr>
+      <p:sp>
+        <p:nvSpPr>
+          <p:cNvPr id="84" name="Shape 84"/>
+          <p:cNvSpPr>
+            <a:spLocks noGrp="1"/>
+          </p:cNvSpPr>
+          <p:nvPr>
+            <p:ph type="title"/>
+          </p:nvPr>
+        </p:nvSpPr>
+        <p:spPr>
+          <a:xfrm>
+            <a:off x="685800" y="32192"/>
+            <a:ext cx="7772400" cy="1143001"/>
+          </a:xfrm>
+          <a:prstGeom prst="rect">
+            <a:avLst/>
+          </a:prstGeom>
+        </p:spPr>
+        <p:txBody>
+          <a:bodyPr/>
+          <a:lstStyle/>
+          <a:p>
+            <a:pPr lvl="1">
+              <a:defRPr sz="1800" cap="none">
+                <a:solidFill>
+                  <a:srgbClr val="000000"/>
+                </a:solidFill>
+              </a:defRPr>
+            </a:pPr>
+            <a:r>
+              <a:rPr sz="3600" cap="all" dirty="0">
+                <a:solidFill>
+                  <a:srgbClr val="001978"/>
+                </a:solidFill>
+              </a:rPr>
+              <a:t>Analysis of </a:t>
+            </a:r>
+            <a:r>
+              <a:rPr sz="3600" cap="all" dirty="0" smtClean="0">
+                <a:solidFill>
+                  <a:srgbClr val="001978"/>
+                </a:solidFill>
+              </a:rPr>
+              <a:t>behavior</a:t>
+            </a:r>
+            <a:r>
+              <a:rPr lang="en-US" sz="3600" cap="all" dirty="0" smtClean="0">
+                <a:solidFill>
+                  <a:srgbClr val="001978"/>
+                </a:solidFill>
+              </a:rPr>
+              <a:t> - Asynchronous</a:t>
+            </a:r>
+            <a:endParaRPr sz="3600" cap="all" dirty="0">
+              <a:solidFill>
+                <a:srgbClr val="001978"/>
+              </a:solidFill>
+            </a:endParaRPr>
+          </a:p>
+        </p:txBody>
+      </p:sp>
+      <p:sp>
+        <p:nvSpPr>
+          <p:cNvPr id="85" name="Shape 85"/>
+          <p:cNvSpPr>
+            <a:spLocks noGrp="1"/>
+          </p:cNvSpPr>
+          <p:nvPr>
+            <p:ph type="body" idx="1"/>
+          </p:nvPr>
+        </p:nvSpPr>
+        <p:spPr>
+          <a:xfrm>
+            <a:off x="685800" y="1175193"/>
+            <a:ext cx="7772400" cy="4574443"/>
+          </a:xfrm>
+          <a:prstGeom prst="rect">
+            <a:avLst/>
+          </a:prstGeom>
+        </p:spPr>
+        <p:txBody>
+          <a:bodyPr/>
+          <a:lstStyle/>
+          <a:p>
+            <a:pPr lvl="0">
+              <a:defRPr sz="1800">
+                <a:solidFill>
+                  <a:srgbClr val="000000"/>
+                </a:solidFill>
+              </a:defRPr>
+            </a:pPr>
+            <a:r>
+              <a:rPr lang="en-US" sz="2000" dirty="0" smtClean="0">
+                <a:solidFill>
+                  <a:srgbClr val="0F2780"/>
+                </a:solidFill>
+              </a:rPr>
+              <a:t>This did not work at all.</a:t>
+            </a:r>
+          </a:p>
+          <a:p>
+            <a:pPr lvl="0">
+              <a:defRPr sz="1800">
+                <a:solidFill>
+                  <a:srgbClr val="000000"/>
+                </a:solidFill>
+              </a:defRPr>
+            </a:pPr>
+            <a:r>
+              <a:rPr lang="en-US" dirty="0" smtClean="0">
+                <a:solidFill>
+                  <a:srgbClr val="0F2780"/>
+                </a:solidFill>
+              </a:rPr>
+              <a:t>There is a problem with NUSMV and Concurrency</a:t>
+            </a:r>
+          </a:p>
+          <a:p>
+            <a:pPr lvl="0">
+              <a:defRPr sz="1800">
+                <a:solidFill>
+                  <a:srgbClr val="000000"/>
+                </a:solidFill>
+              </a:defRPr>
+            </a:pPr>
+            <a:r>
+              <a:rPr lang="en-US" sz="2000" dirty="0" smtClean="0">
+                <a:solidFill>
+                  <a:srgbClr val="0F2780"/>
+                </a:solidFill>
+              </a:rPr>
+              <a:t>It is currently deprecated because it doesn’t work in some situations</a:t>
+            </a:r>
+          </a:p>
+          <a:p>
+            <a:pPr lvl="0">
+              <a:defRPr sz="1800">
+                <a:solidFill>
+                  <a:srgbClr val="000000"/>
+                </a:solidFill>
+              </a:defRPr>
+            </a:pPr>
+            <a:r>
+              <a:rPr lang="en-US" dirty="0" smtClean="0">
+                <a:solidFill>
+                  <a:srgbClr val="0F2780"/>
+                </a:solidFill>
+              </a:rPr>
+              <a:t>It doesn’t work if you use </a:t>
+            </a:r>
+            <a:r>
+              <a:rPr lang="en-US" dirty="0" err="1" smtClean="0">
+                <a:solidFill>
+                  <a:srgbClr val="0F2780"/>
+                </a:solidFill>
+              </a:rPr>
+              <a:t>init</a:t>
+            </a:r>
+            <a:endParaRPr lang="en-US" dirty="0" smtClean="0">
+              <a:solidFill>
+                <a:srgbClr val="0F2780"/>
+              </a:solidFill>
+            </a:endParaRPr>
+          </a:p>
+          <a:p>
+            <a:pPr lvl="0">
+              <a:defRPr sz="1800">
+                <a:solidFill>
+                  <a:srgbClr val="000000"/>
+                </a:solidFill>
+              </a:defRPr>
+            </a:pPr>
+            <a:r>
+              <a:rPr lang="en-US" dirty="0" smtClean="0">
+                <a:solidFill>
+                  <a:srgbClr val="0F2780"/>
+                </a:solidFill>
+              </a:rPr>
+              <a:t>Problem is it never lets certain threads run</a:t>
+            </a:r>
+          </a:p>
+          <a:p>
+            <a:pPr lvl="0">
+              <a:defRPr sz="1800">
+                <a:solidFill>
+                  <a:srgbClr val="000000"/>
+                </a:solidFill>
+              </a:defRPr>
+            </a:pPr>
+            <a:r>
+              <a:rPr lang="en-US" sz="2000" dirty="0" smtClean="0">
+                <a:solidFill>
+                  <a:srgbClr val="0F2780"/>
+                </a:solidFill>
+              </a:rPr>
+              <a:t>This can be seen here</a:t>
+            </a:r>
+          </a:p>
+          <a:p>
+            <a:pPr>
+              <a:defRPr sz="1800">
+                <a:solidFill>
+                  <a:srgbClr val="000000"/>
+                </a:solidFill>
+              </a:defRPr>
+            </a:pPr>
+            <a:r>
+              <a:rPr lang="en-US" dirty="0">
+                <a:solidFill>
+                  <a:srgbClr val="0F2780"/>
+                </a:solidFill>
+                <a:hlinkClick r:id="rId2"/>
+              </a:rPr>
+              <a:t>http://</a:t>
+            </a:r>
+            <a:r>
+              <a:rPr lang="en-US" dirty="0" smtClean="0">
+                <a:solidFill>
+                  <a:srgbClr val="0F2780"/>
+                </a:solidFill>
+                <a:hlinkClick r:id="rId2"/>
+              </a:rPr>
+              <a:t>nusmv.fbk.eu/faq.html#012</a:t>
+            </a:r>
+            <a:endParaRPr lang="en-US" dirty="0" smtClean="0">
+              <a:solidFill>
+                <a:srgbClr val="0F2780"/>
+              </a:solidFill>
+            </a:endParaRPr>
+          </a:p>
+          <a:p>
+            <a:pPr>
+              <a:defRPr sz="1800">
+                <a:solidFill>
+                  <a:srgbClr val="000000"/>
+                </a:solidFill>
+              </a:defRPr>
+            </a:pPr>
+            <a:r>
+              <a:rPr lang="en-US" dirty="0" smtClean="0">
+                <a:solidFill>
+                  <a:srgbClr val="0F2780"/>
+                </a:solidFill>
+              </a:rPr>
+              <a:t>This prevented us from doing much Asynchronous testing that we had planned</a:t>
+            </a:r>
+          </a:p>
+        </p:txBody>
+      </p:sp>
+    </p:spTree>
+    <p:extLst>
+      <p:ext uri="{BB962C8B-B14F-4D97-AF65-F5344CB8AC3E}">
+        <p14:creationId xmlns:p14="http://schemas.microsoft.com/office/powerpoint/2010/main" val="318891794"/>
+      </p:ext>
+    </p:extLst>
+  </p:cSld>
+  <p:clrMapOvr>
+    <a:masterClrMapping/>
+  </p:clrMapOvr>
+  <p:transition spd="med"/>
+</p:sld>
+</file>
+
+<file path=ppt/slides/slide13.xml><?xml version="1.0" encoding="utf-8"?>
+<p:sld xmlns:a="http://schemas.openxmlformats.org/drawingml/2006/main" xmlns:r="http://schemas.openxmlformats.org/officeDocument/2006/relationships" xmlns:p="http://schemas.openxmlformats.org/presentationml/2006/main">
   <p:cSld>
     <p:spTree>
       <p:nvGrpSpPr>
@@ -3988,7 +4582,9 @@
       <p:sp>
         <p:nvSpPr>
           <p:cNvPr id="87" name="Shape 87"/>
-          <p:cNvSpPr/>
+          <p:cNvSpPr>
+            <a:spLocks noGrp="1"/>
+          </p:cNvSpPr>
           <p:nvPr>
             <p:ph type="title"/>
           </p:nvPr>
@@ -4007,14 +4603,14 @@
           <a:lstStyle/>
           <a:p>
             <a:pPr lvl="0">
-              <a:defRPr cap="none" sz="1800">
-                <a:solidFill>
-                  <a:srgbClr val="000000"/>
-                </a:solidFill>
-              </a:defRPr>
-            </a:pPr>
-            <a:r>
-              <a:rPr cap="all" sz="3600">
+              <a:defRPr sz="1800" cap="none">
+                <a:solidFill>
+                  <a:srgbClr val="000000"/>
+                </a:solidFill>
+              </a:defRPr>
+            </a:pPr>
+            <a:r>
+              <a:rPr sz="3600" cap="all">
                 <a:solidFill>
                   <a:srgbClr val="001978"/>
                 </a:solidFill>
@@ -4027,7 +4623,9 @@
       <p:sp>
         <p:nvSpPr>
           <p:cNvPr id="88" name="Shape 88"/>
-          <p:cNvSpPr/>
+          <p:cNvSpPr>
+            <a:spLocks noGrp="1"/>
+          </p:cNvSpPr>
           <p:nvPr>
             <p:ph type="body" idx="1"/>
           </p:nvPr>
@@ -4053,16 +4651,108 @@
               </a:defRPr>
             </a:pPr>
             <a:r>
-              <a:rPr sz="2000">
-                <a:solidFill>
-                  <a:srgbClr val="001978"/>
-                </a:solidFill>
-              </a:rPr>
-              <a:t>Defined async ABP model to prevent loss and duplication</a:t>
-            </a:r>
-            <a:endParaRPr sz="2000">
+              <a:rPr sz="2000" dirty="0">
+                <a:solidFill>
+                  <a:srgbClr val="0F2780"/>
+                </a:solidFill>
+              </a:rPr>
+              <a:t>Defined </a:t>
+            </a:r>
+            <a:r>
+              <a:rPr sz="2000" dirty="0" err="1">
+                <a:solidFill>
+                  <a:srgbClr val="0F2780"/>
+                </a:solidFill>
+              </a:rPr>
+              <a:t>async</a:t>
+            </a:r>
+            <a:r>
+              <a:rPr sz="2000" dirty="0">
+                <a:solidFill>
+                  <a:srgbClr val="0F2780"/>
+                </a:solidFill>
+              </a:rPr>
+              <a:t> ABP model to prevent loss and duplication</a:t>
+            </a:r>
+          </a:p>
+          <a:p>
+            <a:pPr lvl="0">
+              <a:defRPr sz="1800">
+                <a:solidFill>
+                  <a:srgbClr val="000000"/>
+                </a:solidFill>
+              </a:defRPr>
+            </a:pPr>
+            <a:r>
+              <a:rPr sz="2000" dirty="0">
+                <a:solidFill>
+                  <a:srgbClr val="0F2780"/>
+                </a:solidFill>
+              </a:rPr>
+              <a:t>Applied banking model on top of it</a:t>
+            </a:r>
+          </a:p>
+          <a:p>
+            <a:pPr lvl="0">
+              <a:defRPr sz="1800">
+                <a:solidFill>
+                  <a:srgbClr val="000000"/>
+                </a:solidFill>
+              </a:defRPr>
+            </a:pPr>
+            <a:r>
+              <a:rPr sz="2000" dirty="0">
+                <a:solidFill>
+                  <a:srgbClr val="0F2780"/>
+                </a:solidFill>
+              </a:rPr>
+              <a:t>Ran multiple scenarios</a:t>
+            </a:r>
+          </a:p>
+          <a:p>
+            <a:pPr lvl="0">
+              <a:defRPr sz="1800">
+                <a:solidFill>
+                  <a:srgbClr val="000000"/>
+                </a:solidFill>
+              </a:defRPr>
+            </a:pPr>
+            <a:r>
+              <a:rPr sz="2000" dirty="0">
+                <a:solidFill>
+                  <a:srgbClr val="0F2780"/>
+                </a:solidFill>
+              </a:rPr>
+              <a:t>Ran negative scenarios</a:t>
+            </a:r>
+          </a:p>
+          <a:p>
+            <a:pPr lvl="0">
+              <a:defRPr sz="1800">
+                <a:solidFill>
+                  <a:srgbClr val="000000"/>
+                </a:solidFill>
+              </a:defRPr>
+            </a:pPr>
+            <a:r>
+              <a:rPr sz="2000" dirty="0">
+                <a:solidFill>
+                  <a:srgbClr val="0F2780"/>
+                </a:solidFill>
+              </a:rPr>
+              <a:t>Analyzed traces to validate model </a:t>
+            </a:r>
+            <a:r>
+              <a:rPr sz="2000" dirty="0" smtClean="0">
+                <a:solidFill>
+                  <a:srgbClr val="0F2780"/>
+                </a:solidFill>
+              </a:rPr>
+              <a:t>behavior</a:t>
+            </a:r>
+            <a:endParaRPr lang="en-US" sz="2000" dirty="0" smtClean="0">
               <a:solidFill>
-                <a:srgbClr val="001978"/>
+                <a:srgbClr val="0F2780"/>
               </a:solidFill>
             </a:endParaRPr>
           </a:p>
@@ -4075,79 +4765,18 @@
               </a:defRPr>
             </a:pPr>
             <a:r>
-              <a:rPr sz="2000">
-                <a:solidFill>
-                  <a:srgbClr val="001978"/>
-                </a:solidFill>
-              </a:rPr>
-              <a:t>Applied banking model on top of it</a:t>
-            </a:r>
-            <a:endParaRPr sz="2000">
+              <a:rPr lang="en-US" dirty="0" smtClean="0">
+                <a:solidFill>
+                  <a:srgbClr val="0F2780"/>
+                </a:solidFill>
+              </a:rPr>
+              <a:t>Failed at Asynchronous runs because of problems with NUSMV</a:t>
+            </a:r>
+            <a:endParaRPr sz="2000" dirty="0">
               <a:solidFill>
-                <a:srgbClr val="001978"/>
+                <a:srgbClr val="0F2780"/>
               </a:solidFill>
             </a:endParaRPr>
-          </a:p>
-          <a:p>
-            <a:pPr lvl="0">
-              <a:defRPr sz="1800">
-                <a:solidFill>
-                  <a:srgbClr val="000000"/>
-                </a:solidFill>
-              </a:defRPr>
-            </a:pPr>
-            <a:r>
-              <a:rPr sz="2000">
-                <a:solidFill>
-                  <a:srgbClr val="001978"/>
-                </a:solidFill>
-              </a:rPr>
-              <a:t>Ran multiple scenarios</a:t>
-            </a:r>
-            <a:endParaRPr sz="2000">
-              <a:solidFill>
-                <a:srgbClr val="001978"/>
-              </a:solidFill>
-            </a:endParaRPr>
-          </a:p>
-          <a:p>
-            <a:pPr lvl="0">
-              <a:defRPr sz="1800">
-                <a:solidFill>
-                  <a:srgbClr val="000000"/>
-                </a:solidFill>
-              </a:defRPr>
-            </a:pPr>
-            <a:r>
-              <a:rPr sz="2000">
-                <a:solidFill>
-                  <a:srgbClr val="001978"/>
-                </a:solidFill>
-              </a:rPr>
-              <a:t>Ran negative scenarios</a:t>
-            </a:r>
-            <a:endParaRPr sz="2000">
-              <a:solidFill>
-                <a:srgbClr val="001978"/>
-              </a:solidFill>
-            </a:endParaRPr>
-          </a:p>
-          <a:p>
-            <a:pPr lvl="0">
-              <a:defRPr sz="1800">
-                <a:solidFill>
-                  <a:srgbClr val="000000"/>
-                </a:solidFill>
-              </a:defRPr>
-            </a:pPr>
-            <a:r>
-              <a:rPr sz="2000">
-                <a:solidFill>
-                  <a:srgbClr val="001978"/>
-                </a:solidFill>
-              </a:rPr>
-              <a:t>Analyzed traces to validate model behavior</a:t>
-            </a:r>
           </a:p>
         </p:txBody>
       </p:sp>
@@ -4156,12 +4785,12 @@
   <p:clrMapOvr>
     <a:masterClrMapping/>
   </p:clrMapOvr>
-  <p:transition spd="med" advClick="1"/>
+  <p:transition spd="med"/>
 </p:sld>
 </file>
 
-<file path=ppt/slides/slide13.xml><?xml version="1.0" encoding="utf-8"?>
-<p:sld xmlns:a="http://schemas.openxmlformats.org/drawingml/2006/main" xmlns:r="http://schemas.openxmlformats.org/officeDocument/2006/relationships" xmlns:p="http://schemas.openxmlformats.org/presentationml/2006/main" showMasterSp="1" showMasterPhAnim="1">
+<file path=ppt/slides/slide14.xml><?xml version="1.0" encoding="utf-8"?>
+<p:sld xmlns:a="http://schemas.openxmlformats.org/drawingml/2006/main" xmlns:r="http://schemas.openxmlformats.org/officeDocument/2006/relationships" xmlns:p="http://schemas.openxmlformats.org/presentationml/2006/main">
   <p:cSld>
     <p:spTree>
       <p:nvGrpSpPr>
@@ -4180,7 +4809,9 @@
       <p:sp>
         <p:nvSpPr>
           <p:cNvPr id="90" name="Shape 90"/>
-          <p:cNvSpPr/>
+          <p:cNvSpPr>
+            <a:spLocks noGrp="1"/>
+          </p:cNvSpPr>
           <p:nvPr>
             <p:ph type="title"/>
           </p:nvPr>
@@ -4199,14 +4830,14 @@
           <a:lstStyle/>
           <a:p>
             <a:pPr lvl="0">
-              <a:defRPr cap="none" sz="1800">
-                <a:solidFill>
-                  <a:srgbClr val="000000"/>
-                </a:solidFill>
-              </a:defRPr>
-            </a:pPr>
-            <a:r>
-              <a:rPr cap="all" sz="3600">
+              <a:defRPr sz="1800" cap="none">
+                <a:solidFill>
+                  <a:srgbClr val="000000"/>
+                </a:solidFill>
+              </a:defRPr>
+            </a:pPr>
+            <a:r>
+              <a:rPr sz="3600" cap="all">
                 <a:solidFill>
                   <a:srgbClr val="001978"/>
                 </a:solidFill>
@@ -4219,7 +4850,9 @@
       <p:sp>
         <p:nvSpPr>
           <p:cNvPr id="91" name="Shape 91"/>
-          <p:cNvSpPr/>
+          <p:cNvSpPr>
+            <a:spLocks noGrp="1"/>
+          </p:cNvSpPr>
           <p:nvPr>
             <p:ph type="body" idx="1"/>
           </p:nvPr>
@@ -4237,7 +4870,7 @@
           <a:bodyPr/>
           <a:lstStyle/>
           <a:p>
-            <a:pPr lvl="0" marL="332613" indent="-266090" defTabSz="886968">
+            <a:pPr marL="332613" lvl="0" indent="-266090" defTabSz="886968">
               <a:spcBef>
                 <a:spcPts val="600"/>
               </a:spcBef>
@@ -4255,14 +4888,9 @@
               </a:rPr>
               <a:t>[1] Shi, Huiling, Wenke Ma, Meihong Yang, and Xinchang Zhang. "A case study of model checking retail banking system with spin." Journal of computers 7, no. 10 (2012): 2503-2510.</a:t>
             </a:r>
-            <a:endParaRPr sz="1940">
-              <a:solidFill>
-                <a:srgbClr val="001978"/>
-              </a:solidFill>
-            </a:endParaRPr>
-          </a:p>
-          <a:p>
-            <a:pPr lvl="0" marL="332613" indent="-266090" defTabSz="886968">
+          </a:p>
+          <a:p>
+            <a:pPr marL="332613" lvl="0" indent="-266090" defTabSz="886968">
               <a:spcBef>
                 <a:spcPts val="600"/>
               </a:spcBef>
@@ -4281,7 +4909,7 @@
               <a:t>[2] Santone, Antonella, Valentina Intilangelo, and Domenico Raucci. "Efficient formal verification in banking processes." In </a:t>
             </a:r>
             <a:r>
-              <a:rPr i="1" sz="1940">
+              <a:rPr sz="1940" i="1">
                 <a:solidFill>
                   <a:srgbClr val="001978"/>
                 </a:solidFill>
@@ -4296,14 +4924,9 @@
               </a:rPr>
               <a:t>, pp. 325-332. IEEE, 2013.</a:t>
             </a:r>
-            <a:endParaRPr sz="1940">
-              <a:solidFill>
-                <a:srgbClr val="001978"/>
-              </a:solidFill>
-            </a:endParaRPr>
-          </a:p>
-          <a:p>
-            <a:pPr lvl="0" marL="332613" indent="-266090" defTabSz="886968">
+          </a:p>
+          <a:p>
+            <a:pPr marL="332613" lvl="0" indent="-266090" defTabSz="886968">
               <a:spcBef>
                 <a:spcPts val="600"/>
               </a:spcBef>
@@ -4322,7 +4945,7 @@
               <a:t>[3] University of Waterloo. Dept. of Electrical and Computer Engineering, and Stefan Leue. </a:t>
             </a:r>
             <a:r>
-              <a:rPr i="1" sz="1940">
+              <a:rPr sz="1940" i="1">
                 <a:solidFill>
                   <a:srgbClr val="001978"/>
                 </a:solidFill>
@@ -4337,14 +4960,9 @@
               </a:rPr>
               <a:t>. Department of Electrical and Computer Engineering, University of Waterloo, 1997.</a:t>
             </a:r>
-            <a:endParaRPr sz="1940">
-              <a:solidFill>
-                <a:srgbClr val="001978"/>
-              </a:solidFill>
-            </a:endParaRPr>
-          </a:p>
-          <a:p>
-            <a:pPr lvl="0" marL="332613" indent="-266090" defTabSz="886968">
+          </a:p>
+          <a:p>
+            <a:pPr marL="332613" lvl="0" indent="-266090" defTabSz="886968">
               <a:spcBef>
                 <a:spcPts val="600"/>
               </a:spcBef>
@@ -4363,7 +4981,7 @@
               <a:t>[4] Schaad, Andreas, and Karsten Sohr. "A workflow instance-based model-checking approach to analysing organisational controls in a loan origination process." In </a:t>
             </a:r>
             <a:r>
-              <a:rPr i="1" sz="1940">
+              <a:rPr sz="1940" i="1">
                 <a:solidFill>
                   <a:srgbClr val="001978"/>
                 </a:solidFill>
@@ -4386,12 +5004,12 @@
   <p:clrMapOvr>
     <a:masterClrMapping/>
   </p:clrMapOvr>
-  <p:transition spd="med" advClick="1"/>
+  <p:transition spd="med"/>
 </p:sld>
 </file>
 
 <file path=ppt/slides/slide2.xml><?xml version="1.0" encoding="utf-8"?>
-<p:sld xmlns:a="http://schemas.openxmlformats.org/drawingml/2006/main" xmlns:r="http://schemas.openxmlformats.org/officeDocument/2006/relationships" xmlns:p="http://schemas.openxmlformats.org/presentationml/2006/main" showMasterSp="1" showMasterPhAnim="1">
+<p:sld xmlns:a="http://schemas.openxmlformats.org/drawingml/2006/main" xmlns:r="http://schemas.openxmlformats.org/officeDocument/2006/relationships" xmlns:p="http://schemas.openxmlformats.org/presentationml/2006/main">
   <p:cSld>
     <p:spTree>
       <p:nvGrpSpPr>
@@ -4410,7 +5028,9 @@
       <p:sp>
         <p:nvSpPr>
           <p:cNvPr id="57" name="Shape 57"/>
-          <p:cNvSpPr/>
+          <p:cNvSpPr>
+            <a:spLocks noGrp="1"/>
+          </p:cNvSpPr>
           <p:nvPr>
             <p:ph type="title"/>
           </p:nvPr>
@@ -4429,14 +5049,14 @@
           <a:lstStyle/>
           <a:p>
             <a:pPr lvl="0">
-              <a:defRPr cap="none" sz="1800">
-                <a:solidFill>
-                  <a:srgbClr val="000000"/>
-                </a:solidFill>
-              </a:defRPr>
-            </a:pPr>
-            <a:r>
-              <a:rPr cap="all" sz="3600">
+              <a:defRPr sz="1800" cap="none">
+                <a:solidFill>
+                  <a:srgbClr val="000000"/>
+                </a:solidFill>
+              </a:defRPr>
+            </a:pPr>
+            <a:r>
+              <a:rPr sz="3600" cap="all">
                 <a:solidFill>
                   <a:srgbClr val="001978"/>
                 </a:solidFill>
@@ -4449,7 +5069,9 @@
       <p:sp>
         <p:nvSpPr>
           <p:cNvPr id="58" name="Shape 58"/>
-          <p:cNvSpPr/>
+          <p:cNvSpPr>
+            <a:spLocks noGrp="1"/>
+          </p:cNvSpPr>
           <p:nvPr>
             <p:ph type="body" idx="1"/>
           </p:nvPr>
@@ -4475,57 +5097,52 @@
               </a:defRPr>
             </a:pPr>
             <a:r>
-              <a:rPr sz="2000">
+              <a:rPr sz="2000" dirty="0">
                 <a:solidFill>
                   <a:srgbClr val="001978"/>
                 </a:solidFill>
               </a:rPr>
               <a:t>Banking involves deposits, withdraws, and inquires</a:t>
             </a:r>
-            <a:endParaRPr sz="2000">
+          </a:p>
+          <a:p>
+            <a:pPr lvl="0">
+              <a:defRPr sz="1800">
+                <a:solidFill>
+                  <a:srgbClr val="000000"/>
+                </a:solidFill>
+              </a:defRPr>
+            </a:pPr>
+            <a:r>
+              <a:rPr sz="2000" dirty="0">
+                <a:solidFill>
+                  <a:srgbClr val="001978"/>
+                </a:solidFill>
+              </a:rPr>
+              <a:t>Main challenge is concurrency</a:t>
+            </a:r>
+          </a:p>
+          <a:p>
+            <a:pPr lvl="0">
+              <a:defRPr sz="1800">
+                <a:solidFill>
+                  <a:srgbClr val="000000"/>
+                </a:solidFill>
+              </a:defRPr>
+            </a:pPr>
+            <a:r>
+              <a:rPr lang="en-US" sz="2000" dirty="0" smtClean="0">
+                <a:solidFill>
+                  <a:srgbClr val="001978"/>
+                </a:solidFill>
+              </a:rPr>
+              <a:t>How to handle deposits and withdrawals by passing messages back and forth without either side making money disappear</a:t>
+            </a:r>
+            <a:endParaRPr sz="2000" dirty="0">
               <a:solidFill>
                 <a:srgbClr val="001978"/>
               </a:solidFill>
             </a:endParaRPr>
-          </a:p>
-          <a:p>
-            <a:pPr lvl="0">
-              <a:defRPr sz="1800">
-                <a:solidFill>
-                  <a:srgbClr val="000000"/>
-                </a:solidFill>
-              </a:defRPr>
-            </a:pPr>
-            <a:r>
-              <a:rPr sz="2000">
-                <a:solidFill>
-                  <a:srgbClr val="001978"/>
-                </a:solidFill>
-              </a:rPr>
-              <a:t>Main challenge is concurrency</a:t>
-            </a:r>
-            <a:endParaRPr sz="2000">
-              <a:solidFill>
-                <a:srgbClr val="001978"/>
-              </a:solidFill>
-            </a:endParaRPr>
-          </a:p>
-          <a:p>
-            <a:pPr lvl="0">
-              <a:defRPr sz="1800">
-                <a:solidFill>
-                  <a:srgbClr val="000000"/>
-                </a:solidFill>
-              </a:defRPr>
-            </a:pPr>
-            <a:r>
-              <a:rPr sz="2000">
-                <a:solidFill>
-                  <a:srgbClr val="001978"/>
-                </a:solidFill>
-              </a:rPr>
-              <a:t>How to handle deposit and withdraw occurring simultaneously</a:t>
-            </a:r>
           </a:p>
         </p:txBody>
       </p:sp>
@@ -4534,12 +5151,12 @@
   <p:clrMapOvr>
     <a:masterClrMapping/>
   </p:clrMapOvr>
-  <p:transition spd="med" advClick="1"/>
+  <p:transition spd="med"/>
 </p:sld>
 </file>
 
 <file path=ppt/slides/slide3.xml><?xml version="1.0" encoding="utf-8"?>
-<p:sld xmlns:a="http://schemas.openxmlformats.org/drawingml/2006/main" xmlns:r="http://schemas.openxmlformats.org/officeDocument/2006/relationships" xmlns:p="http://schemas.openxmlformats.org/presentationml/2006/main" showMasterSp="1" showMasterPhAnim="1">
+<p:sld xmlns:a="http://schemas.openxmlformats.org/drawingml/2006/main" xmlns:r="http://schemas.openxmlformats.org/officeDocument/2006/relationships" xmlns:p="http://schemas.openxmlformats.org/presentationml/2006/main">
   <p:cSld>
     <p:spTree>
       <p:nvGrpSpPr>
@@ -4558,7 +5175,9 @@
       <p:sp>
         <p:nvSpPr>
           <p:cNvPr id="60" name="Shape 60"/>
-          <p:cNvSpPr/>
+          <p:cNvSpPr>
+            <a:spLocks noGrp="1"/>
+          </p:cNvSpPr>
           <p:nvPr>
             <p:ph type="title"/>
           </p:nvPr>
@@ -4577,14 +5196,14 @@
           <a:lstStyle/>
           <a:p>
             <a:pPr lvl="0">
-              <a:defRPr cap="none" sz="1800">
-                <a:solidFill>
-                  <a:srgbClr val="000000"/>
-                </a:solidFill>
-              </a:defRPr>
-            </a:pPr>
-            <a:r>
-              <a:rPr cap="all" sz="3600">
+              <a:defRPr sz="1800" cap="none">
+                <a:solidFill>
+                  <a:srgbClr val="000000"/>
+                </a:solidFill>
+              </a:defRPr>
+            </a:pPr>
+            <a:r>
+              <a:rPr sz="3600" cap="all">
                 <a:solidFill>
                   <a:srgbClr val="001978"/>
                 </a:solidFill>
@@ -4597,7 +5216,9 @@
       <p:sp>
         <p:nvSpPr>
           <p:cNvPr id="61" name="Shape 61"/>
-          <p:cNvSpPr/>
+          <p:cNvSpPr>
+            <a:spLocks noGrp="1"/>
+          </p:cNvSpPr>
           <p:nvPr>
             <p:ph type="body" idx="1"/>
           </p:nvPr>
@@ -4630,11 +5251,6 @@
               </a:rPr>
               <a:t>Used Alternating Bit Protocol (ABP)</a:t>
             </a:r>
-            <a:endParaRPr sz="2000">
-              <a:solidFill>
-                <a:srgbClr val="001978"/>
-              </a:solidFill>
-            </a:endParaRPr>
           </a:p>
           <a:p>
             <a:pPr lvl="0">
@@ -4652,14 +5268,9 @@
               </a:rPr>
               <a:t>ABP is implemented in four models</a:t>
             </a:r>
-            <a:endParaRPr sz="2000">
-              <a:solidFill>
-                <a:srgbClr val="001978"/>
-              </a:solidFill>
-            </a:endParaRPr>
-          </a:p>
-          <a:p>
-            <a:pPr lvl="1" marL="742950" indent="-274319">
+          </a:p>
+          <a:p>
+            <a:pPr marL="742950" lvl="1" indent="-274319">
               <a:defRPr sz="1800">
                 <a:solidFill>
                   <a:srgbClr val="000000"/>
@@ -4674,14 +5285,9 @@
               </a:rPr>
               <a:t>Sender</a:t>
             </a:r>
-            <a:endParaRPr sz="2000">
-              <a:solidFill>
-                <a:srgbClr val="001978"/>
-              </a:solidFill>
-            </a:endParaRPr>
-          </a:p>
-          <a:p>
-            <a:pPr lvl="1" marL="742950" indent="-274319">
+          </a:p>
+          <a:p>
+            <a:pPr marL="742950" lvl="1" indent="-274319">
               <a:defRPr sz="1800">
                 <a:solidFill>
                   <a:srgbClr val="000000"/>
@@ -4696,14 +5302,9 @@
               </a:rPr>
               <a:t>Receiver</a:t>
             </a:r>
-            <a:endParaRPr sz="2000">
-              <a:solidFill>
-                <a:srgbClr val="001978"/>
-              </a:solidFill>
-            </a:endParaRPr>
-          </a:p>
-          <a:p>
-            <a:pPr lvl="1" marL="742950" indent="-274319">
+          </a:p>
+          <a:p>
+            <a:pPr marL="742950" lvl="1" indent="-274319">
               <a:defRPr sz="1800">
                 <a:solidFill>
                   <a:srgbClr val="000000"/>
@@ -4718,14 +5319,9 @@
               </a:rPr>
               <a:t>Sending channel</a:t>
             </a:r>
-            <a:endParaRPr sz="2000">
-              <a:solidFill>
-                <a:srgbClr val="001978"/>
-              </a:solidFill>
-            </a:endParaRPr>
-          </a:p>
-          <a:p>
-            <a:pPr lvl="1" marL="742950" indent="-274319">
+          </a:p>
+          <a:p>
+            <a:pPr marL="742950" lvl="1" indent="-274319">
               <a:defRPr sz="1800">
                 <a:solidFill>
                   <a:srgbClr val="000000"/>
@@ -4740,11 +5336,6 @@
               </a:rPr>
               <a:t>Acknowledgement channel </a:t>
             </a:r>
-            <a:endParaRPr sz="2000">
-              <a:solidFill>
-                <a:srgbClr val="001978"/>
-              </a:solidFill>
-            </a:endParaRPr>
           </a:p>
           <a:p>
             <a:pPr lvl="0">
@@ -4770,12 +5361,12 @@
   <p:clrMapOvr>
     <a:masterClrMapping/>
   </p:clrMapOvr>
-  <p:transition spd="med" advClick="1"/>
+  <p:transition spd="med"/>
 </p:sld>
 </file>
 
 <file path=ppt/slides/slide4.xml><?xml version="1.0" encoding="utf-8"?>
-<p:sld xmlns:a="http://schemas.openxmlformats.org/drawingml/2006/main" xmlns:r="http://schemas.openxmlformats.org/officeDocument/2006/relationships" xmlns:p="http://schemas.openxmlformats.org/presentationml/2006/main" showMasterSp="1" showMasterPhAnim="1">
+<p:sld xmlns:a="http://schemas.openxmlformats.org/drawingml/2006/main" xmlns:r="http://schemas.openxmlformats.org/officeDocument/2006/relationships" xmlns:p="http://schemas.openxmlformats.org/presentationml/2006/main">
   <p:cSld>
     <p:spTree>
       <p:nvGrpSpPr>
@@ -4794,7 +5385,9 @@
       <p:sp>
         <p:nvSpPr>
           <p:cNvPr id="63" name="Shape 63"/>
-          <p:cNvSpPr/>
+          <p:cNvSpPr>
+            <a:spLocks noGrp="1"/>
+          </p:cNvSpPr>
           <p:nvPr>
             <p:ph type="title"/>
           </p:nvPr>
@@ -4813,14 +5406,14 @@
           <a:lstStyle/>
           <a:p>
             <a:pPr lvl="0">
-              <a:defRPr cap="none" sz="1800">
-                <a:solidFill>
-                  <a:srgbClr val="000000"/>
-                </a:solidFill>
-              </a:defRPr>
-            </a:pPr>
-            <a:r>
-              <a:rPr cap="all" sz="3600">
+              <a:defRPr sz="1800" cap="none">
+                <a:solidFill>
+                  <a:srgbClr val="000000"/>
+                </a:solidFill>
+              </a:defRPr>
+            </a:pPr>
+            <a:r>
+              <a:rPr sz="3600" cap="all">
                 <a:solidFill>
                   <a:srgbClr val="001978"/>
                 </a:solidFill>
@@ -4833,7 +5426,9 @@
       <p:sp>
         <p:nvSpPr>
           <p:cNvPr id="64" name="Shape 64"/>
-          <p:cNvSpPr/>
+          <p:cNvSpPr>
+            <a:spLocks noGrp="1"/>
+          </p:cNvSpPr>
           <p:nvPr>
             <p:ph type="body" idx="1"/>
           </p:nvPr>
@@ -4866,11 +5461,6 @@
               </a:rPr>
               <a:t>Makes use of Linear Temporal Logic (LTL)</a:t>
             </a:r>
-            <a:endParaRPr sz="2000">
-              <a:solidFill>
-                <a:srgbClr val="001978"/>
-              </a:solidFill>
-            </a:endParaRPr>
           </a:p>
           <a:p>
             <a:pPr lvl="0">
@@ -4888,11 +5478,6 @@
               </a:rPr>
               <a:t>Sender states at some point in the future, state must be sent</a:t>
             </a:r>
-            <a:endParaRPr sz="2000">
-              <a:solidFill>
-                <a:srgbClr val="001978"/>
-              </a:solidFill>
-            </a:endParaRPr>
           </a:p>
           <a:p>
             <a:pPr lvl="0">
@@ -4910,11 +5495,6 @@
               </a:rPr>
               <a:t>Receiver states at some point in the future, state must be received</a:t>
             </a:r>
-            <a:endParaRPr sz="2000">
-              <a:solidFill>
-                <a:srgbClr val="001978"/>
-              </a:solidFill>
-            </a:endParaRPr>
           </a:p>
           <a:p>
             <a:pPr lvl="0">
@@ -4932,11 +5512,6 @@
               </a:rPr>
               <a:t>Main module states it is always true that when the state is sent and message is true it implies the message sending channel is true</a:t>
             </a:r>
-            <a:endParaRPr sz="2000">
-              <a:solidFill>
-                <a:srgbClr val="001978"/>
-              </a:solidFill>
-            </a:endParaRPr>
           </a:p>
           <a:p>
             <a:pPr lvl="0">
@@ -4962,12 +5537,12 @@
   <p:clrMapOvr>
     <a:masterClrMapping/>
   </p:clrMapOvr>
-  <p:transition spd="med" advClick="1"/>
+  <p:transition spd="med"/>
 </p:sld>
 </file>
 
 <file path=ppt/slides/slide5.xml><?xml version="1.0" encoding="utf-8"?>
-<p:sld xmlns:a="http://schemas.openxmlformats.org/drawingml/2006/main" xmlns:r="http://schemas.openxmlformats.org/officeDocument/2006/relationships" xmlns:p="http://schemas.openxmlformats.org/presentationml/2006/main" showMasterSp="1" showMasterPhAnim="1">
+<p:sld xmlns:a="http://schemas.openxmlformats.org/drawingml/2006/main" xmlns:r="http://schemas.openxmlformats.org/officeDocument/2006/relationships" xmlns:p="http://schemas.openxmlformats.org/presentationml/2006/main">
   <p:cSld>
     <p:spTree>
       <p:nvGrpSpPr>
@@ -4986,7 +5561,9 @@
       <p:sp>
         <p:nvSpPr>
           <p:cNvPr id="66" name="Shape 66"/>
-          <p:cNvSpPr/>
+          <p:cNvSpPr>
+            <a:spLocks noGrp="1"/>
+          </p:cNvSpPr>
           <p:nvPr>
             <p:ph type="title"/>
           </p:nvPr>
@@ -5005,14 +5582,14 @@
           <a:lstStyle/>
           <a:p>
             <a:pPr lvl="1">
-              <a:defRPr cap="none" sz="1800">
-                <a:solidFill>
-                  <a:srgbClr val="000000"/>
-                </a:solidFill>
-              </a:defRPr>
-            </a:pPr>
-            <a:r>
-              <a:rPr cap="all" sz="3600">
+              <a:defRPr sz="1800" cap="none">
+                <a:solidFill>
+                  <a:srgbClr val="000000"/>
+                </a:solidFill>
+              </a:defRPr>
+            </a:pPr>
+            <a:r>
+              <a:rPr sz="3600" cap="all">
                 <a:solidFill>
                   <a:srgbClr val="001978"/>
                 </a:solidFill>
@@ -5025,7 +5602,9 @@
       <p:sp>
         <p:nvSpPr>
           <p:cNvPr id="67" name="Shape 67"/>
-          <p:cNvSpPr/>
+          <p:cNvSpPr>
+            <a:spLocks noGrp="1"/>
+          </p:cNvSpPr>
           <p:nvPr>
             <p:ph type="body" idx="1"/>
           </p:nvPr>
@@ -5058,11 +5637,6 @@
               </a:rPr>
               <a:t>ABP model designed prevent loss or duplication</a:t>
             </a:r>
-            <a:endParaRPr sz="2000">
-              <a:solidFill>
-                <a:srgbClr val="001978"/>
-              </a:solidFill>
-            </a:endParaRPr>
           </a:p>
           <a:p>
             <a:pPr lvl="0">
@@ -5080,11 +5654,6 @@
               </a:rPr>
               <a:t>Expect model to ensure messages delivered in order</a:t>
             </a:r>
-            <a:endParaRPr sz="2000">
-              <a:solidFill>
-                <a:srgbClr val="001978"/>
-              </a:solidFill>
-            </a:endParaRPr>
           </a:p>
           <a:p>
             <a:pPr lvl="0">
@@ -5102,14 +5671,9 @@
               </a:rPr>
               <a:t>Expect banking model to validate amounts</a:t>
             </a:r>
-            <a:endParaRPr sz="2000">
-              <a:solidFill>
-                <a:srgbClr val="001978"/>
-              </a:solidFill>
-            </a:endParaRPr>
-          </a:p>
-          <a:p>
-            <a:pPr lvl="1" marL="742950" indent="-274319">
+          </a:p>
+          <a:p>
+            <a:pPr marL="742950" lvl="1" indent="-274319">
               <a:defRPr sz="1800">
                 <a:solidFill>
                   <a:srgbClr val="000000"/>
@@ -5132,12 +5696,12 @@
   <p:clrMapOvr>
     <a:masterClrMapping/>
   </p:clrMapOvr>
-  <p:transition spd="med" advClick="1"/>
+  <p:transition spd="med"/>
 </p:sld>
 </file>
 
 <file path=ppt/slides/slide6.xml><?xml version="1.0" encoding="utf-8"?>
-<p:sld xmlns:a="http://schemas.openxmlformats.org/drawingml/2006/main" xmlns:r="http://schemas.openxmlformats.org/officeDocument/2006/relationships" xmlns:p="http://schemas.openxmlformats.org/presentationml/2006/main" showMasterSp="1" showMasterPhAnim="1">
+<p:sld xmlns:a="http://schemas.openxmlformats.org/drawingml/2006/main" xmlns:r="http://schemas.openxmlformats.org/officeDocument/2006/relationships" xmlns:p="http://schemas.openxmlformats.org/presentationml/2006/main">
   <p:cSld>
     <p:spTree>
       <p:nvGrpSpPr>
@@ -5156,7 +5720,9 @@
       <p:sp>
         <p:nvSpPr>
           <p:cNvPr id="69" name="Shape 69"/>
-          <p:cNvSpPr/>
+          <p:cNvSpPr>
+            <a:spLocks noGrp="1"/>
+          </p:cNvSpPr>
           <p:nvPr>
             <p:ph type="title"/>
           </p:nvPr>
@@ -5175,14 +5741,14 @@
           <a:lstStyle/>
           <a:p>
             <a:pPr lvl="1">
-              <a:defRPr cap="none" sz="1800">
-                <a:solidFill>
-                  <a:srgbClr val="000000"/>
-                </a:solidFill>
-              </a:defRPr>
-            </a:pPr>
-            <a:r>
-              <a:rPr cap="all" sz="3600">
+              <a:defRPr sz="1800" cap="none">
+                <a:solidFill>
+                  <a:srgbClr val="000000"/>
+                </a:solidFill>
+              </a:defRPr>
+            </a:pPr>
+            <a:r>
+              <a:rPr sz="3600" cap="all">
                 <a:solidFill>
                   <a:srgbClr val="001978"/>
                 </a:solidFill>
@@ -5195,7 +5761,9 @@
       <p:sp>
         <p:nvSpPr>
           <p:cNvPr id="70" name="Shape 70"/>
-          <p:cNvSpPr/>
+          <p:cNvSpPr>
+            <a:spLocks noGrp="1"/>
+          </p:cNvSpPr>
           <p:nvPr>
             <p:ph type="body" idx="1"/>
           </p:nvPr>
@@ -5221,79 +5789,52 @@
               </a:defRPr>
             </a:pPr>
             <a:r>
-              <a:rPr sz="2000">
+              <a:rPr sz="2000" dirty="0">
                 <a:solidFill>
                   <a:srgbClr val="001978"/>
                 </a:solidFill>
               </a:rPr>
               <a:t>Sufficient funds for withdraw</a:t>
             </a:r>
-            <a:endParaRPr sz="2000">
+          </a:p>
+          <a:p>
+            <a:pPr lvl="0">
+              <a:defRPr sz="1800">
+                <a:solidFill>
+                  <a:srgbClr val="000000"/>
+                </a:solidFill>
+              </a:defRPr>
+            </a:pPr>
+            <a:r>
+              <a:rPr sz="2000" dirty="0">
+                <a:solidFill>
+                  <a:srgbClr val="001978"/>
+                </a:solidFill>
+              </a:rPr>
+              <a:t>Insufficient funds for withdraw</a:t>
+            </a:r>
+          </a:p>
+          <a:p>
+            <a:pPr lvl="0">
+              <a:defRPr sz="1800">
+                <a:solidFill>
+                  <a:srgbClr val="000000"/>
+                </a:solidFill>
+              </a:defRPr>
+            </a:pPr>
+            <a:r>
+              <a:rPr lang="en-US" sz="2000" dirty="0" smtClean="0">
+                <a:solidFill>
+                  <a:srgbClr val="001978"/>
+                </a:solidFill>
+              </a:rPr>
+              <a:t>Deposit</a:t>
+            </a:r>
+            <a:endParaRPr sz="2000" dirty="0">
               <a:solidFill>
                 <a:srgbClr val="001978"/>
               </a:solidFill>
             </a:endParaRPr>
-          </a:p>
-          <a:p>
-            <a:pPr lvl="0">
-              <a:defRPr sz="1800">
-                <a:solidFill>
-                  <a:srgbClr val="000000"/>
-                </a:solidFill>
-              </a:defRPr>
-            </a:pPr>
-            <a:r>
-              <a:rPr sz="2000">
-                <a:solidFill>
-                  <a:srgbClr val="001978"/>
-                </a:solidFill>
-              </a:rPr>
-              <a:t>Insufficient funds for withdraw</a:t>
-            </a:r>
-            <a:endParaRPr sz="2000">
-              <a:solidFill>
-                <a:srgbClr val="001978"/>
-              </a:solidFill>
-            </a:endParaRPr>
-          </a:p>
-          <a:p>
-            <a:pPr lvl="0">
-              <a:defRPr sz="1800">
-                <a:solidFill>
-                  <a:srgbClr val="000000"/>
-                </a:solidFill>
-              </a:defRPr>
-            </a:pPr>
-            <a:r>
-              <a:rPr sz="2000">
-                <a:solidFill>
-                  <a:srgbClr val="001978"/>
-                </a:solidFill>
-              </a:rPr>
-              <a:t>Simultaneous deposit then withdraw</a:t>
-            </a:r>
-            <a:endParaRPr sz="2000">
-              <a:solidFill>
-                <a:srgbClr val="001978"/>
-              </a:solidFill>
-            </a:endParaRPr>
-          </a:p>
-          <a:p>
-            <a:pPr lvl="0">
-              <a:defRPr sz="1800">
-                <a:solidFill>
-                  <a:srgbClr val="000000"/>
-                </a:solidFill>
-              </a:defRPr>
-            </a:pPr>
-            <a:r>
-              <a:rPr sz="2000">
-                <a:solidFill>
-                  <a:srgbClr val="001978"/>
-                </a:solidFill>
-              </a:rPr>
-              <a:t>Simultaneous withdraw then deposit</a:t>
-            </a:r>
           </a:p>
         </p:txBody>
       </p:sp>
@@ -5302,12 +5843,12 @@
   <p:clrMapOvr>
     <a:masterClrMapping/>
   </p:clrMapOvr>
-  <p:transition spd="med" advClick="1"/>
+  <p:transition spd="med"/>
 </p:sld>
 </file>
 
 <file path=ppt/slides/slide7.xml><?xml version="1.0" encoding="utf-8"?>
-<p:sld xmlns:a="http://schemas.openxmlformats.org/drawingml/2006/main" xmlns:r="http://schemas.openxmlformats.org/officeDocument/2006/relationships" xmlns:p="http://schemas.openxmlformats.org/presentationml/2006/main" showMasterSp="1" showMasterPhAnim="1">
+<p:sld xmlns:a="http://schemas.openxmlformats.org/drawingml/2006/main" xmlns:r="http://schemas.openxmlformats.org/officeDocument/2006/relationships" xmlns:p="http://schemas.openxmlformats.org/presentationml/2006/main">
   <p:cSld>
     <p:spTree>
       <p:nvGrpSpPr>
@@ -5326,7 +5867,9 @@
       <p:sp>
         <p:nvSpPr>
           <p:cNvPr id="72" name="Shape 72"/>
-          <p:cNvSpPr/>
+          <p:cNvSpPr>
+            <a:spLocks noGrp="1"/>
+          </p:cNvSpPr>
           <p:nvPr>
             <p:ph type="title"/>
           </p:nvPr>
@@ -5345,14 +5888,14 @@
           <a:lstStyle/>
           <a:p>
             <a:pPr lvl="1">
-              <a:defRPr cap="none" sz="1800">
-                <a:solidFill>
-                  <a:srgbClr val="000000"/>
-                </a:solidFill>
-              </a:defRPr>
-            </a:pPr>
-            <a:r>
-              <a:rPr cap="all" sz="3600">
+              <a:defRPr sz="1800" cap="none">
+                <a:solidFill>
+                  <a:srgbClr val="000000"/>
+                </a:solidFill>
+              </a:defRPr>
+            </a:pPr>
+            <a:r>
+              <a:rPr sz="3600" cap="all">
                 <a:solidFill>
                   <a:srgbClr val="001978"/>
                 </a:solidFill>
@@ -5365,22 +5908,26 @@
       <p:sp>
         <p:nvSpPr>
           <p:cNvPr id="73" name="Shape 73"/>
-          <p:cNvSpPr/>
+          <p:cNvSpPr>
+            <a:spLocks noGrp="1"/>
+          </p:cNvSpPr>
           <p:nvPr>
             <p:ph type="body" idx="1"/>
           </p:nvPr>
         </p:nvSpPr>
         <p:spPr>
           <a:xfrm>
-            <a:off x="685800" y="992921"/>
-            <a:ext cx="7772400" cy="4756715"/>
+            <a:off x="0" y="992921"/>
+            <a:ext cx="8997696" cy="4756715"/>
           </a:xfrm>
           <a:prstGeom prst="rect">
             <a:avLst/>
           </a:prstGeom>
         </p:spPr>
         <p:txBody>
-          <a:bodyPr/>
+          <a:bodyPr numCol="3">
+            <a:normAutofit fontScale="62500" lnSpcReduction="20000"/>
+          </a:bodyPr>
           <a:lstStyle/>
           <a:p>
             <a:pPr lvl="0">
@@ -5391,79 +5938,1036 @@
               </a:defRPr>
             </a:pPr>
             <a:r>
-              <a:rPr sz="2000">
-                <a:solidFill>
-                  <a:srgbClr val="001978"/>
-                </a:solidFill>
-              </a:rPr>
-              <a:t>Sufficient funds for withdraw</a:t>
-            </a:r>
-            <a:endParaRPr sz="2000">
+              <a:rPr lang="en-US" dirty="0">
+                <a:solidFill>
+                  <a:srgbClr val="0F2780"/>
+                </a:solidFill>
+              </a:rPr>
+              <a:t>Trace Description: Simulation Trace </a:t>
+            </a:r>
+          </a:p>
+          <a:p>
+            <a:pPr lvl="0">
+              <a:defRPr sz="1800">
+                <a:solidFill>
+                  <a:srgbClr val="000000"/>
+                </a:solidFill>
+              </a:defRPr>
+            </a:pPr>
+            <a:r>
+              <a:rPr lang="en-US" dirty="0">
+                <a:solidFill>
+                  <a:srgbClr val="0F2780"/>
+                </a:solidFill>
+              </a:rPr>
+              <a:t>Trace Type: Simulation </a:t>
+            </a:r>
+          </a:p>
+          <a:p>
+            <a:pPr lvl="0">
+              <a:defRPr sz="1800">
+                <a:solidFill>
+                  <a:srgbClr val="000000"/>
+                </a:solidFill>
+              </a:defRPr>
+            </a:pPr>
+            <a:r>
+              <a:rPr lang="en-US" dirty="0">
+                <a:solidFill>
+                  <a:srgbClr val="0F2780"/>
+                </a:solidFill>
+              </a:rPr>
+              <a:t>-&gt; State: 1.1 &lt;-</a:t>
+            </a:r>
+          </a:p>
+          <a:p>
+            <a:pPr lvl="0">
+              <a:defRPr sz="1800">
+                <a:solidFill>
+                  <a:srgbClr val="000000"/>
+                </a:solidFill>
+              </a:defRPr>
+            </a:pPr>
+            <a:r>
+              <a:rPr lang="en-US" dirty="0">
+                <a:solidFill>
+                  <a:srgbClr val="0F2780"/>
+                </a:solidFill>
+              </a:rPr>
+              <a:t>      atm0.state = sending</a:t>
+            </a:r>
+          </a:p>
+          <a:p>
+            <a:pPr lvl="0">
+              <a:defRPr sz="1800">
+                <a:solidFill>
+                  <a:srgbClr val="000000"/>
+                </a:solidFill>
+              </a:defRPr>
+            </a:pPr>
+            <a:r>
+              <a:rPr lang="en-US" dirty="0">
+                <a:solidFill>
+                  <a:srgbClr val="0F2780"/>
+                </a:solidFill>
+              </a:rPr>
+              <a:t>      atm0.message = -27</a:t>
+            </a:r>
+          </a:p>
+          <a:p>
+            <a:pPr lvl="0">
+              <a:defRPr sz="1800">
+                <a:solidFill>
+                  <a:srgbClr val="000000"/>
+                </a:solidFill>
+              </a:defRPr>
+            </a:pPr>
+            <a:r>
+              <a:rPr lang="en-US" dirty="0">
+                <a:solidFill>
+                  <a:srgbClr val="0F2780"/>
+                </a:solidFill>
+              </a:rPr>
+              <a:t>      atm0.control = FALSE</a:t>
+            </a:r>
+          </a:p>
+          <a:p>
+            <a:pPr lvl="0">
+              <a:defRPr sz="1800">
+                <a:solidFill>
+                  <a:srgbClr val="000000"/>
+                </a:solidFill>
+              </a:defRPr>
+            </a:pPr>
+            <a:r>
+              <a:rPr lang="en-US" dirty="0">
+                <a:solidFill>
+                  <a:srgbClr val="0F2780"/>
+                </a:solidFill>
+              </a:rPr>
+              <a:t>      atm0.confailed = FALSE</a:t>
+            </a:r>
+          </a:p>
+          <a:p>
+            <a:pPr lvl="0">
+              <a:defRPr sz="1800">
+                <a:solidFill>
+                  <a:srgbClr val="000000"/>
+                </a:solidFill>
+              </a:defRPr>
+            </a:pPr>
+            <a:r>
+              <a:rPr lang="en-US" dirty="0">
+                <a:solidFill>
+                  <a:srgbClr val="0F2780"/>
+                </a:solidFill>
+              </a:rPr>
+              <a:t>      atm0.output = 0</a:t>
+            </a:r>
+          </a:p>
+          <a:p>
+            <a:pPr lvl="0">
+              <a:defRPr sz="1800">
+                <a:solidFill>
+                  <a:srgbClr val="000000"/>
+                </a:solidFill>
+              </a:defRPr>
+            </a:pPr>
+            <a:r>
+              <a:rPr lang="en-US" dirty="0">
+                <a:solidFill>
+                  <a:srgbClr val="0F2780"/>
+                </a:solidFill>
+              </a:rPr>
+              <a:t>      atm0.balance = 0</a:t>
+            </a:r>
+          </a:p>
+          <a:p>
+            <a:pPr lvl="0">
+              <a:defRPr sz="1800">
+                <a:solidFill>
+                  <a:srgbClr val="000000"/>
+                </a:solidFill>
+              </a:defRPr>
+            </a:pPr>
+            <a:r>
+              <a:rPr lang="en-US" dirty="0">
+                <a:solidFill>
+                  <a:srgbClr val="0F2780"/>
+                </a:solidFill>
+              </a:rPr>
+              <a:t>      bank0.balance = 37</a:t>
+            </a:r>
+          </a:p>
+          <a:p>
+            <a:pPr lvl="0">
+              <a:defRPr sz="1800">
+                <a:solidFill>
+                  <a:srgbClr val="000000"/>
+                </a:solidFill>
+              </a:defRPr>
+            </a:pPr>
+            <a:r>
+              <a:rPr lang="en-US" dirty="0">
+                <a:solidFill>
+                  <a:srgbClr val="0F2780"/>
+                </a:solidFill>
+              </a:rPr>
+              <a:t>      bank0.failedb = TRUE</a:t>
+            </a:r>
+          </a:p>
+          <a:p>
+            <a:pPr lvl="0">
+              <a:defRPr sz="1800">
+                <a:solidFill>
+                  <a:srgbClr val="000000"/>
+                </a:solidFill>
+              </a:defRPr>
+            </a:pPr>
+            <a:r>
+              <a:rPr lang="en-US" dirty="0">
+                <a:solidFill>
+                  <a:srgbClr val="0F2780"/>
+                </a:solidFill>
+              </a:rPr>
+              <a:t>      bank0.state = receiving</a:t>
+            </a:r>
+          </a:p>
+          <a:p>
+            <a:pPr lvl="0">
+              <a:defRPr sz="1800">
+                <a:solidFill>
+                  <a:srgbClr val="000000"/>
+                </a:solidFill>
+              </a:defRPr>
+            </a:pPr>
+            <a:r>
+              <a:rPr lang="en-US" dirty="0">
+                <a:solidFill>
+                  <a:srgbClr val="0F2780"/>
+                </a:solidFill>
+              </a:rPr>
+              <a:t>      bank0.ack = TRUE</a:t>
+            </a:r>
+          </a:p>
+          <a:p>
+            <a:pPr lvl="0">
+              <a:defRPr sz="1800">
+                <a:solidFill>
+                  <a:srgbClr val="000000"/>
+                </a:solidFill>
+              </a:defRPr>
+            </a:pPr>
+            <a:r>
+              <a:rPr lang="en-US" dirty="0">
+                <a:solidFill>
+                  <a:srgbClr val="0F2780"/>
+                </a:solidFill>
+              </a:rPr>
+              <a:t>      bank0.expected = FALSE</a:t>
+            </a:r>
+          </a:p>
+          <a:p>
+            <a:pPr lvl="0">
+              <a:defRPr sz="1800">
+                <a:solidFill>
+                  <a:srgbClr val="000000"/>
+                </a:solidFill>
+              </a:defRPr>
+            </a:pPr>
+            <a:r>
+              <a:rPr lang="en-US" dirty="0">
+                <a:solidFill>
+                  <a:srgbClr val="0F2780"/>
+                </a:solidFill>
+              </a:rPr>
+              <a:t>      bank0.expfailed = FALSE</a:t>
+            </a:r>
+          </a:p>
+          <a:p>
+            <a:pPr lvl="0">
+              <a:defRPr sz="1800">
+                <a:solidFill>
+                  <a:srgbClr val="000000"/>
+                </a:solidFill>
+              </a:defRPr>
+            </a:pPr>
+            <a:r>
+              <a:rPr lang="en-US" dirty="0">
+                <a:solidFill>
+                  <a:srgbClr val="0F2780"/>
+                </a:solidFill>
+              </a:rPr>
+              <a:t>      </a:t>
+            </a:r>
+            <a:r>
+              <a:rPr lang="en-US" dirty="0" err="1">
+                <a:solidFill>
+                  <a:srgbClr val="0F2780"/>
+                </a:solidFill>
+              </a:rPr>
+              <a:t>msg_channel.forget</a:t>
+            </a:r>
+            <a:r>
+              <a:rPr lang="en-US" dirty="0">
+                <a:solidFill>
+                  <a:srgbClr val="0F2780"/>
+                </a:solidFill>
+              </a:rPr>
+              <a:t> = FALSE</a:t>
+            </a:r>
+          </a:p>
+          <a:p>
+            <a:pPr lvl="0">
+              <a:defRPr sz="1800">
+                <a:solidFill>
+                  <a:srgbClr val="000000"/>
+                </a:solidFill>
+              </a:defRPr>
+            </a:pPr>
+            <a:r>
+              <a:rPr lang="en-US" dirty="0">
+                <a:solidFill>
+                  <a:srgbClr val="0F2780"/>
+                </a:solidFill>
+              </a:rPr>
+              <a:t>      msg_channel.output1 = 0</a:t>
+            </a:r>
+          </a:p>
+          <a:p>
+            <a:pPr lvl="0">
+              <a:defRPr sz="1800">
+                <a:solidFill>
+                  <a:srgbClr val="000000"/>
+                </a:solidFill>
+              </a:defRPr>
+            </a:pPr>
+            <a:r>
+              <a:rPr lang="en-US" dirty="0">
+                <a:solidFill>
+                  <a:srgbClr val="0F2780"/>
+                </a:solidFill>
+              </a:rPr>
+              <a:t>      msg_channel.output2 = TRUE</a:t>
+            </a:r>
+          </a:p>
+          <a:p>
+            <a:pPr lvl="0">
+              <a:defRPr sz="1800">
+                <a:solidFill>
+                  <a:srgbClr val="000000"/>
+                </a:solidFill>
+              </a:defRPr>
+            </a:pPr>
+            <a:r>
+              <a:rPr lang="en-US" dirty="0">
+                <a:solidFill>
+                  <a:srgbClr val="0F2780"/>
+                </a:solidFill>
+              </a:rPr>
+              <a:t>      msg_channel.output3 = TRUE</a:t>
+            </a:r>
+          </a:p>
+          <a:p>
+            <a:pPr lvl="0">
+              <a:defRPr sz="1800">
+                <a:solidFill>
+                  <a:srgbClr val="000000"/>
+                </a:solidFill>
+              </a:defRPr>
+            </a:pPr>
+            <a:r>
+              <a:rPr lang="en-US" dirty="0">
+                <a:solidFill>
+                  <a:srgbClr val="0F2780"/>
+                </a:solidFill>
+              </a:rPr>
+              <a:t>      </a:t>
+            </a:r>
+            <a:r>
+              <a:rPr lang="en-US" dirty="0" err="1">
+                <a:solidFill>
+                  <a:srgbClr val="0F2780"/>
+                </a:solidFill>
+              </a:rPr>
+              <a:t>ack_channel.forget</a:t>
+            </a:r>
+            <a:r>
+              <a:rPr lang="en-US" dirty="0">
+                <a:solidFill>
+                  <a:srgbClr val="0F2780"/>
+                </a:solidFill>
+              </a:rPr>
+              <a:t> = FALSE</a:t>
+            </a:r>
+          </a:p>
+          <a:p>
+            <a:pPr lvl="0">
+              <a:defRPr sz="1800">
+                <a:solidFill>
+                  <a:srgbClr val="000000"/>
+                </a:solidFill>
+              </a:defRPr>
+            </a:pPr>
+            <a:r>
+              <a:rPr lang="en-US" dirty="0">
+                <a:solidFill>
+                  <a:srgbClr val="0F2780"/>
+                </a:solidFill>
+              </a:rPr>
+              <a:t>      ack_channel.output1 = TRUE</a:t>
+            </a:r>
+          </a:p>
+          <a:p>
+            <a:pPr lvl="0">
+              <a:defRPr sz="1800">
+                <a:solidFill>
+                  <a:srgbClr val="000000"/>
+                </a:solidFill>
+              </a:defRPr>
+            </a:pPr>
+            <a:r>
+              <a:rPr lang="en-US" dirty="0">
+                <a:solidFill>
+                  <a:srgbClr val="0F2780"/>
+                </a:solidFill>
+              </a:rPr>
+              <a:t>      ack_channel.output2 = TRUE</a:t>
+            </a:r>
+          </a:p>
+          <a:p>
+            <a:pPr lvl="0">
+              <a:defRPr sz="1800">
+                <a:solidFill>
+                  <a:srgbClr val="000000"/>
+                </a:solidFill>
+              </a:defRPr>
+            </a:pPr>
+            <a:r>
+              <a:rPr lang="en-US" dirty="0">
+                <a:solidFill>
+                  <a:srgbClr val="0F2780"/>
+                </a:solidFill>
+              </a:rPr>
+              <a:t>      ack_channel.output3 = 0</a:t>
+            </a:r>
+          </a:p>
+          <a:p>
+            <a:pPr lvl="0">
+              <a:defRPr sz="1800">
+                <a:solidFill>
+                  <a:srgbClr val="000000"/>
+                </a:solidFill>
+              </a:defRPr>
+            </a:pPr>
+            <a:r>
+              <a:rPr lang="en-US" dirty="0">
+                <a:solidFill>
+                  <a:srgbClr val="0F2780"/>
+                </a:solidFill>
+              </a:rPr>
+              <a:t>-&gt; State: 1.2 &lt;-</a:t>
+            </a:r>
+          </a:p>
+          <a:p>
+            <a:pPr lvl="0">
+              <a:defRPr sz="1800">
+                <a:solidFill>
+                  <a:srgbClr val="000000"/>
+                </a:solidFill>
+              </a:defRPr>
+            </a:pPr>
+            <a:r>
+              <a:rPr lang="en-US" dirty="0">
+                <a:solidFill>
+                  <a:srgbClr val="0F2780"/>
+                </a:solidFill>
+              </a:rPr>
+              <a:t>      atm0.balance = -1</a:t>
+            </a:r>
+          </a:p>
+          <a:p>
+            <a:pPr lvl="0">
+              <a:defRPr sz="1800">
+                <a:solidFill>
+                  <a:srgbClr val="000000"/>
+                </a:solidFill>
+              </a:defRPr>
+            </a:pPr>
+            <a:r>
+              <a:rPr lang="en-US" dirty="0">
+                <a:solidFill>
+                  <a:srgbClr val="0F2780"/>
+                </a:solidFill>
+              </a:rPr>
+              <a:t>      msg_channel.output1 = -27</a:t>
+            </a:r>
+          </a:p>
+          <a:p>
+            <a:pPr lvl="0">
+              <a:defRPr sz="1800">
+                <a:solidFill>
+                  <a:srgbClr val="000000"/>
+                </a:solidFill>
+              </a:defRPr>
+            </a:pPr>
+            <a:r>
+              <a:rPr lang="en-US" dirty="0">
+                <a:solidFill>
+                  <a:srgbClr val="0F2780"/>
+                </a:solidFill>
+              </a:rPr>
+              <a:t>      msg_channel.output2 = FALSE</a:t>
+            </a:r>
+          </a:p>
+          <a:p>
+            <a:pPr lvl="0">
+              <a:defRPr sz="1800">
+                <a:solidFill>
+                  <a:srgbClr val="000000"/>
+                </a:solidFill>
+              </a:defRPr>
+            </a:pPr>
+            <a:r>
+              <a:rPr lang="en-US" dirty="0">
+                <a:solidFill>
+                  <a:srgbClr val="0F2780"/>
+                </a:solidFill>
+              </a:rPr>
+              <a:t>      msg_channel.output3 = FALSE</a:t>
+            </a:r>
+          </a:p>
+          <a:p>
+            <a:pPr lvl="0">
+              <a:defRPr sz="1800">
+                <a:solidFill>
+                  <a:srgbClr val="000000"/>
+                </a:solidFill>
+              </a:defRPr>
+            </a:pPr>
+            <a:r>
+              <a:rPr lang="en-US" dirty="0">
+                <a:solidFill>
+                  <a:srgbClr val="0F2780"/>
+                </a:solidFill>
+              </a:rPr>
+              <a:t>      ack_channel.output3 = 37</a:t>
+            </a:r>
+          </a:p>
+          <a:p>
+            <a:pPr lvl="0">
+              <a:defRPr sz="1800">
+                <a:solidFill>
+                  <a:srgbClr val="000000"/>
+                </a:solidFill>
+              </a:defRPr>
+            </a:pPr>
+            <a:r>
+              <a:rPr lang="en-US" dirty="0">
+                <a:solidFill>
+                  <a:srgbClr val="0F2780"/>
+                </a:solidFill>
+              </a:rPr>
+              <a:t>-&gt; State: 1.3 &lt;-</a:t>
+            </a:r>
+          </a:p>
+          <a:p>
+            <a:pPr lvl="0">
+              <a:defRPr sz="1800">
+                <a:solidFill>
+                  <a:srgbClr val="000000"/>
+                </a:solidFill>
+              </a:defRPr>
+            </a:pPr>
+            <a:r>
+              <a:rPr lang="en-US" dirty="0">
+                <a:solidFill>
+                  <a:srgbClr val="0F2780"/>
+                </a:solidFill>
+              </a:rPr>
+              <a:t>      bank0.balance = 10</a:t>
+            </a:r>
+          </a:p>
+          <a:p>
+            <a:pPr lvl="0">
+              <a:defRPr sz="1800">
+                <a:solidFill>
+                  <a:srgbClr val="000000"/>
+                </a:solidFill>
+              </a:defRPr>
+            </a:pPr>
+            <a:r>
+              <a:rPr lang="en-US" dirty="0">
+                <a:solidFill>
+                  <a:srgbClr val="0F2780"/>
+                </a:solidFill>
+              </a:rPr>
+              <a:t>      bank0.state = received</a:t>
+            </a:r>
+          </a:p>
+          <a:p>
+            <a:pPr lvl="0">
+              <a:defRPr sz="1800">
+                <a:solidFill>
+                  <a:srgbClr val="000000"/>
+                </a:solidFill>
+              </a:defRPr>
+            </a:pPr>
+            <a:r>
+              <a:rPr lang="en-US" dirty="0">
+                <a:solidFill>
+                  <a:srgbClr val="0F2780"/>
+                </a:solidFill>
+              </a:rPr>
+              <a:t>-&gt; State: 1.4 &lt;-</a:t>
+            </a:r>
+          </a:p>
+          <a:p>
+            <a:pPr lvl="0">
+              <a:defRPr sz="1800">
+                <a:solidFill>
+                  <a:srgbClr val="000000"/>
+                </a:solidFill>
+              </a:defRPr>
+            </a:pPr>
+            <a:r>
+              <a:rPr lang="en-US" dirty="0">
+                <a:solidFill>
+                  <a:srgbClr val="0F2780"/>
+                </a:solidFill>
+              </a:rPr>
+              <a:t>      bank0.state = receiving</a:t>
+            </a:r>
+          </a:p>
+          <a:p>
+            <a:pPr lvl="0">
+              <a:defRPr sz="1800">
+                <a:solidFill>
+                  <a:srgbClr val="000000"/>
+                </a:solidFill>
+              </a:defRPr>
+            </a:pPr>
+            <a:r>
+              <a:rPr lang="en-US" dirty="0">
+                <a:solidFill>
+                  <a:srgbClr val="0F2780"/>
+                </a:solidFill>
+              </a:rPr>
+              <a:t>      bank0.ack = FALSE</a:t>
+            </a:r>
+          </a:p>
+          <a:p>
+            <a:pPr lvl="0">
+              <a:defRPr sz="1800">
+                <a:solidFill>
+                  <a:srgbClr val="000000"/>
+                </a:solidFill>
+              </a:defRPr>
+            </a:pPr>
+            <a:r>
+              <a:rPr lang="en-US" dirty="0">
+                <a:solidFill>
+                  <a:srgbClr val="0F2780"/>
+                </a:solidFill>
+              </a:rPr>
+              <a:t>      bank0.expected = TRUE</a:t>
+            </a:r>
+          </a:p>
+          <a:p>
+            <a:pPr lvl="0">
+              <a:defRPr sz="1800">
+                <a:solidFill>
+                  <a:srgbClr val="000000"/>
+                </a:solidFill>
+              </a:defRPr>
+            </a:pPr>
+            <a:r>
+              <a:rPr lang="en-US" dirty="0">
+                <a:solidFill>
+                  <a:srgbClr val="0F2780"/>
+                </a:solidFill>
+              </a:rPr>
+              <a:t>      ack_channel.output3 = 10</a:t>
+            </a:r>
+          </a:p>
+          <a:p>
+            <a:pPr lvl="0">
+              <a:defRPr sz="1800">
+                <a:solidFill>
+                  <a:srgbClr val="000000"/>
+                </a:solidFill>
+              </a:defRPr>
+            </a:pPr>
+            <a:r>
+              <a:rPr lang="en-US" dirty="0">
+                <a:solidFill>
+                  <a:srgbClr val="0F2780"/>
+                </a:solidFill>
+              </a:rPr>
+              <a:t>-&gt; State: 1.5 &lt;-</a:t>
+            </a:r>
+          </a:p>
+          <a:p>
+            <a:pPr lvl="0">
+              <a:defRPr sz="1800">
+                <a:solidFill>
+                  <a:srgbClr val="000000"/>
+                </a:solidFill>
+              </a:defRPr>
+            </a:pPr>
+            <a:r>
+              <a:rPr lang="en-US" dirty="0">
+                <a:solidFill>
+                  <a:srgbClr val="0F2780"/>
+                </a:solidFill>
+              </a:rPr>
+              <a:t>      bank0.state = failed</a:t>
+            </a:r>
+          </a:p>
+          <a:p>
+            <a:pPr lvl="0">
+              <a:defRPr sz="1800">
+                <a:solidFill>
+                  <a:srgbClr val="000000"/>
+                </a:solidFill>
+              </a:defRPr>
+            </a:pPr>
+            <a:r>
+              <a:rPr lang="en-US" dirty="0">
+                <a:solidFill>
+                  <a:srgbClr val="0F2780"/>
+                </a:solidFill>
+              </a:rPr>
+              <a:t>      ack_channel.output1 = FALSE</a:t>
+            </a:r>
+          </a:p>
+          <a:p>
+            <a:pPr lvl="0">
+              <a:defRPr sz="1800">
+                <a:solidFill>
+                  <a:srgbClr val="000000"/>
+                </a:solidFill>
+              </a:defRPr>
+            </a:pPr>
+            <a:r>
+              <a:rPr lang="en-US" dirty="0">
+                <a:solidFill>
+                  <a:srgbClr val="0F2780"/>
+                </a:solidFill>
+              </a:rPr>
+              <a:t>-&gt; State: 1.6 &lt;-</a:t>
+            </a:r>
+          </a:p>
+          <a:p>
+            <a:pPr lvl="0">
+              <a:defRPr sz="1800">
+                <a:solidFill>
+                  <a:srgbClr val="000000"/>
+                </a:solidFill>
+              </a:defRPr>
+            </a:pPr>
+            <a:r>
+              <a:rPr lang="en-US" dirty="0">
+                <a:solidFill>
+                  <a:srgbClr val="0F2780"/>
+                </a:solidFill>
+              </a:rPr>
+              <a:t>      atm0.state = sent</a:t>
+            </a:r>
+          </a:p>
+          <a:p>
+            <a:pPr lvl="0">
+              <a:defRPr sz="1800">
+                <a:solidFill>
+                  <a:srgbClr val="000000"/>
+                </a:solidFill>
+              </a:defRPr>
+            </a:pPr>
+            <a:r>
+              <a:rPr lang="en-US" dirty="0">
+                <a:solidFill>
+                  <a:srgbClr val="0F2780"/>
+                </a:solidFill>
+              </a:rPr>
+              <a:t>      bank0.failedb = FALSE</a:t>
+            </a:r>
+          </a:p>
+          <a:p>
+            <a:pPr lvl="0">
+              <a:defRPr sz="1800">
+                <a:solidFill>
+                  <a:srgbClr val="000000"/>
+                </a:solidFill>
+              </a:defRPr>
+            </a:pPr>
+            <a:r>
+              <a:rPr lang="en-US" dirty="0">
+                <a:solidFill>
+                  <a:srgbClr val="0F2780"/>
+                </a:solidFill>
+              </a:rPr>
+              <a:t>      bank0.state = receiving</a:t>
+            </a:r>
+          </a:p>
+          <a:p>
+            <a:pPr lvl="0">
+              <a:defRPr sz="1800">
+                <a:solidFill>
+                  <a:srgbClr val="000000"/>
+                </a:solidFill>
+              </a:defRPr>
+            </a:pPr>
+            <a:r>
+              <a:rPr lang="en-US" dirty="0">
+                <a:solidFill>
+                  <a:srgbClr val="0F2780"/>
+                </a:solidFill>
+              </a:rPr>
+              <a:t>      bank0.expfailed = TRUE</a:t>
+            </a:r>
+          </a:p>
+          <a:p>
+            <a:pPr lvl="0">
+              <a:defRPr sz="1800">
+                <a:solidFill>
+                  <a:srgbClr val="000000"/>
+                </a:solidFill>
+              </a:defRPr>
+            </a:pPr>
+            <a:r>
+              <a:rPr lang="en-US" dirty="0">
+                <a:solidFill>
+                  <a:srgbClr val="0F2780"/>
+                </a:solidFill>
+              </a:rPr>
+              <a:t>-&gt; State: 1.7 &lt;-</a:t>
+            </a:r>
+          </a:p>
+          <a:p>
+            <a:pPr lvl="0">
+              <a:defRPr sz="1800">
+                <a:solidFill>
+                  <a:srgbClr val="000000"/>
+                </a:solidFill>
+              </a:defRPr>
+            </a:pPr>
+            <a:r>
+              <a:rPr lang="en-US" dirty="0">
+                <a:solidFill>
+                  <a:srgbClr val="0F2780"/>
+                </a:solidFill>
+              </a:rPr>
+              <a:t>      atm0.state = sending</a:t>
+            </a:r>
+          </a:p>
+          <a:p>
+            <a:pPr lvl="0">
+              <a:defRPr sz="1800">
+                <a:solidFill>
+                  <a:srgbClr val="000000"/>
+                </a:solidFill>
+              </a:defRPr>
+            </a:pPr>
+            <a:r>
+              <a:rPr lang="en-US" dirty="0">
+                <a:solidFill>
+                  <a:srgbClr val="0F2780"/>
+                </a:solidFill>
+              </a:rPr>
+              <a:t>      atm0.control = TRUE</a:t>
+            </a:r>
+          </a:p>
+          <a:p>
+            <a:pPr lvl="0">
+              <a:defRPr sz="1800">
+                <a:solidFill>
+                  <a:srgbClr val="000000"/>
+                </a:solidFill>
+              </a:defRPr>
+            </a:pPr>
+            <a:r>
+              <a:rPr lang="en-US" dirty="0">
+                <a:solidFill>
+                  <a:srgbClr val="0F2780"/>
+                </a:solidFill>
+              </a:rPr>
+              <a:t>      atm0.output = 27</a:t>
+            </a:r>
+          </a:p>
+          <a:p>
+            <a:pPr lvl="0">
+              <a:defRPr sz="1800">
+                <a:solidFill>
+                  <a:srgbClr val="000000"/>
+                </a:solidFill>
+              </a:defRPr>
+            </a:pPr>
+            <a:r>
+              <a:rPr lang="en-US" dirty="0">
+                <a:solidFill>
+                  <a:srgbClr val="0F2780"/>
+                </a:solidFill>
+              </a:rPr>
+              <a:t>      atm0.balance = 10</a:t>
+            </a:r>
+          </a:p>
+          <a:p>
+            <a:pPr lvl="0">
+              <a:defRPr sz="1800">
+                <a:solidFill>
+                  <a:srgbClr val="000000"/>
+                </a:solidFill>
+              </a:defRPr>
+            </a:pPr>
+            <a:r>
+              <a:rPr lang="en-US" dirty="0">
+                <a:solidFill>
+                  <a:srgbClr val="0F2780"/>
+                </a:solidFill>
+              </a:rPr>
+              <a:t>      bank0.state = failed</a:t>
+            </a:r>
+          </a:p>
+          <a:p>
+            <a:pPr lvl="0">
+              <a:defRPr sz="1800">
+                <a:solidFill>
+                  <a:srgbClr val="000000"/>
+                </a:solidFill>
+              </a:defRPr>
+            </a:pPr>
+            <a:r>
+              <a:rPr lang="en-US" dirty="0">
+                <a:solidFill>
+                  <a:srgbClr val="0F2780"/>
+                </a:solidFill>
+              </a:rPr>
+              <a:t>      ack_channel.output2 = FALSE</a:t>
+            </a:r>
+          </a:p>
+          <a:p>
+            <a:pPr lvl="0">
+              <a:defRPr sz="1800">
+                <a:solidFill>
+                  <a:srgbClr val="000000"/>
+                </a:solidFill>
+              </a:defRPr>
+            </a:pPr>
+            <a:r>
+              <a:rPr lang="en-US" dirty="0">
+                <a:solidFill>
+                  <a:srgbClr val="0F2780"/>
+                </a:solidFill>
+              </a:rPr>
+              <a:t>-&gt; State: 1.8 &lt;-</a:t>
+            </a:r>
+          </a:p>
+          <a:p>
+            <a:pPr lvl="0">
+              <a:defRPr sz="1800">
+                <a:solidFill>
+                  <a:srgbClr val="000000"/>
+                </a:solidFill>
+              </a:defRPr>
+            </a:pPr>
+            <a:r>
+              <a:rPr lang="en-US" dirty="0">
+                <a:solidFill>
+                  <a:srgbClr val="0F2780"/>
+                </a:solidFill>
+              </a:rPr>
+              <a:t>      atm0.state = failed</a:t>
+            </a:r>
+          </a:p>
+          <a:p>
+            <a:pPr lvl="0">
+              <a:defRPr sz="1800">
+                <a:solidFill>
+                  <a:srgbClr val="000000"/>
+                </a:solidFill>
+              </a:defRPr>
+            </a:pPr>
+            <a:r>
+              <a:rPr lang="en-US" dirty="0">
+                <a:solidFill>
+                  <a:srgbClr val="0F2780"/>
+                </a:solidFill>
+              </a:rPr>
+              <a:t>      atm0.output = 0</a:t>
+            </a:r>
+          </a:p>
+          <a:p>
+            <a:pPr lvl="0">
+              <a:defRPr sz="1800">
+                <a:solidFill>
+                  <a:srgbClr val="000000"/>
+                </a:solidFill>
+              </a:defRPr>
+            </a:pPr>
+            <a:r>
+              <a:rPr lang="en-US" dirty="0">
+                <a:solidFill>
+                  <a:srgbClr val="0F2780"/>
+                </a:solidFill>
+              </a:rPr>
+              <a:t>      atm0.balance = -1</a:t>
+            </a:r>
+          </a:p>
+          <a:p>
+            <a:pPr lvl="0">
+              <a:defRPr sz="1800">
+                <a:solidFill>
+                  <a:srgbClr val="000000"/>
+                </a:solidFill>
+              </a:defRPr>
+            </a:pPr>
+            <a:r>
+              <a:rPr lang="en-US" dirty="0">
+                <a:solidFill>
+                  <a:srgbClr val="0F2780"/>
+                </a:solidFill>
+              </a:rPr>
+              <a:t>      bank0.state = receiving</a:t>
+            </a:r>
+          </a:p>
+          <a:p>
+            <a:pPr lvl="0">
+              <a:defRPr sz="1800">
+                <a:solidFill>
+                  <a:srgbClr val="000000"/>
+                </a:solidFill>
+              </a:defRPr>
+            </a:pPr>
+            <a:r>
+              <a:rPr lang="en-US" dirty="0">
+                <a:solidFill>
+                  <a:srgbClr val="0F2780"/>
+                </a:solidFill>
+              </a:rPr>
+              <a:t>      bank0.expfailed = FALSE</a:t>
+            </a:r>
+          </a:p>
+          <a:p>
+            <a:pPr lvl="0">
+              <a:defRPr sz="1800">
+                <a:solidFill>
+                  <a:srgbClr val="000000"/>
+                </a:solidFill>
+              </a:defRPr>
+            </a:pPr>
+            <a:r>
+              <a:rPr lang="en-US" dirty="0">
+                <a:solidFill>
+                  <a:srgbClr val="0F2780"/>
+                </a:solidFill>
+              </a:rPr>
+              <a:t>      msg_channel.output2 = TRUE</a:t>
+            </a:r>
+            <a:endParaRPr sz="2000" dirty="0">
               <a:solidFill>
-                <a:srgbClr val="001978"/>
+                <a:srgbClr val="0F2780"/>
               </a:solidFill>
             </a:endParaRPr>
-          </a:p>
-          <a:p>
-            <a:pPr lvl="0">
-              <a:defRPr sz="1800">
-                <a:solidFill>
-                  <a:srgbClr val="000000"/>
-                </a:solidFill>
-              </a:defRPr>
-            </a:pPr>
-            <a:r>
-              <a:rPr sz="2000">
-                <a:solidFill>
-                  <a:srgbClr val="001978"/>
-                </a:solidFill>
-              </a:rPr>
-              <a:t>Insufficient funds for withdraw</a:t>
-            </a:r>
-            <a:endParaRPr sz="2000">
-              <a:solidFill>
-                <a:srgbClr val="001978"/>
-              </a:solidFill>
-            </a:endParaRPr>
-          </a:p>
-          <a:p>
-            <a:pPr lvl="0">
-              <a:defRPr sz="1800">
-                <a:solidFill>
-                  <a:srgbClr val="000000"/>
-                </a:solidFill>
-              </a:defRPr>
-            </a:pPr>
-            <a:r>
-              <a:rPr sz="2000">
-                <a:solidFill>
-                  <a:srgbClr val="001978"/>
-                </a:solidFill>
-              </a:rPr>
-              <a:t>Simultaneous deposit then withdraw</a:t>
-            </a:r>
-            <a:endParaRPr sz="2000">
-              <a:solidFill>
-                <a:srgbClr val="001978"/>
-              </a:solidFill>
-            </a:endParaRPr>
-          </a:p>
-          <a:p>
-            <a:pPr lvl="0">
-              <a:defRPr sz="1800">
-                <a:solidFill>
-                  <a:srgbClr val="000000"/>
-                </a:solidFill>
-              </a:defRPr>
-            </a:pPr>
-            <a:r>
-              <a:rPr sz="2000">
-                <a:solidFill>
-                  <a:srgbClr val="001978"/>
-                </a:solidFill>
-              </a:rPr>
-              <a:t>Simultaneous withdraw then deposit</a:t>
-            </a:r>
           </a:p>
         </p:txBody>
       </p:sp>
@@ -5472,12 +6976,12 @@
   <p:clrMapOvr>
     <a:masterClrMapping/>
   </p:clrMapOvr>
-  <p:transition spd="med" advClick="1"/>
+  <p:transition spd="med"/>
 </p:sld>
 </file>
 
 <file path=ppt/slides/slide8.xml><?xml version="1.0" encoding="utf-8"?>
-<p:sld xmlns:a="http://schemas.openxmlformats.org/drawingml/2006/main" xmlns:r="http://schemas.openxmlformats.org/officeDocument/2006/relationships" xmlns:p="http://schemas.openxmlformats.org/presentationml/2006/main" showMasterSp="1" showMasterPhAnim="1">
+<p:sld xmlns:a="http://schemas.openxmlformats.org/drawingml/2006/main" xmlns:r="http://schemas.openxmlformats.org/officeDocument/2006/relationships" xmlns:p="http://schemas.openxmlformats.org/presentationml/2006/main">
   <p:cSld>
     <p:spTree>
       <p:nvGrpSpPr>
@@ -5496,7 +7000,9 @@
       <p:sp>
         <p:nvSpPr>
           <p:cNvPr id="75" name="Shape 75"/>
-          <p:cNvSpPr/>
+          <p:cNvSpPr>
+            <a:spLocks noGrp="1"/>
+          </p:cNvSpPr>
           <p:nvPr>
             <p:ph type="title"/>
           </p:nvPr>
@@ -5515,14 +7021,14 @@
           <a:lstStyle/>
           <a:p>
             <a:pPr lvl="1">
-              <a:defRPr cap="none" sz="1800">
-                <a:solidFill>
-                  <a:srgbClr val="000000"/>
-                </a:solidFill>
-              </a:defRPr>
-            </a:pPr>
-            <a:r>
-              <a:rPr cap="all" sz="3600">
+              <a:defRPr sz="1800" cap="none">
+                <a:solidFill>
+                  <a:srgbClr val="000000"/>
+                </a:solidFill>
+              </a:defRPr>
+            </a:pPr>
+            <a:r>
+              <a:rPr sz="3600" cap="all">
                 <a:solidFill>
                   <a:srgbClr val="001978"/>
                 </a:solidFill>
@@ -5535,22 +7041,26 @@
       <p:sp>
         <p:nvSpPr>
           <p:cNvPr id="76" name="Shape 76"/>
-          <p:cNvSpPr/>
+          <p:cNvSpPr>
+            <a:spLocks noGrp="1"/>
+          </p:cNvSpPr>
           <p:nvPr>
             <p:ph type="body" idx="1"/>
           </p:nvPr>
         </p:nvSpPr>
         <p:spPr>
           <a:xfrm>
-            <a:off x="685800" y="992921"/>
-            <a:ext cx="7772400" cy="4756715"/>
+            <a:off x="0" y="992921"/>
+            <a:ext cx="8458200" cy="4756715"/>
           </a:xfrm>
           <a:prstGeom prst="rect">
             <a:avLst/>
           </a:prstGeom>
         </p:spPr>
         <p:txBody>
-          <a:bodyPr/>
+          <a:bodyPr numCol="3">
+            <a:normAutofit fontScale="85000" lnSpcReduction="20000"/>
+          </a:bodyPr>
           <a:lstStyle/>
           <a:p>
             <a:pPr lvl="0">
@@ -5561,79 +7071,747 @@
               </a:defRPr>
             </a:pPr>
             <a:r>
-              <a:rPr sz="2000">
-                <a:solidFill>
-                  <a:srgbClr val="001978"/>
-                </a:solidFill>
-              </a:rPr>
-              <a:t>Sufficient funds for withdraw</a:t>
-            </a:r>
-            <a:endParaRPr sz="2000">
+              <a:rPr lang="en-US" dirty="0">
+                <a:solidFill>
+                  <a:srgbClr val="0F2780"/>
+                </a:solidFill>
+              </a:rPr>
+              <a:t>Trace Description: Simulation Trace</a:t>
+            </a:r>
+          </a:p>
+          <a:p>
+            <a:pPr lvl="0">
+              <a:defRPr sz="1800">
+                <a:solidFill>
+                  <a:srgbClr val="000000"/>
+                </a:solidFill>
+              </a:defRPr>
+            </a:pPr>
+            <a:r>
+              <a:rPr lang="en-US" dirty="0">
+                <a:solidFill>
+                  <a:srgbClr val="0F2780"/>
+                </a:solidFill>
+              </a:rPr>
+              <a:t>Trace Type: Simulation</a:t>
+            </a:r>
+          </a:p>
+          <a:p>
+            <a:pPr lvl="0">
+              <a:defRPr sz="1800">
+                <a:solidFill>
+                  <a:srgbClr val="000000"/>
+                </a:solidFill>
+              </a:defRPr>
+            </a:pPr>
+            <a:r>
+              <a:rPr lang="en-US" dirty="0">
+                <a:solidFill>
+                  <a:srgbClr val="0F2780"/>
+                </a:solidFill>
+              </a:rPr>
+              <a:t>-&gt; State: 1.1 &lt;-</a:t>
+            </a:r>
+          </a:p>
+          <a:p>
+            <a:pPr lvl="0">
+              <a:defRPr sz="1800">
+                <a:solidFill>
+                  <a:srgbClr val="000000"/>
+                </a:solidFill>
+              </a:defRPr>
+            </a:pPr>
+            <a:r>
+              <a:rPr lang="en-US" dirty="0">
+                <a:solidFill>
+                  <a:srgbClr val="0F2780"/>
+                </a:solidFill>
+              </a:rPr>
+              <a:t>      atm0.state = sending</a:t>
+            </a:r>
+          </a:p>
+          <a:p>
+            <a:pPr lvl="0">
+              <a:defRPr sz="1800">
+                <a:solidFill>
+                  <a:srgbClr val="000000"/>
+                </a:solidFill>
+              </a:defRPr>
+            </a:pPr>
+            <a:r>
+              <a:rPr lang="en-US" dirty="0">
+                <a:solidFill>
+                  <a:srgbClr val="0F2780"/>
+                </a:solidFill>
+              </a:rPr>
+              <a:t>      atm0.message = 91</a:t>
+            </a:r>
+          </a:p>
+          <a:p>
+            <a:pPr lvl="0">
+              <a:defRPr sz="1800">
+                <a:solidFill>
+                  <a:srgbClr val="000000"/>
+                </a:solidFill>
+              </a:defRPr>
+            </a:pPr>
+            <a:r>
+              <a:rPr lang="en-US" dirty="0">
+                <a:solidFill>
+                  <a:srgbClr val="0F2780"/>
+                </a:solidFill>
+              </a:rPr>
+              <a:t>      atm0.control = FALSE</a:t>
+            </a:r>
+          </a:p>
+          <a:p>
+            <a:pPr lvl="0">
+              <a:defRPr sz="1800">
+                <a:solidFill>
+                  <a:srgbClr val="000000"/>
+                </a:solidFill>
+              </a:defRPr>
+            </a:pPr>
+            <a:r>
+              <a:rPr lang="en-US" dirty="0">
+                <a:solidFill>
+                  <a:srgbClr val="0F2780"/>
+                </a:solidFill>
+              </a:rPr>
+              <a:t>      atm0.confailed = FALSE</a:t>
+            </a:r>
+          </a:p>
+          <a:p>
+            <a:pPr lvl="0">
+              <a:defRPr sz="1800">
+                <a:solidFill>
+                  <a:srgbClr val="000000"/>
+                </a:solidFill>
+              </a:defRPr>
+            </a:pPr>
+            <a:r>
+              <a:rPr lang="en-US" dirty="0">
+                <a:solidFill>
+                  <a:srgbClr val="0F2780"/>
+                </a:solidFill>
+              </a:rPr>
+              <a:t>      atm0.output = 0</a:t>
+            </a:r>
+          </a:p>
+          <a:p>
+            <a:pPr lvl="0">
+              <a:defRPr sz="1800">
+                <a:solidFill>
+                  <a:srgbClr val="000000"/>
+                </a:solidFill>
+              </a:defRPr>
+            </a:pPr>
+            <a:r>
+              <a:rPr lang="en-US" dirty="0">
+                <a:solidFill>
+                  <a:srgbClr val="0F2780"/>
+                </a:solidFill>
+              </a:rPr>
+              <a:t>      atm0.balance = 0</a:t>
+            </a:r>
+          </a:p>
+          <a:p>
+            <a:pPr lvl="0">
+              <a:defRPr sz="1800">
+                <a:solidFill>
+                  <a:srgbClr val="000000"/>
+                </a:solidFill>
+              </a:defRPr>
+            </a:pPr>
+            <a:r>
+              <a:rPr lang="en-US" dirty="0">
+                <a:solidFill>
+                  <a:srgbClr val="0F2780"/>
+                </a:solidFill>
+              </a:rPr>
+              <a:t>      bank0.balance = 27</a:t>
+            </a:r>
+          </a:p>
+          <a:p>
+            <a:pPr lvl="0">
+              <a:defRPr sz="1800">
+                <a:solidFill>
+                  <a:srgbClr val="000000"/>
+                </a:solidFill>
+              </a:defRPr>
+            </a:pPr>
+            <a:r>
+              <a:rPr lang="en-US" dirty="0">
+                <a:solidFill>
+                  <a:srgbClr val="0F2780"/>
+                </a:solidFill>
+              </a:rPr>
+              <a:t>      bank0.failedb = TRUE</a:t>
+            </a:r>
+          </a:p>
+          <a:p>
+            <a:pPr lvl="0">
+              <a:defRPr sz="1800">
+                <a:solidFill>
+                  <a:srgbClr val="000000"/>
+                </a:solidFill>
+              </a:defRPr>
+            </a:pPr>
+            <a:r>
+              <a:rPr lang="en-US" dirty="0">
+                <a:solidFill>
+                  <a:srgbClr val="0F2780"/>
+                </a:solidFill>
+              </a:rPr>
+              <a:t>      bank0.state = receiving</a:t>
+            </a:r>
+          </a:p>
+          <a:p>
+            <a:pPr lvl="0">
+              <a:defRPr sz="1800">
+                <a:solidFill>
+                  <a:srgbClr val="000000"/>
+                </a:solidFill>
+              </a:defRPr>
+            </a:pPr>
+            <a:r>
+              <a:rPr lang="en-US" dirty="0">
+                <a:solidFill>
+                  <a:srgbClr val="0F2780"/>
+                </a:solidFill>
+              </a:rPr>
+              <a:t>      bank0.ack = TRUE</a:t>
+            </a:r>
+          </a:p>
+          <a:p>
+            <a:pPr lvl="0">
+              <a:defRPr sz="1800">
+                <a:solidFill>
+                  <a:srgbClr val="000000"/>
+                </a:solidFill>
+              </a:defRPr>
+            </a:pPr>
+            <a:r>
+              <a:rPr lang="en-US" dirty="0">
+                <a:solidFill>
+                  <a:srgbClr val="0F2780"/>
+                </a:solidFill>
+              </a:rPr>
+              <a:t>      bank0.expected = FALSE</a:t>
+            </a:r>
+          </a:p>
+          <a:p>
+            <a:pPr lvl="0">
+              <a:defRPr sz="1800">
+                <a:solidFill>
+                  <a:srgbClr val="000000"/>
+                </a:solidFill>
+              </a:defRPr>
+            </a:pPr>
+            <a:r>
+              <a:rPr lang="en-US" dirty="0">
+                <a:solidFill>
+                  <a:srgbClr val="0F2780"/>
+                </a:solidFill>
+              </a:rPr>
+              <a:t>      bank0.expfailed = FALSE</a:t>
+            </a:r>
+          </a:p>
+          <a:p>
+            <a:pPr lvl="0">
+              <a:defRPr sz="1800">
+                <a:solidFill>
+                  <a:srgbClr val="000000"/>
+                </a:solidFill>
+              </a:defRPr>
+            </a:pPr>
+            <a:r>
+              <a:rPr lang="en-US" dirty="0">
+                <a:solidFill>
+                  <a:srgbClr val="0F2780"/>
+                </a:solidFill>
+              </a:rPr>
+              <a:t>      </a:t>
+            </a:r>
+            <a:r>
+              <a:rPr lang="en-US" dirty="0" err="1">
+                <a:solidFill>
+                  <a:srgbClr val="0F2780"/>
+                </a:solidFill>
+              </a:rPr>
+              <a:t>msg_channel.forget</a:t>
+            </a:r>
+            <a:r>
+              <a:rPr lang="en-US" dirty="0">
+                <a:solidFill>
+                  <a:srgbClr val="0F2780"/>
+                </a:solidFill>
+              </a:rPr>
+              <a:t> = FALSE</a:t>
+            </a:r>
+          </a:p>
+          <a:p>
+            <a:pPr lvl="0">
+              <a:defRPr sz="1800">
+                <a:solidFill>
+                  <a:srgbClr val="000000"/>
+                </a:solidFill>
+              </a:defRPr>
+            </a:pPr>
+            <a:r>
+              <a:rPr lang="en-US" dirty="0">
+                <a:solidFill>
+                  <a:srgbClr val="0F2780"/>
+                </a:solidFill>
+              </a:rPr>
+              <a:t>      msg_channel.output1 = 0</a:t>
+            </a:r>
+          </a:p>
+          <a:p>
+            <a:pPr lvl="0">
+              <a:defRPr sz="1800">
+                <a:solidFill>
+                  <a:srgbClr val="000000"/>
+                </a:solidFill>
+              </a:defRPr>
+            </a:pPr>
+            <a:r>
+              <a:rPr lang="en-US" dirty="0">
+                <a:solidFill>
+                  <a:srgbClr val="0F2780"/>
+                </a:solidFill>
+              </a:rPr>
+              <a:t>      msg_channel.output2 = TRUE</a:t>
+            </a:r>
+          </a:p>
+          <a:p>
+            <a:pPr lvl="0">
+              <a:defRPr sz="1800">
+                <a:solidFill>
+                  <a:srgbClr val="000000"/>
+                </a:solidFill>
+              </a:defRPr>
+            </a:pPr>
+            <a:r>
+              <a:rPr lang="en-US" dirty="0">
+                <a:solidFill>
+                  <a:srgbClr val="0F2780"/>
+                </a:solidFill>
+              </a:rPr>
+              <a:t>      msg_channel.output3 = TRUE</a:t>
+            </a:r>
+          </a:p>
+          <a:p>
+            <a:pPr lvl="0">
+              <a:defRPr sz="1800">
+                <a:solidFill>
+                  <a:srgbClr val="000000"/>
+                </a:solidFill>
+              </a:defRPr>
+            </a:pPr>
+            <a:r>
+              <a:rPr lang="en-US" dirty="0">
+                <a:solidFill>
+                  <a:srgbClr val="0F2780"/>
+                </a:solidFill>
+              </a:rPr>
+              <a:t>      </a:t>
+            </a:r>
+            <a:r>
+              <a:rPr lang="en-US" dirty="0" err="1">
+                <a:solidFill>
+                  <a:srgbClr val="0F2780"/>
+                </a:solidFill>
+              </a:rPr>
+              <a:t>ack_channel.forget</a:t>
+            </a:r>
+            <a:r>
+              <a:rPr lang="en-US" dirty="0">
+                <a:solidFill>
+                  <a:srgbClr val="0F2780"/>
+                </a:solidFill>
+              </a:rPr>
+              <a:t> = FALSE</a:t>
+            </a:r>
+          </a:p>
+          <a:p>
+            <a:pPr lvl="0">
+              <a:defRPr sz="1800">
+                <a:solidFill>
+                  <a:srgbClr val="000000"/>
+                </a:solidFill>
+              </a:defRPr>
+            </a:pPr>
+            <a:r>
+              <a:rPr lang="en-US" dirty="0">
+                <a:solidFill>
+                  <a:srgbClr val="0F2780"/>
+                </a:solidFill>
+              </a:rPr>
+              <a:t>      ack_channel.output1 = TRUE</a:t>
+            </a:r>
+          </a:p>
+          <a:p>
+            <a:pPr lvl="0">
+              <a:defRPr sz="1800">
+                <a:solidFill>
+                  <a:srgbClr val="000000"/>
+                </a:solidFill>
+              </a:defRPr>
+            </a:pPr>
+            <a:r>
+              <a:rPr lang="en-US" dirty="0">
+                <a:solidFill>
+                  <a:srgbClr val="0F2780"/>
+                </a:solidFill>
+              </a:rPr>
+              <a:t>      ack_channel.output2 = TRUE</a:t>
+            </a:r>
+          </a:p>
+          <a:p>
+            <a:pPr lvl="0">
+              <a:defRPr sz="1800">
+                <a:solidFill>
+                  <a:srgbClr val="000000"/>
+                </a:solidFill>
+              </a:defRPr>
+            </a:pPr>
+            <a:r>
+              <a:rPr lang="en-US" dirty="0">
+                <a:solidFill>
+                  <a:srgbClr val="0F2780"/>
+                </a:solidFill>
+              </a:rPr>
+              <a:t>      ack_channel.output3 = 0</a:t>
+            </a:r>
+          </a:p>
+          <a:p>
+            <a:pPr lvl="0">
+              <a:defRPr sz="1800">
+                <a:solidFill>
+                  <a:srgbClr val="000000"/>
+                </a:solidFill>
+              </a:defRPr>
+            </a:pPr>
+            <a:r>
+              <a:rPr lang="en-US" dirty="0">
+                <a:solidFill>
+                  <a:srgbClr val="0F2780"/>
+                </a:solidFill>
+              </a:rPr>
+              <a:t>-&gt; State: 1.2 &lt;-</a:t>
+            </a:r>
+          </a:p>
+          <a:p>
+            <a:pPr lvl="0">
+              <a:defRPr sz="1800">
+                <a:solidFill>
+                  <a:srgbClr val="000000"/>
+                </a:solidFill>
+              </a:defRPr>
+            </a:pPr>
+            <a:r>
+              <a:rPr lang="en-US" dirty="0">
+                <a:solidFill>
+                  <a:srgbClr val="0F2780"/>
+                </a:solidFill>
+              </a:rPr>
+              <a:t>      atm0.balance = -1</a:t>
+            </a:r>
+          </a:p>
+          <a:p>
+            <a:pPr lvl="0">
+              <a:defRPr sz="1800">
+                <a:solidFill>
+                  <a:srgbClr val="000000"/>
+                </a:solidFill>
+              </a:defRPr>
+            </a:pPr>
+            <a:r>
+              <a:rPr lang="en-US" dirty="0">
+                <a:solidFill>
+                  <a:srgbClr val="0F2780"/>
+                </a:solidFill>
+              </a:rPr>
+              <a:t>      msg_channel.output1 = 91</a:t>
+            </a:r>
+          </a:p>
+          <a:p>
+            <a:pPr lvl="0">
+              <a:defRPr sz="1800">
+                <a:solidFill>
+                  <a:srgbClr val="000000"/>
+                </a:solidFill>
+              </a:defRPr>
+            </a:pPr>
+            <a:r>
+              <a:rPr lang="en-US" dirty="0">
+                <a:solidFill>
+                  <a:srgbClr val="0F2780"/>
+                </a:solidFill>
+              </a:rPr>
+              <a:t>      msg_channel.output2 = FALSE</a:t>
+            </a:r>
+          </a:p>
+          <a:p>
+            <a:pPr lvl="0">
+              <a:defRPr sz="1800">
+                <a:solidFill>
+                  <a:srgbClr val="000000"/>
+                </a:solidFill>
+              </a:defRPr>
+            </a:pPr>
+            <a:r>
+              <a:rPr lang="en-US" dirty="0">
+                <a:solidFill>
+                  <a:srgbClr val="0F2780"/>
+                </a:solidFill>
+              </a:rPr>
+              <a:t>      msg_channel.output3 = FALSE</a:t>
+            </a:r>
+          </a:p>
+          <a:p>
+            <a:pPr lvl="0">
+              <a:defRPr sz="1800">
+                <a:solidFill>
+                  <a:srgbClr val="000000"/>
+                </a:solidFill>
+              </a:defRPr>
+            </a:pPr>
+            <a:r>
+              <a:rPr lang="en-US" dirty="0">
+                <a:solidFill>
+                  <a:srgbClr val="0F2780"/>
+                </a:solidFill>
+              </a:rPr>
+              <a:t>      ack_channel.output3 = 27</a:t>
+            </a:r>
+          </a:p>
+          <a:p>
+            <a:pPr lvl="0">
+              <a:defRPr sz="1800">
+                <a:solidFill>
+                  <a:srgbClr val="000000"/>
+                </a:solidFill>
+              </a:defRPr>
+            </a:pPr>
+            <a:r>
+              <a:rPr lang="en-US" dirty="0">
+                <a:solidFill>
+                  <a:srgbClr val="0F2780"/>
+                </a:solidFill>
+              </a:rPr>
+              <a:t>-&gt; State: 1.3 &lt;-</a:t>
+            </a:r>
+          </a:p>
+          <a:p>
+            <a:pPr lvl="0">
+              <a:defRPr sz="1800">
+                <a:solidFill>
+                  <a:srgbClr val="000000"/>
+                </a:solidFill>
+              </a:defRPr>
+            </a:pPr>
+            <a:r>
+              <a:rPr lang="en-US" dirty="0">
+                <a:solidFill>
+                  <a:srgbClr val="0F2780"/>
+                </a:solidFill>
+              </a:rPr>
+              <a:t>      bank0.state = failed</a:t>
+            </a:r>
+          </a:p>
+          <a:p>
+            <a:pPr lvl="0">
+              <a:defRPr sz="1800">
+                <a:solidFill>
+                  <a:srgbClr val="000000"/>
+                </a:solidFill>
+              </a:defRPr>
+            </a:pPr>
+            <a:r>
+              <a:rPr lang="en-US" dirty="0">
+                <a:solidFill>
+                  <a:srgbClr val="0F2780"/>
+                </a:solidFill>
+              </a:rPr>
+              <a:t>-&gt; State: 1.4 &lt;-</a:t>
+            </a:r>
+          </a:p>
+          <a:p>
+            <a:pPr lvl="0">
+              <a:defRPr sz="1800">
+                <a:solidFill>
+                  <a:srgbClr val="000000"/>
+                </a:solidFill>
+              </a:defRPr>
+            </a:pPr>
+            <a:r>
+              <a:rPr lang="en-US" dirty="0">
+                <a:solidFill>
+                  <a:srgbClr val="0F2780"/>
+                </a:solidFill>
+              </a:rPr>
+              <a:t>      bank0.failedb = FALSE</a:t>
+            </a:r>
+          </a:p>
+          <a:p>
+            <a:pPr lvl="0">
+              <a:defRPr sz="1800">
+                <a:solidFill>
+                  <a:srgbClr val="000000"/>
+                </a:solidFill>
+              </a:defRPr>
+            </a:pPr>
+            <a:r>
+              <a:rPr lang="en-US" dirty="0">
+                <a:solidFill>
+                  <a:srgbClr val="0F2780"/>
+                </a:solidFill>
+              </a:rPr>
+              <a:t>      bank0.state = receiving</a:t>
+            </a:r>
+          </a:p>
+          <a:p>
+            <a:pPr lvl="0">
+              <a:defRPr sz="1800">
+                <a:solidFill>
+                  <a:srgbClr val="000000"/>
+                </a:solidFill>
+              </a:defRPr>
+            </a:pPr>
+            <a:r>
+              <a:rPr lang="en-US" dirty="0">
+                <a:solidFill>
+                  <a:srgbClr val="0F2780"/>
+                </a:solidFill>
+              </a:rPr>
+              <a:t>      bank0.expfailed = TRUE</a:t>
+            </a:r>
+          </a:p>
+          <a:p>
+            <a:pPr lvl="0">
+              <a:defRPr sz="1800">
+                <a:solidFill>
+                  <a:srgbClr val="000000"/>
+                </a:solidFill>
+              </a:defRPr>
+            </a:pPr>
+            <a:r>
+              <a:rPr lang="en-US" dirty="0">
+                <a:solidFill>
+                  <a:srgbClr val="0F2780"/>
+                </a:solidFill>
+              </a:rPr>
+              <a:t>-&gt; State: 1.5 &lt;-</a:t>
+            </a:r>
+          </a:p>
+          <a:p>
+            <a:pPr lvl="0">
+              <a:defRPr sz="1800">
+                <a:solidFill>
+                  <a:srgbClr val="000000"/>
+                </a:solidFill>
+              </a:defRPr>
+            </a:pPr>
+            <a:r>
+              <a:rPr lang="en-US" dirty="0">
+                <a:solidFill>
+                  <a:srgbClr val="0F2780"/>
+                </a:solidFill>
+              </a:rPr>
+              <a:t>      bank0.state = failed</a:t>
+            </a:r>
+          </a:p>
+          <a:p>
+            <a:pPr lvl="0">
+              <a:defRPr sz="1800">
+                <a:solidFill>
+                  <a:srgbClr val="000000"/>
+                </a:solidFill>
+              </a:defRPr>
+            </a:pPr>
+            <a:r>
+              <a:rPr lang="en-US" dirty="0">
+                <a:solidFill>
+                  <a:srgbClr val="0F2780"/>
+                </a:solidFill>
+              </a:rPr>
+              <a:t>      ack_channel.output2 = FALSE</a:t>
+            </a:r>
+          </a:p>
+          <a:p>
+            <a:pPr lvl="0">
+              <a:defRPr sz="1800">
+                <a:solidFill>
+                  <a:srgbClr val="000000"/>
+                </a:solidFill>
+              </a:defRPr>
+            </a:pPr>
+            <a:r>
+              <a:rPr lang="en-US" dirty="0">
+                <a:solidFill>
+                  <a:srgbClr val="0F2780"/>
+                </a:solidFill>
+              </a:rPr>
+              <a:t>-&gt; State: 1.6 &lt;-</a:t>
+            </a:r>
+          </a:p>
+          <a:p>
+            <a:pPr lvl="0">
+              <a:defRPr sz="1800">
+                <a:solidFill>
+                  <a:srgbClr val="000000"/>
+                </a:solidFill>
+              </a:defRPr>
+            </a:pPr>
+            <a:r>
+              <a:rPr lang="en-US" dirty="0">
+                <a:solidFill>
+                  <a:srgbClr val="0F2780"/>
+                </a:solidFill>
+              </a:rPr>
+              <a:t>      atm0.state = failed</a:t>
+            </a:r>
+          </a:p>
+          <a:p>
+            <a:pPr lvl="0">
+              <a:defRPr sz="1800">
+                <a:solidFill>
+                  <a:srgbClr val="000000"/>
+                </a:solidFill>
+              </a:defRPr>
+            </a:pPr>
+            <a:r>
+              <a:rPr lang="en-US" dirty="0">
+                <a:solidFill>
+                  <a:srgbClr val="0F2780"/>
+                </a:solidFill>
+              </a:rPr>
+              <a:t>      bank0.state = receiving</a:t>
+            </a:r>
+          </a:p>
+          <a:p>
+            <a:pPr lvl="0">
+              <a:defRPr sz="1800">
+                <a:solidFill>
+                  <a:srgbClr val="000000"/>
+                </a:solidFill>
+              </a:defRPr>
+            </a:pPr>
+            <a:r>
+              <a:rPr lang="en-US" dirty="0">
+                <a:solidFill>
+                  <a:srgbClr val="0F2780"/>
+                </a:solidFill>
+              </a:rPr>
+              <a:t>      bank0.expfailed = FALSE</a:t>
+            </a:r>
+            <a:endParaRPr lang="en-US" dirty="0">
               <a:solidFill>
-                <a:srgbClr val="001978"/>
+                <a:srgbClr val="0F2780"/>
               </a:solidFill>
             </a:endParaRPr>
-          </a:p>
-          <a:p>
-            <a:pPr lvl="0">
-              <a:defRPr sz="1800">
-                <a:solidFill>
-                  <a:srgbClr val="000000"/>
-                </a:solidFill>
-              </a:defRPr>
-            </a:pPr>
-            <a:r>
-              <a:rPr sz="2000">
-                <a:solidFill>
-                  <a:srgbClr val="001978"/>
-                </a:solidFill>
-              </a:rPr>
-              <a:t>Insufficient funds for withdraw</a:t>
-            </a:r>
-            <a:endParaRPr sz="2000">
-              <a:solidFill>
-                <a:srgbClr val="001978"/>
-              </a:solidFill>
-            </a:endParaRPr>
-          </a:p>
-          <a:p>
-            <a:pPr lvl="0">
-              <a:defRPr sz="1800">
-                <a:solidFill>
-                  <a:srgbClr val="000000"/>
-                </a:solidFill>
-              </a:defRPr>
-            </a:pPr>
-            <a:r>
-              <a:rPr sz="2000">
-                <a:solidFill>
-                  <a:srgbClr val="001978"/>
-                </a:solidFill>
-              </a:rPr>
-              <a:t>Simultaneous deposit then withdraw</a:t>
-            </a:r>
-            <a:endParaRPr sz="2000">
-              <a:solidFill>
-                <a:srgbClr val="001978"/>
-              </a:solidFill>
-            </a:endParaRPr>
-          </a:p>
-          <a:p>
-            <a:pPr lvl="0">
-              <a:defRPr sz="1800">
-                <a:solidFill>
-                  <a:srgbClr val="000000"/>
-                </a:solidFill>
-              </a:defRPr>
-            </a:pPr>
-            <a:r>
-              <a:rPr sz="2000">
-                <a:solidFill>
-                  <a:srgbClr val="001978"/>
-                </a:solidFill>
-              </a:rPr>
-              <a:t>Simultaneous withdraw then deposit</a:t>
-            </a:r>
           </a:p>
         </p:txBody>
       </p:sp>
@@ -5642,12 +7820,12 @@
   <p:clrMapOvr>
     <a:masterClrMapping/>
   </p:clrMapOvr>
-  <p:transition spd="med" advClick="1"/>
+  <p:transition spd="med"/>
 </p:sld>
 </file>
 
 <file path=ppt/slides/slide9.xml><?xml version="1.0" encoding="utf-8"?>
-<p:sld xmlns:a="http://schemas.openxmlformats.org/drawingml/2006/main" xmlns:r="http://schemas.openxmlformats.org/officeDocument/2006/relationships" xmlns:p="http://schemas.openxmlformats.org/presentationml/2006/main" showMasterSp="1" showMasterPhAnim="1">
+<p:sld xmlns:a="http://schemas.openxmlformats.org/drawingml/2006/main" xmlns:r="http://schemas.openxmlformats.org/officeDocument/2006/relationships" xmlns:p="http://schemas.openxmlformats.org/presentationml/2006/main">
   <p:cSld>
     <p:spTree>
       <p:nvGrpSpPr>
@@ -5666,7 +7844,9 @@
       <p:sp>
         <p:nvSpPr>
           <p:cNvPr id="78" name="Shape 78"/>
-          <p:cNvSpPr/>
+          <p:cNvSpPr>
+            <a:spLocks noGrp="1"/>
+          </p:cNvSpPr>
           <p:nvPr>
             <p:ph type="title"/>
           </p:nvPr>
@@ -5685,42 +7865,59 @@
           <a:lstStyle/>
           <a:p>
             <a:pPr lvl="1">
-              <a:defRPr cap="none" sz="1800">
-                <a:solidFill>
-                  <a:srgbClr val="000000"/>
-                </a:solidFill>
-              </a:defRPr>
-            </a:pPr>
-            <a:r>
-              <a:rPr cap="all" sz="3600">
+              <a:defRPr sz="1800" cap="none">
+                <a:solidFill>
+                  <a:srgbClr val="000000"/>
+                </a:solidFill>
+              </a:defRPr>
+            </a:pPr>
+            <a:r>
+              <a:rPr sz="3600" cap="all" dirty="0">
                 <a:solidFill>
                   <a:srgbClr val="001978"/>
                 </a:solidFill>
               </a:rPr>
-              <a:t>Output - Deposit First</a:t>
-            </a:r>
+              <a:t>Output - </a:t>
+            </a:r>
+            <a:r>
+              <a:rPr sz="3600" cap="all" dirty="0" smtClean="0">
+                <a:solidFill>
+                  <a:srgbClr val="001978"/>
+                </a:solidFill>
+              </a:rPr>
+              <a:t>Deposit</a:t>
+            </a:r>
+            <a:endParaRPr sz="3600" cap="all" dirty="0">
+              <a:solidFill>
+                <a:srgbClr val="001978"/>
+              </a:solidFill>
+            </a:endParaRPr>
           </a:p>
         </p:txBody>
       </p:sp>
       <p:sp>
         <p:nvSpPr>
           <p:cNvPr id="79" name="Shape 79"/>
-          <p:cNvSpPr/>
+          <p:cNvSpPr>
+            <a:spLocks noGrp="1"/>
+          </p:cNvSpPr>
           <p:nvPr>
             <p:ph type="body" idx="1"/>
           </p:nvPr>
         </p:nvSpPr>
         <p:spPr>
           <a:xfrm>
-            <a:off x="685800" y="992921"/>
-            <a:ext cx="7772400" cy="4756715"/>
+            <a:off x="0" y="992921"/>
+            <a:ext cx="9144000" cy="4756715"/>
           </a:xfrm>
           <a:prstGeom prst="rect">
             <a:avLst/>
           </a:prstGeom>
         </p:spPr>
         <p:txBody>
-          <a:bodyPr/>
+          <a:bodyPr numCol="3">
+            <a:normAutofit fontScale="77500" lnSpcReduction="20000"/>
+          </a:bodyPr>
           <a:lstStyle/>
           <a:p>
             <a:pPr lvl="0">
@@ -5731,78 +7928,944 @@
               </a:defRPr>
             </a:pPr>
             <a:r>
-              <a:rPr sz="2000">
-                <a:solidFill>
-                  <a:srgbClr val="001978"/>
-                </a:solidFill>
-              </a:rPr>
-              <a:t>Sufficient funds for withdraw</a:t>
-            </a:r>
-            <a:endParaRPr sz="2000">
-              <a:solidFill>
-                <a:srgbClr val="001978"/>
-              </a:solidFill>
-            </a:endParaRPr>
-          </a:p>
-          <a:p>
-            <a:pPr lvl="0">
-              <a:defRPr sz="1800">
-                <a:solidFill>
-                  <a:srgbClr val="000000"/>
-                </a:solidFill>
-              </a:defRPr>
-            </a:pPr>
-            <a:r>
-              <a:rPr sz="2000">
-                <a:solidFill>
-                  <a:srgbClr val="001978"/>
-                </a:solidFill>
-              </a:rPr>
-              <a:t>Insufficient funds for withdraw</a:t>
-            </a:r>
-            <a:endParaRPr sz="2000">
-              <a:solidFill>
-                <a:srgbClr val="001978"/>
-              </a:solidFill>
-            </a:endParaRPr>
-          </a:p>
-          <a:p>
-            <a:pPr lvl="0">
-              <a:defRPr sz="1800">
-                <a:solidFill>
-                  <a:srgbClr val="000000"/>
-                </a:solidFill>
-              </a:defRPr>
-            </a:pPr>
-            <a:r>
-              <a:rPr sz="2000">
-                <a:solidFill>
-                  <a:srgbClr val="001978"/>
-                </a:solidFill>
-              </a:rPr>
-              <a:t>Simultaneous deposit then withdraw</a:t>
-            </a:r>
-            <a:endParaRPr sz="2000">
-              <a:solidFill>
-                <a:srgbClr val="001978"/>
-              </a:solidFill>
-            </a:endParaRPr>
-          </a:p>
-          <a:p>
-            <a:pPr lvl="0">
-              <a:defRPr sz="1800">
-                <a:solidFill>
-                  <a:srgbClr val="000000"/>
-                </a:solidFill>
-              </a:defRPr>
-            </a:pPr>
-            <a:r>
-              <a:rPr sz="2000">
-                <a:solidFill>
-                  <a:srgbClr val="001978"/>
-                </a:solidFill>
-              </a:rPr>
-              <a:t>Simultaneous withdraw then deposit</a:t>
+              <a:rPr lang="en-US" dirty="0">
+                <a:solidFill>
+                  <a:srgbClr val="0F2780"/>
+                </a:solidFill>
+              </a:rPr>
+              <a:t>Trace Description: Simulation Trace</a:t>
+            </a:r>
+          </a:p>
+          <a:p>
+            <a:pPr lvl="0">
+              <a:defRPr sz="1800">
+                <a:solidFill>
+                  <a:srgbClr val="000000"/>
+                </a:solidFill>
+              </a:defRPr>
+            </a:pPr>
+            <a:r>
+              <a:rPr lang="en-US" dirty="0">
+                <a:solidFill>
+                  <a:srgbClr val="0F2780"/>
+                </a:solidFill>
+              </a:rPr>
+              <a:t>Trace Type: Simulation</a:t>
+            </a:r>
+          </a:p>
+          <a:p>
+            <a:pPr lvl="0">
+              <a:defRPr sz="1800">
+                <a:solidFill>
+                  <a:srgbClr val="000000"/>
+                </a:solidFill>
+              </a:defRPr>
+            </a:pPr>
+            <a:r>
+              <a:rPr lang="en-US" dirty="0">
+                <a:solidFill>
+                  <a:srgbClr val="0F2780"/>
+                </a:solidFill>
+              </a:rPr>
+              <a:t>-&gt; State: 1.1 &lt;-</a:t>
+            </a:r>
+          </a:p>
+          <a:p>
+            <a:pPr lvl="0">
+              <a:defRPr sz="1800">
+                <a:solidFill>
+                  <a:srgbClr val="000000"/>
+                </a:solidFill>
+              </a:defRPr>
+            </a:pPr>
+            <a:r>
+              <a:rPr lang="en-US" dirty="0">
+                <a:solidFill>
+                  <a:srgbClr val="0F2780"/>
+                </a:solidFill>
+              </a:rPr>
+              <a:t>      atm0.state = sending</a:t>
+            </a:r>
+          </a:p>
+          <a:p>
+            <a:pPr lvl="0">
+              <a:defRPr sz="1800">
+                <a:solidFill>
+                  <a:srgbClr val="000000"/>
+                </a:solidFill>
+              </a:defRPr>
+            </a:pPr>
+            <a:r>
+              <a:rPr lang="en-US" dirty="0">
+                <a:solidFill>
+                  <a:srgbClr val="0F2780"/>
+                </a:solidFill>
+              </a:rPr>
+              <a:t>      atm0.message = 7</a:t>
+            </a:r>
+          </a:p>
+          <a:p>
+            <a:pPr lvl="0">
+              <a:defRPr sz="1800">
+                <a:solidFill>
+                  <a:srgbClr val="000000"/>
+                </a:solidFill>
+              </a:defRPr>
+            </a:pPr>
+            <a:r>
+              <a:rPr lang="en-US" dirty="0">
+                <a:solidFill>
+                  <a:srgbClr val="0F2780"/>
+                </a:solidFill>
+              </a:rPr>
+              <a:t>      atm0.control = FALSE</a:t>
+            </a:r>
+          </a:p>
+          <a:p>
+            <a:pPr lvl="0">
+              <a:defRPr sz="1800">
+                <a:solidFill>
+                  <a:srgbClr val="000000"/>
+                </a:solidFill>
+              </a:defRPr>
+            </a:pPr>
+            <a:r>
+              <a:rPr lang="en-US" dirty="0">
+                <a:solidFill>
+                  <a:srgbClr val="0F2780"/>
+                </a:solidFill>
+              </a:rPr>
+              <a:t>      atm0.confailed = FALSE</a:t>
+            </a:r>
+          </a:p>
+          <a:p>
+            <a:pPr lvl="0">
+              <a:defRPr sz="1800">
+                <a:solidFill>
+                  <a:srgbClr val="000000"/>
+                </a:solidFill>
+              </a:defRPr>
+            </a:pPr>
+            <a:r>
+              <a:rPr lang="en-US" dirty="0">
+                <a:solidFill>
+                  <a:srgbClr val="0F2780"/>
+                </a:solidFill>
+              </a:rPr>
+              <a:t>      atm0.output = 0</a:t>
+            </a:r>
+          </a:p>
+          <a:p>
+            <a:pPr lvl="0">
+              <a:defRPr sz="1800">
+                <a:solidFill>
+                  <a:srgbClr val="000000"/>
+                </a:solidFill>
+              </a:defRPr>
+            </a:pPr>
+            <a:r>
+              <a:rPr lang="en-US" dirty="0">
+                <a:solidFill>
+                  <a:srgbClr val="0F2780"/>
+                </a:solidFill>
+              </a:rPr>
+              <a:t>      atm0.balance = 0</a:t>
+            </a:r>
+          </a:p>
+          <a:p>
+            <a:pPr lvl="0">
+              <a:defRPr sz="1800">
+                <a:solidFill>
+                  <a:srgbClr val="000000"/>
+                </a:solidFill>
+              </a:defRPr>
+            </a:pPr>
+            <a:r>
+              <a:rPr lang="en-US" dirty="0">
+                <a:solidFill>
+                  <a:srgbClr val="0F2780"/>
+                </a:solidFill>
+              </a:rPr>
+              <a:t>      bank0.balance = 69</a:t>
+            </a:r>
+          </a:p>
+          <a:p>
+            <a:pPr lvl="0">
+              <a:defRPr sz="1800">
+                <a:solidFill>
+                  <a:srgbClr val="000000"/>
+                </a:solidFill>
+              </a:defRPr>
+            </a:pPr>
+            <a:r>
+              <a:rPr lang="en-US" dirty="0">
+                <a:solidFill>
+                  <a:srgbClr val="0F2780"/>
+                </a:solidFill>
+              </a:rPr>
+              <a:t>      bank0.failedb = TRUE</a:t>
+            </a:r>
+          </a:p>
+          <a:p>
+            <a:pPr lvl="0">
+              <a:defRPr sz="1800">
+                <a:solidFill>
+                  <a:srgbClr val="000000"/>
+                </a:solidFill>
+              </a:defRPr>
+            </a:pPr>
+            <a:r>
+              <a:rPr lang="en-US" dirty="0">
+                <a:solidFill>
+                  <a:srgbClr val="0F2780"/>
+                </a:solidFill>
+              </a:rPr>
+              <a:t>      bank0.state = receiving</a:t>
+            </a:r>
+          </a:p>
+          <a:p>
+            <a:pPr lvl="0">
+              <a:defRPr sz="1800">
+                <a:solidFill>
+                  <a:srgbClr val="000000"/>
+                </a:solidFill>
+              </a:defRPr>
+            </a:pPr>
+            <a:r>
+              <a:rPr lang="en-US" dirty="0">
+                <a:solidFill>
+                  <a:srgbClr val="0F2780"/>
+                </a:solidFill>
+              </a:rPr>
+              <a:t>      bank0.ack = TRUE</a:t>
+            </a:r>
+          </a:p>
+          <a:p>
+            <a:pPr lvl="0">
+              <a:defRPr sz="1800">
+                <a:solidFill>
+                  <a:srgbClr val="000000"/>
+                </a:solidFill>
+              </a:defRPr>
+            </a:pPr>
+            <a:r>
+              <a:rPr lang="en-US" dirty="0">
+                <a:solidFill>
+                  <a:srgbClr val="0F2780"/>
+                </a:solidFill>
+              </a:rPr>
+              <a:t>      bank0.expected = FALSE</a:t>
+            </a:r>
+          </a:p>
+          <a:p>
+            <a:pPr lvl="0">
+              <a:defRPr sz="1800">
+                <a:solidFill>
+                  <a:srgbClr val="000000"/>
+                </a:solidFill>
+              </a:defRPr>
+            </a:pPr>
+            <a:r>
+              <a:rPr lang="en-US" dirty="0">
+                <a:solidFill>
+                  <a:srgbClr val="0F2780"/>
+                </a:solidFill>
+              </a:rPr>
+              <a:t>      bank0.expfailed = FALSE</a:t>
+            </a:r>
+          </a:p>
+          <a:p>
+            <a:pPr lvl="0">
+              <a:defRPr sz="1800">
+                <a:solidFill>
+                  <a:srgbClr val="000000"/>
+                </a:solidFill>
+              </a:defRPr>
+            </a:pPr>
+            <a:r>
+              <a:rPr lang="en-US" dirty="0">
+                <a:solidFill>
+                  <a:srgbClr val="0F2780"/>
+                </a:solidFill>
+              </a:rPr>
+              <a:t>      </a:t>
+            </a:r>
+            <a:r>
+              <a:rPr lang="en-US" dirty="0" err="1">
+                <a:solidFill>
+                  <a:srgbClr val="0F2780"/>
+                </a:solidFill>
+              </a:rPr>
+              <a:t>msg_channel.forget</a:t>
+            </a:r>
+            <a:r>
+              <a:rPr lang="en-US" dirty="0">
+                <a:solidFill>
+                  <a:srgbClr val="0F2780"/>
+                </a:solidFill>
+              </a:rPr>
+              <a:t> = FALSE</a:t>
+            </a:r>
+          </a:p>
+          <a:p>
+            <a:pPr lvl="0">
+              <a:defRPr sz="1800">
+                <a:solidFill>
+                  <a:srgbClr val="000000"/>
+                </a:solidFill>
+              </a:defRPr>
+            </a:pPr>
+            <a:r>
+              <a:rPr lang="en-US" dirty="0">
+                <a:solidFill>
+                  <a:srgbClr val="0F2780"/>
+                </a:solidFill>
+              </a:rPr>
+              <a:t>      msg_channel.output1 = 0</a:t>
+            </a:r>
+          </a:p>
+          <a:p>
+            <a:pPr lvl="0">
+              <a:defRPr sz="1800">
+                <a:solidFill>
+                  <a:srgbClr val="000000"/>
+                </a:solidFill>
+              </a:defRPr>
+            </a:pPr>
+            <a:r>
+              <a:rPr lang="en-US" dirty="0">
+                <a:solidFill>
+                  <a:srgbClr val="0F2780"/>
+                </a:solidFill>
+              </a:rPr>
+              <a:t>      msg_channel.output2 = TRUE</a:t>
+            </a:r>
+          </a:p>
+          <a:p>
+            <a:pPr lvl="0">
+              <a:defRPr sz="1800">
+                <a:solidFill>
+                  <a:srgbClr val="000000"/>
+                </a:solidFill>
+              </a:defRPr>
+            </a:pPr>
+            <a:r>
+              <a:rPr lang="en-US" dirty="0">
+                <a:solidFill>
+                  <a:srgbClr val="0F2780"/>
+                </a:solidFill>
+              </a:rPr>
+              <a:t>      msg_channel.output3 = TRUE</a:t>
+            </a:r>
+          </a:p>
+          <a:p>
+            <a:pPr lvl="0">
+              <a:defRPr sz="1800">
+                <a:solidFill>
+                  <a:srgbClr val="000000"/>
+                </a:solidFill>
+              </a:defRPr>
+            </a:pPr>
+            <a:r>
+              <a:rPr lang="en-US" dirty="0">
+                <a:solidFill>
+                  <a:srgbClr val="0F2780"/>
+                </a:solidFill>
+              </a:rPr>
+              <a:t>      </a:t>
+            </a:r>
+            <a:r>
+              <a:rPr lang="en-US" dirty="0" err="1">
+                <a:solidFill>
+                  <a:srgbClr val="0F2780"/>
+                </a:solidFill>
+              </a:rPr>
+              <a:t>ack_channel.forget</a:t>
+            </a:r>
+            <a:r>
+              <a:rPr lang="en-US" dirty="0">
+                <a:solidFill>
+                  <a:srgbClr val="0F2780"/>
+                </a:solidFill>
+              </a:rPr>
+              <a:t> = TRUE</a:t>
+            </a:r>
+          </a:p>
+          <a:p>
+            <a:pPr lvl="0">
+              <a:defRPr sz="1800">
+                <a:solidFill>
+                  <a:srgbClr val="000000"/>
+                </a:solidFill>
+              </a:defRPr>
+            </a:pPr>
+            <a:r>
+              <a:rPr lang="en-US" dirty="0">
+                <a:solidFill>
+                  <a:srgbClr val="0F2780"/>
+                </a:solidFill>
+              </a:rPr>
+              <a:t>      ack_channel.output1 = TRUE</a:t>
+            </a:r>
+          </a:p>
+          <a:p>
+            <a:pPr lvl="0">
+              <a:defRPr sz="1800">
+                <a:solidFill>
+                  <a:srgbClr val="000000"/>
+                </a:solidFill>
+              </a:defRPr>
+            </a:pPr>
+            <a:r>
+              <a:rPr lang="en-US" dirty="0">
+                <a:solidFill>
+                  <a:srgbClr val="0F2780"/>
+                </a:solidFill>
+              </a:rPr>
+              <a:t>      ack_channel.output2 = TRUE</a:t>
+            </a:r>
+          </a:p>
+          <a:p>
+            <a:pPr lvl="0">
+              <a:defRPr sz="1800">
+                <a:solidFill>
+                  <a:srgbClr val="000000"/>
+                </a:solidFill>
+              </a:defRPr>
+            </a:pPr>
+            <a:r>
+              <a:rPr lang="en-US" dirty="0">
+                <a:solidFill>
+                  <a:srgbClr val="0F2780"/>
+                </a:solidFill>
+              </a:rPr>
+              <a:t>      ack_channel.output3 = 0</a:t>
+            </a:r>
+          </a:p>
+          <a:p>
+            <a:pPr lvl="0">
+              <a:defRPr sz="1800">
+                <a:solidFill>
+                  <a:srgbClr val="000000"/>
+                </a:solidFill>
+              </a:defRPr>
+            </a:pPr>
+            <a:r>
+              <a:rPr lang="en-US" dirty="0">
+                <a:solidFill>
+                  <a:srgbClr val="0F2780"/>
+                </a:solidFill>
+              </a:rPr>
+              <a:t>-&gt; State: 1.2 &lt;-</a:t>
+            </a:r>
+          </a:p>
+          <a:p>
+            <a:pPr lvl="0">
+              <a:defRPr sz="1800">
+                <a:solidFill>
+                  <a:srgbClr val="000000"/>
+                </a:solidFill>
+              </a:defRPr>
+            </a:pPr>
+            <a:r>
+              <a:rPr lang="en-US" dirty="0">
+                <a:solidFill>
+                  <a:srgbClr val="0F2780"/>
+                </a:solidFill>
+              </a:rPr>
+              <a:t>      atm0.balance = -1</a:t>
+            </a:r>
+          </a:p>
+          <a:p>
+            <a:pPr lvl="0">
+              <a:defRPr sz="1800">
+                <a:solidFill>
+                  <a:srgbClr val="000000"/>
+                </a:solidFill>
+              </a:defRPr>
+            </a:pPr>
+            <a:r>
+              <a:rPr lang="en-US" dirty="0">
+                <a:solidFill>
+                  <a:srgbClr val="0F2780"/>
+                </a:solidFill>
+              </a:rPr>
+              <a:t>      msg_channel.output1 = 7</a:t>
+            </a:r>
+          </a:p>
+          <a:p>
+            <a:pPr lvl="0">
+              <a:defRPr sz="1800">
+                <a:solidFill>
+                  <a:srgbClr val="000000"/>
+                </a:solidFill>
+              </a:defRPr>
+            </a:pPr>
+            <a:r>
+              <a:rPr lang="en-US" dirty="0">
+                <a:solidFill>
+                  <a:srgbClr val="0F2780"/>
+                </a:solidFill>
+              </a:rPr>
+              <a:t>      msg_channel.output2 = FALSE</a:t>
+            </a:r>
+          </a:p>
+          <a:p>
+            <a:pPr lvl="0">
+              <a:defRPr sz="1800">
+                <a:solidFill>
+                  <a:srgbClr val="000000"/>
+                </a:solidFill>
+              </a:defRPr>
+            </a:pPr>
+            <a:r>
+              <a:rPr lang="en-US" dirty="0">
+                <a:solidFill>
+                  <a:srgbClr val="0F2780"/>
+                </a:solidFill>
+              </a:rPr>
+              <a:t>      msg_channel.output3 = FALSE</a:t>
+            </a:r>
+          </a:p>
+          <a:p>
+            <a:pPr lvl="0">
+              <a:defRPr sz="1800">
+                <a:solidFill>
+                  <a:srgbClr val="000000"/>
+                </a:solidFill>
+              </a:defRPr>
+            </a:pPr>
+            <a:r>
+              <a:rPr lang="en-US" dirty="0">
+                <a:solidFill>
+                  <a:srgbClr val="0F2780"/>
+                </a:solidFill>
+              </a:rPr>
+              <a:t>      </a:t>
+            </a:r>
+            <a:r>
+              <a:rPr lang="en-US" dirty="0" err="1">
+                <a:solidFill>
+                  <a:srgbClr val="0F2780"/>
+                </a:solidFill>
+              </a:rPr>
+              <a:t>ack_channel.forget</a:t>
+            </a:r>
+            <a:r>
+              <a:rPr lang="en-US" dirty="0">
+                <a:solidFill>
+                  <a:srgbClr val="0F2780"/>
+                </a:solidFill>
+              </a:rPr>
+              <a:t> = FALSE</a:t>
+            </a:r>
+          </a:p>
+          <a:p>
+            <a:pPr lvl="0">
+              <a:defRPr sz="1800">
+                <a:solidFill>
+                  <a:srgbClr val="000000"/>
+                </a:solidFill>
+              </a:defRPr>
+            </a:pPr>
+            <a:r>
+              <a:rPr lang="en-US" dirty="0">
+                <a:solidFill>
+                  <a:srgbClr val="0F2780"/>
+                </a:solidFill>
+              </a:rPr>
+              <a:t>-&gt; State: 1.3 &lt;-</a:t>
+            </a:r>
+          </a:p>
+          <a:p>
+            <a:pPr lvl="0">
+              <a:defRPr sz="1800">
+                <a:solidFill>
+                  <a:srgbClr val="000000"/>
+                </a:solidFill>
+              </a:defRPr>
+            </a:pPr>
+            <a:r>
+              <a:rPr lang="en-US" dirty="0">
+                <a:solidFill>
+                  <a:srgbClr val="0F2780"/>
+                </a:solidFill>
+              </a:rPr>
+              <a:t>      bank0.balance = 76</a:t>
+            </a:r>
+          </a:p>
+          <a:p>
+            <a:pPr lvl="0">
+              <a:defRPr sz="1800">
+                <a:solidFill>
+                  <a:srgbClr val="000000"/>
+                </a:solidFill>
+              </a:defRPr>
+            </a:pPr>
+            <a:r>
+              <a:rPr lang="en-US" dirty="0">
+                <a:solidFill>
+                  <a:srgbClr val="0F2780"/>
+                </a:solidFill>
+              </a:rPr>
+              <a:t>      bank0.state = received</a:t>
+            </a:r>
+          </a:p>
+          <a:p>
+            <a:pPr lvl="0">
+              <a:defRPr sz="1800">
+                <a:solidFill>
+                  <a:srgbClr val="000000"/>
+                </a:solidFill>
+              </a:defRPr>
+            </a:pPr>
+            <a:r>
+              <a:rPr lang="en-US" dirty="0">
+                <a:solidFill>
+                  <a:srgbClr val="0F2780"/>
+                </a:solidFill>
+              </a:rPr>
+              <a:t>      ack_channel.output3 = 69</a:t>
+            </a:r>
+          </a:p>
+          <a:p>
+            <a:pPr lvl="0">
+              <a:defRPr sz="1800">
+                <a:solidFill>
+                  <a:srgbClr val="000000"/>
+                </a:solidFill>
+              </a:defRPr>
+            </a:pPr>
+            <a:r>
+              <a:rPr lang="en-US" dirty="0">
+                <a:solidFill>
+                  <a:srgbClr val="0F2780"/>
+                </a:solidFill>
+              </a:rPr>
+              <a:t>-&gt; State: 1.4 &lt;-</a:t>
+            </a:r>
+          </a:p>
+          <a:p>
+            <a:pPr lvl="0">
+              <a:defRPr sz="1800">
+                <a:solidFill>
+                  <a:srgbClr val="000000"/>
+                </a:solidFill>
+              </a:defRPr>
+            </a:pPr>
+            <a:r>
+              <a:rPr lang="en-US" dirty="0">
+                <a:solidFill>
+                  <a:srgbClr val="0F2780"/>
+                </a:solidFill>
+              </a:rPr>
+              <a:t>      bank0.state = receiving</a:t>
+            </a:r>
+          </a:p>
+          <a:p>
+            <a:pPr lvl="0">
+              <a:defRPr sz="1800">
+                <a:solidFill>
+                  <a:srgbClr val="000000"/>
+                </a:solidFill>
+              </a:defRPr>
+            </a:pPr>
+            <a:r>
+              <a:rPr lang="en-US" dirty="0">
+                <a:solidFill>
+                  <a:srgbClr val="0F2780"/>
+                </a:solidFill>
+              </a:rPr>
+              <a:t>      bank0.ack = FALSE</a:t>
+            </a:r>
+          </a:p>
+          <a:p>
+            <a:pPr lvl="0">
+              <a:defRPr sz="1800">
+                <a:solidFill>
+                  <a:srgbClr val="000000"/>
+                </a:solidFill>
+              </a:defRPr>
+            </a:pPr>
+            <a:r>
+              <a:rPr lang="en-US" dirty="0">
+                <a:solidFill>
+                  <a:srgbClr val="0F2780"/>
+                </a:solidFill>
+              </a:rPr>
+              <a:t>      bank0.expected = TRUE</a:t>
+            </a:r>
+          </a:p>
+          <a:p>
+            <a:pPr lvl="0">
+              <a:defRPr sz="1800">
+                <a:solidFill>
+                  <a:srgbClr val="000000"/>
+                </a:solidFill>
+              </a:defRPr>
+            </a:pPr>
+            <a:r>
+              <a:rPr lang="en-US" dirty="0">
+                <a:solidFill>
+                  <a:srgbClr val="0F2780"/>
+                </a:solidFill>
+              </a:rPr>
+              <a:t>      ack_channel.output3 = 76</a:t>
+            </a:r>
+          </a:p>
+          <a:p>
+            <a:pPr lvl="0">
+              <a:defRPr sz="1800">
+                <a:solidFill>
+                  <a:srgbClr val="000000"/>
+                </a:solidFill>
+              </a:defRPr>
+            </a:pPr>
+            <a:r>
+              <a:rPr lang="en-US" dirty="0">
+                <a:solidFill>
+                  <a:srgbClr val="0F2780"/>
+                </a:solidFill>
+              </a:rPr>
+              <a:t>-&gt; State: 1.5 &lt;-</a:t>
+            </a:r>
+          </a:p>
+          <a:p>
+            <a:pPr lvl="0">
+              <a:defRPr sz="1800">
+                <a:solidFill>
+                  <a:srgbClr val="000000"/>
+                </a:solidFill>
+              </a:defRPr>
+            </a:pPr>
+            <a:r>
+              <a:rPr lang="en-US" dirty="0">
+                <a:solidFill>
+                  <a:srgbClr val="0F2780"/>
+                </a:solidFill>
+              </a:rPr>
+              <a:t>      bank0.balance = 83</a:t>
+            </a:r>
+          </a:p>
+          <a:p>
+            <a:pPr lvl="0">
+              <a:defRPr sz="1800">
+                <a:solidFill>
+                  <a:srgbClr val="000000"/>
+                </a:solidFill>
+              </a:defRPr>
+            </a:pPr>
+            <a:r>
+              <a:rPr lang="en-US" dirty="0">
+                <a:solidFill>
+                  <a:srgbClr val="0F2780"/>
+                </a:solidFill>
+              </a:rPr>
+              <a:t>      ack_channel.output1 = FALSE</a:t>
+            </a:r>
+          </a:p>
+          <a:p>
+            <a:pPr lvl="0">
+              <a:defRPr sz="1800">
+                <a:solidFill>
+                  <a:srgbClr val="000000"/>
+                </a:solidFill>
+              </a:defRPr>
+            </a:pPr>
+            <a:r>
+              <a:rPr lang="en-US" dirty="0">
+                <a:solidFill>
+                  <a:srgbClr val="0F2780"/>
+                </a:solidFill>
+              </a:rPr>
+              <a:t>-&gt; State: 1.6 &lt;-</a:t>
+            </a:r>
+          </a:p>
+          <a:p>
+            <a:pPr lvl="0">
+              <a:defRPr sz="1800">
+                <a:solidFill>
+                  <a:srgbClr val="000000"/>
+                </a:solidFill>
+              </a:defRPr>
+            </a:pPr>
+            <a:r>
+              <a:rPr lang="en-US" dirty="0">
+                <a:solidFill>
+                  <a:srgbClr val="0F2780"/>
+                </a:solidFill>
+              </a:rPr>
+              <a:t>      atm0.state = sent</a:t>
+            </a:r>
+          </a:p>
+          <a:p>
+            <a:pPr lvl="0">
+              <a:defRPr sz="1800">
+                <a:solidFill>
+                  <a:srgbClr val="000000"/>
+                </a:solidFill>
+              </a:defRPr>
+            </a:pPr>
+            <a:r>
+              <a:rPr lang="en-US" dirty="0">
+                <a:solidFill>
+                  <a:srgbClr val="0F2780"/>
+                </a:solidFill>
+              </a:rPr>
+              <a:t>      bank0.balance = 90</a:t>
+            </a:r>
+          </a:p>
+          <a:p>
+            <a:pPr lvl="0">
+              <a:defRPr sz="1800">
+                <a:solidFill>
+                  <a:srgbClr val="000000"/>
+                </a:solidFill>
+              </a:defRPr>
+            </a:pPr>
+            <a:r>
+              <a:rPr lang="en-US" dirty="0">
+                <a:solidFill>
+                  <a:srgbClr val="0F2780"/>
+                </a:solidFill>
+              </a:rPr>
+              <a:t>      ack_channel.output3 = 83</a:t>
+            </a:r>
+          </a:p>
+          <a:p>
+            <a:pPr lvl="0">
+              <a:defRPr sz="1800">
+                <a:solidFill>
+                  <a:srgbClr val="000000"/>
+                </a:solidFill>
+              </a:defRPr>
+            </a:pPr>
+            <a:r>
+              <a:rPr lang="en-US" dirty="0">
+                <a:solidFill>
+                  <a:srgbClr val="0F2780"/>
+                </a:solidFill>
+              </a:rPr>
+              <a:t>-&gt; State: 1.7 &lt;-</a:t>
+            </a:r>
+          </a:p>
+          <a:p>
+            <a:pPr lvl="0">
+              <a:defRPr sz="1800">
+                <a:solidFill>
+                  <a:srgbClr val="000000"/>
+                </a:solidFill>
+              </a:defRPr>
+            </a:pPr>
+            <a:r>
+              <a:rPr lang="en-US" dirty="0">
+                <a:solidFill>
+                  <a:srgbClr val="0F2780"/>
+                </a:solidFill>
+              </a:rPr>
+              <a:t>      atm0.state = sending</a:t>
+            </a:r>
+          </a:p>
+          <a:p>
+            <a:pPr lvl="0">
+              <a:defRPr sz="1800">
+                <a:solidFill>
+                  <a:srgbClr val="000000"/>
+                </a:solidFill>
+              </a:defRPr>
+            </a:pPr>
+            <a:r>
+              <a:rPr lang="en-US" dirty="0">
+                <a:solidFill>
+                  <a:srgbClr val="0F2780"/>
+                </a:solidFill>
+              </a:rPr>
+              <a:t>      atm0.message = -27</a:t>
+            </a:r>
+          </a:p>
+          <a:p>
+            <a:pPr lvl="0">
+              <a:defRPr sz="1800">
+                <a:solidFill>
+                  <a:srgbClr val="000000"/>
+                </a:solidFill>
+              </a:defRPr>
+            </a:pPr>
+            <a:r>
+              <a:rPr lang="en-US" dirty="0">
+                <a:solidFill>
+                  <a:srgbClr val="0F2780"/>
+                </a:solidFill>
+              </a:rPr>
+              <a:t>      atm0.control = TRUE</a:t>
+            </a:r>
+          </a:p>
+          <a:p>
+            <a:pPr lvl="0">
+              <a:defRPr sz="1800">
+                <a:solidFill>
+                  <a:srgbClr val="000000"/>
+                </a:solidFill>
+              </a:defRPr>
+            </a:pPr>
+            <a:r>
+              <a:rPr lang="en-US" dirty="0">
+                <a:solidFill>
+                  <a:srgbClr val="0F2780"/>
+                </a:solidFill>
+              </a:rPr>
+              <a:t>      atm0.output = -7</a:t>
+            </a:r>
+          </a:p>
+          <a:p>
+            <a:pPr lvl="0">
+              <a:defRPr sz="1800">
+                <a:solidFill>
+                  <a:srgbClr val="000000"/>
+                </a:solidFill>
+              </a:defRPr>
+            </a:pPr>
+            <a:r>
+              <a:rPr lang="en-US" dirty="0">
+                <a:solidFill>
+                  <a:srgbClr val="0F2780"/>
+                </a:solidFill>
+              </a:rPr>
+              <a:t>      atm0.balance = 83</a:t>
+            </a:r>
+          </a:p>
+          <a:p>
+            <a:pPr lvl="0">
+              <a:defRPr sz="1800">
+                <a:solidFill>
+                  <a:srgbClr val="000000"/>
+                </a:solidFill>
+              </a:defRPr>
+            </a:pPr>
+            <a:r>
+              <a:rPr lang="en-US" dirty="0">
+                <a:solidFill>
+                  <a:srgbClr val="0F2780"/>
+                </a:solidFill>
+              </a:rPr>
+              <a:t>      bank0.balance = 97</a:t>
+            </a:r>
+          </a:p>
+          <a:p>
+            <a:pPr lvl="0">
+              <a:defRPr sz="1800">
+                <a:solidFill>
+                  <a:srgbClr val="000000"/>
+                </a:solidFill>
+              </a:defRPr>
+            </a:pPr>
+            <a:r>
+              <a:rPr lang="en-US" dirty="0">
+                <a:solidFill>
+                  <a:srgbClr val="0F2780"/>
+                </a:solidFill>
+              </a:rPr>
+              <a:t>      ack_channel.output3 = 90</a:t>
             </a:r>
           </a:p>
         </p:txBody>
@@ -5812,12 +8875,12 @@
   <p:clrMapOvr>
     <a:masterClrMapping/>
   </p:clrMapOvr>
-  <p:transition spd="med" advClick="1"/>
+  <p:transition spd="med"/>
 </p:sld>
 </file>
 
 <file path=ppt/theme/theme1.xml><?xml version="1.0" encoding="utf-8"?>
-<a:theme xmlns:a="http://schemas.openxmlformats.org/drawingml/2006/main" xmlns:r="http://schemas.openxmlformats.org/officeDocument/2006/relationships" name="Default">
+<a:theme xmlns:a="http://schemas.openxmlformats.org/drawingml/2006/main" name="Default">
   <a:themeElements>
     <a:clrScheme name="Default">
       <a:dk1>
@@ -5943,7 +9006,7 @@
       <a:effectStyleLst>
         <a:effectStyle>
           <a:effectLst>
-            <a:outerShdw sx="100000" sy="100000" kx="0" ky="0" algn="b" rotWithShape="0" blurRad="50800" dist="41909" dir="5400000">
+            <a:outerShdw blurRad="50800" dist="41909" dir="5400000" rotWithShape="0">
               <a:srgbClr val="000000">
                 <a:alpha val="40000"/>
               </a:srgbClr>
@@ -5952,7 +9015,7 @@
         </a:effectStyle>
         <a:effectStyle>
           <a:effectLst>
-            <a:outerShdw sx="100000" sy="100000" kx="0" ky="0" algn="b" rotWithShape="0" blurRad="50800" dist="41909" dir="5400000">
+            <a:outerShdw blurRad="50800" dist="41909" dir="5400000" rotWithShape="0">
               <a:srgbClr val="000000">
                 <a:alpha val="40000"/>
               </a:srgbClr>
@@ -5961,7 +9024,7 @@
         </a:effectStyle>
         <a:effectStyle>
           <a:effectLst>
-            <a:outerShdw sx="100000" sy="100000" kx="0" ky="0" algn="b" rotWithShape="0" blurRad="38100" dist="25400" dir="5400000">
+            <a:outerShdw blurRad="38100" dist="25400" dir="5400000" rotWithShape="0">
               <a:srgbClr val="000000">
                 <a:alpha val="40000"/>
               </a:srgbClr>
@@ -6035,14 +9098,14 @@
           <a:bevel/>
         </a:ln>
         <a:effectLst>
-          <a:outerShdw sx="100000" sy="100000" kx="0" ky="0" algn="b" rotWithShape="0" blurRad="50800" dist="41909" dir="5400000">
+          <a:outerShdw blurRad="50800" dist="41909" dir="5400000" rotWithShape="0">
             <a:srgbClr val="000000">
               <a:alpha val="40000"/>
             </a:srgbClr>
           </a:outerShdw>
         </a:effectLst>
       </a:spPr>
-      <a:bodyPr rot="0" spcFirstLastPara="1" vertOverflow="overflow" horzOverflow="overflow" vert="horz" wrap="square" lIns="45719" tIns="45719" rIns="45719" bIns="45719" numCol="1" spcCol="38100" rtlCol="0" anchor="ctr" upright="0">
+      <a:bodyPr rot="0" spcFirstLastPara="1" vertOverflow="overflow" horzOverflow="overflow" vert="horz" wrap="square" lIns="45719" tIns="45719" rIns="45719" bIns="45719" numCol="1" spcCol="38100" rtlCol="0" anchor="ctr">
         <a:spAutoFit/>
       </a:bodyPr>
       <a:lstStyle>
@@ -6061,7 +9124,7 @@
           <a:buFontTx/>
           <a:buNone/>
           <a:tabLst/>
-          <a:defRPr b="0" baseline="0" cap="none" i="0" spc="0" strike="noStrike" sz="1800" u="none" kumimoji="0" normalizeH="0">
+          <a:defRPr kumimoji="0" sz="1800" b="0" i="0" u="none" strike="noStrike" cap="none" spc="0" normalizeH="0" baseline="0">
             <a:ln>
               <a:noFill/>
             </a:ln>
@@ -6091,7 +9154,7 @@
           <a:buFontTx/>
           <a:buNone/>
           <a:tabLst/>
-          <a:defRPr b="0" baseline="0" cap="none" i="0" spc="0" strike="noStrike" sz="1800" u="none" kumimoji="0" normalizeH="0">
+          <a:defRPr kumimoji="0" sz="1800" b="0" i="0" u="none" strike="noStrike" cap="none" spc="0" normalizeH="0" baseline="0">
             <a:ln>
               <a:noFill/>
             </a:ln>
@@ -6117,7 +9180,7 @@
           <a:buFontTx/>
           <a:buNone/>
           <a:tabLst/>
-          <a:defRPr b="0" baseline="0" cap="none" i="0" spc="0" strike="noStrike" sz="1800" u="none" kumimoji="0" normalizeH="0">
+          <a:defRPr kumimoji="0" sz="1800" b="0" i="0" u="none" strike="noStrike" cap="none" spc="0" normalizeH="0" baseline="0">
             <a:ln>
               <a:noFill/>
             </a:ln>
@@ -6143,7 +9206,7 @@
           <a:buFontTx/>
           <a:buNone/>
           <a:tabLst/>
-          <a:defRPr b="0" baseline="0" cap="none" i="0" spc="0" strike="noStrike" sz="1800" u="none" kumimoji="0" normalizeH="0">
+          <a:defRPr kumimoji="0" sz="1800" b="0" i="0" u="none" strike="noStrike" cap="none" spc="0" normalizeH="0" baseline="0">
             <a:ln>
               <a:noFill/>
             </a:ln>
@@ -6169,7 +9232,7 @@
           <a:buFontTx/>
           <a:buNone/>
           <a:tabLst/>
-          <a:defRPr b="0" baseline="0" cap="none" i="0" spc="0" strike="noStrike" sz="1800" u="none" kumimoji="0" normalizeH="0">
+          <a:defRPr kumimoji="0" sz="1800" b="0" i="0" u="none" strike="noStrike" cap="none" spc="0" normalizeH="0" baseline="0">
             <a:ln>
               <a:noFill/>
             </a:ln>
@@ -6195,7 +9258,7 @@
           <a:buFontTx/>
           <a:buNone/>
           <a:tabLst/>
-          <a:defRPr b="0" baseline="0" cap="none" i="0" spc="0" strike="noStrike" sz="1800" u="none" kumimoji="0" normalizeH="0">
+          <a:defRPr kumimoji="0" sz="1800" b="0" i="0" u="none" strike="noStrike" cap="none" spc="0" normalizeH="0" baseline="0">
             <a:ln>
               <a:noFill/>
             </a:ln>
@@ -6221,7 +9284,7 @@
           <a:buFontTx/>
           <a:buNone/>
           <a:tabLst/>
-          <a:defRPr b="0" baseline="0" cap="none" i="0" spc="0" strike="noStrike" sz="1800" u="none" kumimoji="0" normalizeH="0">
+          <a:defRPr kumimoji="0" sz="1800" b="0" i="0" u="none" strike="noStrike" cap="none" spc="0" normalizeH="0" baseline="0">
             <a:ln>
               <a:noFill/>
             </a:ln>
@@ -6247,7 +9310,7 @@
           <a:buFontTx/>
           <a:buNone/>
           <a:tabLst/>
-          <a:defRPr b="0" baseline="0" cap="none" i="0" spc="0" strike="noStrike" sz="1800" u="none" kumimoji="0" normalizeH="0">
+          <a:defRPr kumimoji="0" sz="1800" b="0" i="0" u="none" strike="noStrike" cap="none" spc="0" normalizeH="0" baseline="0">
             <a:ln>
               <a:noFill/>
             </a:ln>
@@ -6273,7 +9336,7 @@
           <a:buFontTx/>
           <a:buNone/>
           <a:tabLst/>
-          <a:defRPr b="0" baseline="0" cap="none" i="0" spc="0" strike="noStrike" sz="1800" u="none" kumimoji="0" normalizeH="0">
+          <a:defRPr kumimoji="0" sz="1800" b="0" i="0" u="none" strike="noStrike" cap="none" spc="0" normalizeH="0" baseline="0">
             <a:ln>
               <a:noFill/>
             </a:ln>
@@ -6299,7 +9362,7 @@
           <a:buFontTx/>
           <a:buNone/>
           <a:tabLst/>
-          <a:defRPr b="0" baseline="0" cap="none" i="0" spc="0" strike="noStrike" sz="1800" u="none" kumimoji="0" normalizeH="0">
+          <a:defRPr kumimoji="0" sz="1800" b="0" i="0" u="none" strike="noStrike" cap="none" spc="0" normalizeH="0" baseline="0">
             <a:ln>
               <a:noFill/>
             </a:ln>
@@ -6312,9 +9375,15 @@
         </a:lvl9pPr>
       </a:lstStyle>
       <a:style>
-        <a:lnRef idx="0"/>
-        <a:fillRef idx="0"/>
-        <a:effectRef idx="0"/>
+        <a:lnRef idx="0">
+          <a:scrgbClr r="0" g="0" b="0"/>
+        </a:lnRef>
+        <a:fillRef idx="0">
+          <a:scrgbClr r="0" g="0" b="0"/>
+        </a:fillRef>
+        <a:effectRef idx="0">
+          <a:scrgbClr r="0" g="0" b="0"/>
+        </a:effectRef>
         <a:fontRef idx="none"/>
       </a:style>
     </a:spDef>
@@ -6329,14 +9398,14 @@
           <a:bevel/>
         </a:ln>
         <a:effectLst>
-          <a:outerShdw sx="100000" sy="100000" kx="0" ky="0" algn="b" rotWithShape="0" blurRad="38100" dist="25400" dir="5400000">
+          <a:outerShdw blurRad="38100" dist="25400" dir="5400000" rotWithShape="0">
             <a:srgbClr val="000000">
               <a:alpha val="40000"/>
             </a:srgbClr>
           </a:outerShdw>
         </a:effectLst>
       </a:spPr>
-      <a:bodyPr rot="0" spcFirstLastPara="1" vertOverflow="overflow" horzOverflow="overflow" vert="horz" wrap="square" lIns="91439" tIns="45719" rIns="91439" bIns="45719" numCol="1" spcCol="38100" rtlCol="0" anchor="t" upright="0">
+      <a:bodyPr rot="0" spcFirstLastPara="1" vertOverflow="overflow" horzOverflow="overflow" vert="horz" wrap="square" lIns="91439" tIns="45719" rIns="91439" bIns="45719" numCol="1" spcCol="38100" rtlCol="0" anchor="t">
         <a:noAutofit/>
       </a:bodyPr>
       <a:lstStyle>
@@ -6355,7 +9424,7 @@
           <a:buFontTx/>
           <a:buNone/>
           <a:tabLst/>
-          <a:defRPr b="0" baseline="0" cap="none" i="0" spc="0" strike="noStrike" sz="1800" u="none" kumimoji="0" normalizeH="0">
+          <a:defRPr kumimoji="0" sz="1800" b="0" i="0" u="none" strike="noStrike" cap="none" spc="0" normalizeH="0" baseline="0">
             <a:ln>
               <a:noFill/>
             </a:ln>
@@ -6381,7 +9450,7 @@
           <a:buFontTx/>
           <a:buNone/>
           <a:tabLst/>
-          <a:defRPr b="0" baseline="0" cap="none" i="0" spc="0" strike="noStrike" sz="1800" u="none" kumimoji="0" normalizeH="0">
+          <a:defRPr kumimoji="0" sz="1800" b="0" i="0" u="none" strike="noStrike" cap="none" spc="0" normalizeH="0" baseline="0">
             <a:ln>
               <a:noFill/>
             </a:ln>
@@ -6407,7 +9476,7 @@
           <a:buFontTx/>
           <a:buNone/>
           <a:tabLst/>
-          <a:defRPr b="0" baseline="0" cap="none" i="0" spc="0" strike="noStrike" sz="1800" u="none" kumimoji="0" normalizeH="0">
+          <a:defRPr kumimoji="0" sz="1800" b="0" i="0" u="none" strike="noStrike" cap="none" spc="0" normalizeH="0" baseline="0">
             <a:ln>
               <a:noFill/>
             </a:ln>
@@ -6433,7 +9502,7 @@
           <a:buFontTx/>
           <a:buNone/>
           <a:tabLst/>
-          <a:defRPr b="0" baseline="0" cap="none" i="0" spc="0" strike="noStrike" sz="1800" u="none" kumimoji="0" normalizeH="0">
+          <a:defRPr kumimoji="0" sz="1800" b="0" i="0" u="none" strike="noStrike" cap="none" spc="0" normalizeH="0" baseline="0">
             <a:ln>
               <a:noFill/>
             </a:ln>
@@ -6459,7 +9528,7 @@
           <a:buFontTx/>
           <a:buNone/>
           <a:tabLst/>
-          <a:defRPr b="0" baseline="0" cap="none" i="0" spc="0" strike="noStrike" sz="1800" u="none" kumimoji="0" normalizeH="0">
+          <a:defRPr kumimoji="0" sz="1800" b="0" i="0" u="none" strike="noStrike" cap="none" spc="0" normalizeH="0" baseline="0">
             <a:ln>
               <a:noFill/>
             </a:ln>
@@ -6485,7 +9554,7 @@
           <a:buFontTx/>
           <a:buNone/>
           <a:tabLst/>
-          <a:defRPr b="0" baseline="0" cap="none" i="0" spc="0" strike="noStrike" sz="1800" u="none" kumimoji="0" normalizeH="0">
+          <a:defRPr kumimoji="0" sz="1800" b="0" i="0" u="none" strike="noStrike" cap="none" spc="0" normalizeH="0" baseline="0">
             <a:ln>
               <a:noFill/>
             </a:ln>
@@ -6511,7 +9580,7 @@
           <a:buFontTx/>
           <a:buNone/>
           <a:tabLst/>
-          <a:defRPr b="0" baseline="0" cap="none" i="0" spc="0" strike="noStrike" sz="1800" u="none" kumimoji="0" normalizeH="0">
+          <a:defRPr kumimoji="0" sz="1800" b="0" i="0" u="none" strike="noStrike" cap="none" spc="0" normalizeH="0" baseline="0">
             <a:ln>
               <a:noFill/>
             </a:ln>
@@ -6537,7 +9606,7 @@
           <a:buFontTx/>
           <a:buNone/>
           <a:tabLst/>
-          <a:defRPr b="0" baseline="0" cap="none" i="0" spc="0" strike="noStrike" sz="1800" u="none" kumimoji="0" normalizeH="0">
+          <a:defRPr kumimoji="0" sz="1800" b="0" i="0" u="none" strike="noStrike" cap="none" spc="0" normalizeH="0" baseline="0">
             <a:ln>
               <a:noFill/>
             </a:ln>
@@ -6563,7 +9632,7 @@
           <a:buFontTx/>
           <a:buNone/>
           <a:tabLst/>
-          <a:defRPr b="0" baseline="0" cap="none" i="0" spc="0" strike="noStrike" sz="1800" u="none" kumimoji="0" normalizeH="0">
+          <a:defRPr kumimoji="0" sz="1800" b="0" i="0" u="none" strike="noStrike" cap="none" spc="0" normalizeH="0" baseline="0">
             <a:ln>
               <a:noFill/>
             </a:ln>
@@ -6589,7 +9658,7 @@
           <a:buFontTx/>
           <a:buNone/>
           <a:tabLst/>
-          <a:defRPr b="0" baseline="0" cap="none" i="0" spc="0" strike="noStrike" sz="1800" u="none" kumimoji="0" normalizeH="0">
+          <a:defRPr kumimoji="0" sz="1800" b="0" i="0" u="none" strike="noStrike" cap="none" spc="0" normalizeH="0" baseline="0">
             <a:ln>
               <a:noFill/>
             </a:ln>
@@ -6602,9 +9671,15 @@
         </a:lvl9pPr>
       </a:lstStyle>
       <a:style>
-        <a:lnRef idx="0"/>
-        <a:fillRef idx="0"/>
-        <a:effectRef idx="0"/>
+        <a:lnRef idx="0">
+          <a:scrgbClr r="0" g="0" b="0"/>
+        </a:lnRef>
+        <a:fillRef idx="0">
+          <a:scrgbClr r="0" g="0" b="0"/>
+        </a:fillRef>
+        <a:effectRef idx="0">
+          <a:scrgbClr r="0" g="0" b="0"/>
+        </a:effectRef>
         <a:fontRef idx="none"/>
       </a:style>
     </a:lnDef>
@@ -6617,7 +9692,7 @@
         </a:ln>
         <a:effectLst/>
       </a:spPr>
-      <a:bodyPr rot="0" spcFirstLastPara="1" vertOverflow="overflow" horzOverflow="overflow" vert="horz" wrap="square" lIns="45719" tIns="45719" rIns="45719" bIns="45719" numCol="1" spcCol="38100" rtlCol="0" anchor="t" upright="0">
+      <a:bodyPr rot="0" spcFirstLastPara="1" vertOverflow="overflow" horzOverflow="overflow" vert="horz" wrap="square" lIns="45719" tIns="45719" rIns="45719" bIns="45719" numCol="1" spcCol="38100" rtlCol="0" anchor="t">
         <a:spAutoFit/>
       </a:bodyPr>
       <a:lstStyle>
@@ -6636,7 +9711,7 @@
           <a:buFontTx/>
           <a:buNone/>
           <a:tabLst/>
-          <a:defRPr b="0" baseline="0" cap="none" i="0" spc="0" strike="noStrike" sz="1800" u="none" kumimoji="0" normalizeH="0">
+          <a:defRPr kumimoji="0" sz="1800" b="0" i="0" u="none" strike="noStrike" cap="none" spc="0" normalizeH="0" baseline="0">
             <a:ln>
               <a:noFill/>
             </a:ln>
@@ -6666,7 +9741,7 @@
           <a:buFontTx/>
           <a:buNone/>
           <a:tabLst/>
-          <a:defRPr b="0" baseline="0" cap="none" i="0" spc="0" strike="noStrike" sz="1800" u="none" kumimoji="0" normalizeH="0">
+          <a:defRPr kumimoji="0" sz="1800" b="0" i="0" u="none" strike="noStrike" cap="none" spc="0" normalizeH="0" baseline="0">
             <a:ln>
               <a:noFill/>
             </a:ln>
@@ -6692,7 +9767,7 @@
           <a:buFontTx/>
           <a:buNone/>
           <a:tabLst/>
-          <a:defRPr b="0" baseline="0" cap="none" i="0" spc="0" strike="noStrike" sz="1800" u="none" kumimoji="0" normalizeH="0">
+          <a:defRPr kumimoji="0" sz="1800" b="0" i="0" u="none" strike="noStrike" cap="none" spc="0" normalizeH="0" baseline="0">
             <a:ln>
               <a:noFill/>
             </a:ln>
@@ -6718,7 +9793,7 @@
           <a:buFontTx/>
           <a:buNone/>
           <a:tabLst/>
-          <a:defRPr b="0" baseline="0" cap="none" i="0" spc="0" strike="noStrike" sz="1800" u="none" kumimoji="0" normalizeH="0">
+          <a:defRPr kumimoji="0" sz="1800" b="0" i="0" u="none" strike="noStrike" cap="none" spc="0" normalizeH="0" baseline="0">
             <a:ln>
               <a:noFill/>
             </a:ln>
@@ -6744,7 +9819,7 @@
           <a:buFontTx/>
           <a:buNone/>
           <a:tabLst/>
-          <a:defRPr b="0" baseline="0" cap="none" i="0" spc="0" strike="noStrike" sz="1800" u="none" kumimoji="0" normalizeH="0">
+          <a:defRPr kumimoji="0" sz="1800" b="0" i="0" u="none" strike="noStrike" cap="none" spc="0" normalizeH="0" baseline="0">
             <a:ln>
               <a:noFill/>
             </a:ln>
@@ -6770,7 +9845,7 @@
           <a:buFontTx/>
           <a:buNone/>
           <a:tabLst/>
-          <a:defRPr b="0" baseline="0" cap="none" i="0" spc="0" strike="noStrike" sz="1800" u="none" kumimoji="0" normalizeH="0">
+          <a:defRPr kumimoji="0" sz="1800" b="0" i="0" u="none" strike="noStrike" cap="none" spc="0" normalizeH="0" baseline="0">
             <a:ln>
               <a:noFill/>
             </a:ln>
@@ -6796,7 +9871,7 @@
           <a:buFontTx/>
           <a:buNone/>
           <a:tabLst/>
-          <a:defRPr b="0" baseline="0" cap="none" i="0" spc="0" strike="noStrike" sz="1800" u="none" kumimoji="0" normalizeH="0">
+          <a:defRPr kumimoji="0" sz="1800" b="0" i="0" u="none" strike="noStrike" cap="none" spc="0" normalizeH="0" baseline="0">
             <a:ln>
               <a:noFill/>
             </a:ln>
@@ -6822,7 +9897,7 @@
           <a:buFontTx/>
           <a:buNone/>
           <a:tabLst/>
-          <a:defRPr b="0" baseline="0" cap="none" i="0" spc="0" strike="noStrike" sz="1800" u="none" kumimoji="0" normalizeH="0">
+          <a:defRPr kumimoji="0" sz="1800" b="0" i="0" u="none" strike="noStrike" cap="none" spc="0" normalizeH="0" baseline="0">
             <a:ln>
               <a:noFill/>
             </a:ln>
@@ -6848,7 +9923,7 @@
           <a:buFontTx/>
           <a:buNone/>
           <a:tabLst/>
-          <a:defRPr b="0" baseline="0" cap="none" i="0" spc="0" strike="noStrike" sz="1800" u="none" kumimoji="0" normalizeH="0">
+          <a:defRPr kumimoji="0" sz="1800" b="0" i="0" u="none" strike="noStrike" cap="none" spc="0" normalizeH="0" baseline="0">
             <a:ln>
               <a:noFill/>
             </a:ln>
@@ -6874,7 +9949,7 @@
           <a:buFontTx/>
           <a:buNone/>
           <a:tabLst/>
-          <a:defRPr b="0" baseline="0" cap="none" i="0" spc="0" strike="noStrike" sz="1800" u="none" kumimoji="0" normalizeH="0">
+          <a:defRPr kumimoji="0" sz="1800" b="0" i="0" u="none" strike="noStrike" cap="none" spc="0" normalizeH="0" baseline="0">
             <a:ln>
               <a:noFill/>
             </a:ln>
@@ -6887,18 +9962,25 @@
         </a:lvl9pPr>
       </a:lstStyle>
       <a:style>
-        <a:lnRef idx="0"/>
-        <a:fillRef idx="0"/>
-        <a:effectRef idx="0"/>
+        <a:lnRef idx="0">
+          <a:scrgbClr r="0" g="0" b="0"/>
+        </a:lnRef>
+        <a:fillRef idx="0">
+          <a:scrgbClr r="0" g="0" b="0"/>
+        </a:fillRef>
+        <a:effectRef idx="0">
+          <a:scrgbClr r="0" g="0" b="0"/>
+        </a:effectRef>
         <a:fontRef idx="none"/>
       </a:style>
     </a:txDef>
   </a:objectDefaults>
+  <a:extraClrSchemeLst/>
 </a:theme>
 </file>
 
 <file path=ppt/theme/theme2.xml><?xml version="1.0" encoding="utf-8"?>
-<a:theme xmlns:a="http://schemas.openxmlformats.org/drawingml/2006/main" xmlns:r="http://schemas.openxmlformats.org/officeDocument/2006/relationships" name="Default">
+<a:theme xmlns:a="http://schemas.openxmlformats.org/drawingml/2006/main" name="Default">
   <a:themeElements>
     <a:clrScheme name="Default">
       <a:dk1>
@@ -7024,7 +10106,7 @@
       <a:effectStyleLst>
         <a:effectStyle>
           <a:effectLst>
-            <a:outerShdw sx="100000" sy="100000" kx="0" ky="0" algn="b" rotWithShape="0" blurRad="50800" dist="41909" dir="5400000">
+            <a:outerShdw blurRad="50800" dist="41909" dir="5400000" rotWithShape="0">
               <a:srgbClr val="000000">
                 <a:alpha val="40000"/>
               </a:srgbClr>
@@ -7033,7 +10115,7 @@
         </a:effectStyle>
         <a:effectStyle>
           <a:effectLst>
-            <a:outerShdw sx="100000" sy="100000" kx="0" ky="0" algn="b" rotWithShape="0" blurRad="50800" dist="41909" dir="5400000">
+            <a:outerShdw blurRad="50800" dist="41909" dir="5400000" rotWithShape="0">
               <a:srgbClr val="000000">
                 <a:alpha val="40000"/>
               </a:srgbClr>
@@ -7042,7 +10124,7 @@
         </a:effectStyle>
         <a:effectStyle>
           <a:effectLst>
-            <a:outerShdw sx="100000" sy="100000" kx="0" ky="0" algn="b" rotWithShape="0" blurRad="38100" dist="25400" dir="5400000">
+            <a:outerShdw blurRad="38100" dist="25400" dir="5400000" rotWithShape="0">
               <a:srgbClr val="000000">
                 <a:alpha val="40000"/>
               </a:srgbClr>
@@ -7116,14 +10198,14 @@
           <a:bevel/>
         </a:ln>
         <a:effectLst>
-          <a:outerShdw sx="100000" sy="100000" kx="0" ky="0" algn="b" rotWithShape="0" blurRad="50800" dist="41909" dir="5400000">
+          <a:outerShdw blurRad="50800" dist="41909" dir="5400000" rotWithShape="0">
             <a:srgbClr val="000000">
               <a:alpha val="40000"/>
             </a:srgbClr>
           </a:outerShdw>
         </a:effectLst>
       </a:spPr>
-      <a:bodyPr rot="0" spcFirstLastPara="1" vertOverflow="overflow" horzOverflow="overflow" vert="horz" wrap="square" lIns="45719" tIns="45719" rIns="45719" bIns="45719" numCol="1" spcCol="38100" rtlCol="0" anchor="ctr" upright="0">
+      <a:bodyPr rot="0" spcFirstLastPara="1" vertOverflow="overflow" horzOverflow="overflow" vert="horz" wrap="square" lIns="45719" tIns="45719" rIns="45719" bIns="45719" numCol="1" spcCol="38100" rtlCol="0" anchor="ctr">
         <a:spAutoFit/>
       </a:bodyPr>
       <a:lstStyle>
@@ -7142,7 +10224,7 @@
           <a:buFontTx/>
           <a:buNone/>
           <a:tabLst/>
-          <a:defRPr b="0" baseline="0" cap="none" i="0" spc="0" strike="noStrike" sz="1800" u="none" kumimoji="0" normalizeH="0">
+          <a:defRPr kumimoji="0" sz="1800" b="0" i="0" u="none" strike="noStrike" cap="none" spc="0" normalizeH="0" baseline="0">
             <a:ln>
               <a:noFill/>
             </a:ln>
@@ -7172,7 +10254,7 @@
           <a:buFontTx/>
           <a:buNone/>
           <a:tabLst/>
-          <a:defRPr b="0" baseline="0" cap="none" i="0" spc="0" strike="noStrike" sz="1800" u="none" kumimoji="0" normalizeH="0">
+          <a:defRPr kumimoji="0" sz="1800" b="0" i="0" u="none" strike="noStrike" cap="none" spc="0" normalizeH="0" baseline="0">
             <a:ln>
               <a:noFill/>
             </a:ln>
@@ -7198,7 +10280,7 @@
           <a:buFontTx/>
           <a:buNone/>
           <a:tabLst/>
-          <a:defRPr b="0" baseline="0" cap="none" i="0" spc="0" strike="noStrike" sz="1800" u="none" kumimoji="0" normalizeH="0">
+          <a:defRPr kumimoji="0" sz="1800" b="0" i="0" u="none" strike="noStrike" cap="none" spc="0" normalizeH="0" baseline="0">
             <a:ln>
               <a:noFill/>
             </a:ln>
@@ -7224,7 +10306,7 @@
           <a:buFontTx/>
           <a:buNone/>
           <a:tabLst/>
-          <a:defRPr b="0" baseline="0" cap="none" i="0" spc="0" strike="noStrike" sz="1800" u="none" kumimoji="0" normalizeH="0">
+          <a:defRPr kumimoji="0" sz="1800" b="0" i="0" u="none" strike="noStrike" cap="none" spc="0" normalizeH="0" baseline="0">
             <a:ln>
               <a:noFill/>
             </a:ln>
@@ -7250,7 +10332,7 @@
           <a:buFontTx/>
           <a:buNone/>
           <a:tabLst/>
-          <a:defRPr b="0" baseline="0" cap="none" i="0" spc="0" strike="noStrike" sz="1800" u="none" kumimoji="0" normalizeH="0">
+          <a:defRPr kumimoji="0" sz="1800" b="0" i="0" u="none" strike="noStrike" cap="none" spc="0" normalizeH="0" baseline="0">
             <a:ln>
               <a:noFill/>
             </a:ln>
@@ -7276,7 +10358,7 @@
           <a:buFontTx/>
           <a:buNone/>
           <a:tabLst/>
-          <a:defRPr b="0" baseline="0" cap="none" i="0" spc="0" strike="noStrike" sz="1800" u="none" kumimoji="0" normalizeH="0">
+          <a:defRPr kumimoji="0" sz="1800" b="0" i="0" u="none" strike="noStrike" cap="none" spc="0" normalizeH="0" baseline="0">
             <a:ln>
               <a:noFill/>
             </a:ln>
@@ -7302,7 +10384,7 @@
           <a:buFontTx/>
           <a:buNone/>
           <a:tabLst/>
-          <a:defRPr b="0" baseline="0" cap="none" i="0" spc="0" strike="noStrike" sz="1800" u="none" kumimoji="0" normalizeH="0">
+          <a:defRPr kumimoji="0" sz="1800" b="0" i="0" u="none" strike="noStrike" cap="none" spc="0" normalizeH="0" baseline="0">
             <a:ln>
               <a:noFill/>
             </a:ln>
@@ -7328,7 +10410,7 @@
           <a:buFontTx/>
           <a:buNone/>
           <a:tabLst/>
-          <a:defRPr b="0" baseline="0" cap="none" i="0" spc="0" strike="noStrike" sz="1800" u="none" kumimoji="0" normalizeH="0">
+          <a:defRPr kumimoji="0" sz="1800" b="0" i="0" u="none" strike="noStrike" cap="none" spc="0" normalizeH="0" baseline="0">
             <a:ln>
               <a:noFill/>
             </a:ln>
@@ -7354,7 +10436,7 @@
           <a:buFontTx/>
           <a:buNone/>
           <a:tabLst/>
-          <a:defRPr b="0" baseline="0" cap="none" i="0" spc="0" strike="noStrike" sz="1800" u="none" kumimoji="0" normalizeH="0">
+          <a:defRPr kumimoji="0" sz="1800" b="0" i="0" u="none" strike="noStrike" cap="none" spc="0" normalizeH="0" baseline="0">
             <a:ln>
               <a:noFill/>
             </a:ln>
@@ -7380,7 +10462,7 @@
           <a:buFontTx/>
           <a:buNone/>
           <a:tabLst/>
-          <a:defRPr b="0" baseline="0" cap="none" i="0" spc="0" strike="noStrike" sz="1800" u="none" kumimoji="0" normalizeH="0">
+          <a:defRPr kumimoji="0" sz="1800" b="0" i="0" u="none" strike="noStrike" cap="none" spc="0" normalizeH="0" baseline="0">
             <a:ln>
               <a:noFill/>
             </a:ln>
@@ -7393,9 +10475,15 @@
         </a:lvl9pPr>
       </a:lstStyle>
       <a:style>
-        <a:lnRef idx="0"/>
-        <a:fillRef idx="0"/>
-        <a:effectRef idx="0"/>
+        <a:lnRef idx="0">
+          <a:scrgbClr r="0" g="0" b="0"/>
+        </a:lnRef>
+        <a:fillRef idx="0">
+          <a:scrgbClr r="0" g="0" b="0"/>
+        </a:fillRef>
+        <a:effectRef idx="0">
+          <a:scrgbClr r="0" g="0" b="0"/>
+        </a:effectRef>
         <a:fontRef idx="none"/>
       </a:style>
     </a:spDef>
@@ -7410,14 +10498,14 @@
           <a:bevel/>
         </a:ln>
         <a:effectLst>
-          <a:outerShdw sx="100000" sy="100000" kx="0" ky="0" algn="b" rotWithShape="0" blurRad="38100" dist="25400" dir="5400000">
+          <a:outerShdw blurRad="38100" dist="25400" dir="5400000" rotWithShape="0">
             <a:srgbClr val="000000">
               <a:alpha val="40000"/>
             </a:srgbClr>
           </a:outerShdw>
         </a:effectLst>
       </a:spPr>
-      <a:bodyPr rot="0" spcFirstLastPara="1" vertOverflow="overflow" horzOverflow="overflow" vert="horz" wrap="square" lIns="91439" tIns="45719" rIns="91439" bIns="45719" numCol="1" spcCol="38100" rtlCol="0" anchor="t" upright="0">
+      <a:bodyPr rot="0" spcFirstLastPara="1" vertOverflow="overflow" horzOverflow="overflow" vert="horz" wrap="square" lIns="91439" tIns="45719" rIns="91439" bIns="45719" numCol="1" spcCol="38100" rtlCol="0" anchor="t">
         <a:noAutofit/>
       </a:bodyPr>
       <a:lstStyle>
@@ -7436,7 +10524,7 @@
           <a:buFontTx/>
           <a:buNone/>
           <a:tabLst/>
-          <a:defRPr b="0" baseline="0" cap="none" i="0" spc="0" strike="noStrike" sz="1800" u="none" kumimoji="0" normalizeH="0">
+          <a:defRPr kumimoji="0" sz="1800" b="0" i="0" u="none" strike="noStrike" cap="none" spc="0" normalizeH="0" baseline="0">
             <a:ln>
               <a:noFill/>
             </a:ln>
@@ -7462,7 +10550,7 @@
           <a:buFontTx/>
           <a:buNone/>
           <a:tabLst/>
-          <a:defRPr b="0" baseline="0" cap="none" i="0" spc="0" strike="noStrike" sz="1800" u="none" kumimoji="0" normalizeH="0">
+          <a:defRPr kumimoji="0" sz="1800" b="0" i="0" u="none" strike="noStrike" cap="none" spc="0" normalizeH="0" baseline="0">
             <a:ln>
               <a:noFill/>
             </a:ln>
@@ -7488,7 +10576,7 @@
           <a:buFontTx/>
           <a:buNone/>
           <a:tabLst/>
-          <a:defRPr b="0" baseline="0" cap="none" i="0" spc="0" strike="noStrike" sz="1800" u="none" kumimoji="0" normalizeH="0">
+          <a:defRPr kumimoji="0" sz="1800" b="0" i="0" u="none" strike="noStrike" cap="none" spc="0" normalizeH="0" baseline="0">
             <a:ln>
               <a:noFill/>
             </a:ln>
@@ -7514,7 +10602,7 @@
           <a:buFontTx/>
           <a:buNone/>
           <a:tabLst/>
-          <a:defRPr b="0" baseline="0" cap="none" i="0" spc="0" strike="noStrike" sz="1800" u="none" kumimoji="0" normalizeH="0">
+          <a:defRPr kumimoji="0" sz="1800" b="0" i="0" u="none" strike="noStrike" cap="none" spc="0" normalizeH="0" baseline="0">
             <a:ln>
               <a:noFill/>
             </a:ln>
@@ -7540,7 +10628,7 @@
           <a:buFontTx/>
           <a:buNone/>
           <a:tabLst/>
-          <a:defRPr b="0" baseline="0" cap="none" i="0" spc="0" strike="noStrike" sz="1800" u="none" kumimoji="0" normalizeH="0">
+          <a:defRPr kumimoji="0" sz="1800" b="0" i="0" u="none" strike="noStrike" cap="none" spc="0" normalizeH="0" baseline="0">
             <a:ln>
               <a:noFill/>
             </a:ln>
@@ -7566,7 +10654,7 @@
           <a:buFontTx/>
           <a:buNone/>
           <a:tabLst/>
-          <a:defRPr b="0" baseline="0" cap="none" i="0" spc="0" strike="noStrike" sz="1800" u="none" kumimoji="0" normalizeH="0">
+          <a:defRPr kumimoji="0" sz="1800" b="0" i="0" u="none" strike="noStrike" cap="none" spc="0" normalizeH="0" baseline="0">
             <a:ln>
               <a:noFill/>
             </a:ln>
@@ -7592,7 +10680,7 @@
           <a:buFontTx/>
           <a:buNone/>
           <a:tabLst/>
-          <a:defRPr b="0" baseline="0" cap="none" i="0" spc="0" strike="noStrike" sz="1800" u="none" kumimoji="0" normalizeH="0">
+          <a:defRPr kumimoji="0" sz="1800" b="0" i="0" u="none" strike="noStrike" cap="none" spc="0" normalizeH="0" baseline="0">
             <a:ln>
               <a:noFill/>
             </a:ln>
@@ -7618,7 +10706,7 @@
           <a:buFontTx/>
           <a:buNone/>
           <a:tabLst/>
-          <a:defRPr b="0" baseline="0" cap="none" i="0" spc="0" strike="noStrike" sz="1800" u="none" kumimoji="0" normalizeH="0">
+          <a:defRPr kumimoji="0" sz="1800" b="0" i="0" u="none" strike="noStrike" cap="none" spc="0" normalizeH="0" baseline="0">
             <a:ln>
               <a:noFill/>
             </a:ln>
@@ -7644,7 +10732,7 @@
           <a:buFontTx/>
           <a:buNone/>
           <a:tabLst/>
-          <a:defRPr b="0" baseline="0" cap="none" i="0" spc="0" strike="noStrike" sz="1800" u="none" kumimoji="0" normalizeH="0">
+          <a:defRPr kumimoji="0" sz="1800" b="0" i="0" u="none" strike="noStrike" cap="none" spc="0" normalizeH="0" baseline="0">
             <a:ln>
               <a:noFill/>
             </a:ln>
@@ -7670,7 +10758,7 @@
           <a:buFontTx/>
           <a:buNone/>
           <a:tabLst/>
-          <a:defRPr b="0" baseline="0" cap="none" i="0" spc="0" strike="noStrike" sz="1800" u="none" kumimoji="0" normalizeH="0">
+          <a:defRPr kumimoji="0" sz="1800" b="0" i="0" u="none" strike="noStrike" cap="none" spc="0" normalizeH="0" baseline="0">
             <a:ln>
               <a:noFill/>
             </a:ln>
@@ -7683,9 +10771,15 @@
         </a:lvl9pPr>
       </a:lstStyle>
       <a:style>
-        <a:lnRef idx="0"/>
-        <a:fillRef idx="0"/>
-        <a:effectRef idx="0"/>
+        <a:lnRef idx="0">
+          <a:scrgbClr r="0" g="0" b="0"/>
+        </a:lnRef>
+        <a:fillRef idx="0">
+          <a:scrgbClr r="0" g="0" b="0"/>
+        </a:fillRef>
+        <a:effectRef idx="0">
+          <a:scrgbClr r="0" g="0" b="0"/>
+        </a:effectRef>
         <a:fontRef idx="none"/>
       </a:style>
     </a:lnDef>
@@ -7698,7 +10792,7 @@
         </a:ln>
         <a:effectLst/>
       </a:spPr>
-      <a:bodyPr rot="0" spcFirstLastPara="1" vertOverflow="overflow" horzOverflow="overflow" vert="horz" wrap="square" lIns="45719" tIns="45719" rIns="45719" bIns="45719" numCol="1" spcCol="38100" rtlCol="0" anchor="t" upright="0">
+      <a:bodyPr rot="0" spcFirstLastPara="1" vertOverflow="overflow" horzOverflow="overflow" vert="horz" wrap="square" lIns="45719" tIns="45719" rIns="45719" bIns="45719" numCol="1" spcCol="38100" rtlCol="0" anchor="t">
         <a:spAutoFit/>
       </a:bodyPr>
       <a:lstStyle>
@@ -7717,7 +10811,7 @@
           <a:buFontTx/>
           <a:buNone/>
           <a:tabLst/>
-          <a:defRPr b="0" baseline="0" cap="none" i="0" spc="0" strike="noStrike" sz="1800" u="none" kumimoji="0" normalizeH="0">
+          <a:defRPr kumimoji="0" sz="1800" b="0" i="0" u="none" strike="noStrike" cap="none" spc="0" normalizeH="0" baseline="0">
             <a:ln>
               <a:noFill/>
             </a:ln>
@@ -7747,7 +10841,7 @@
           <a:buFontTx/>
           <a:buNone/>
           <a:tabLst/>
-          <a:defRPr b="0" baseline="0" cap="none" i="0" spc="0" strike="noStrike" sz="1800" u="none" kumimoji="0" normalizeH="0">
+          <a:defRPr kumimoji="0" sz="1800" b="0" i="0" u="none" strike="noStrike" cap="none" spc="0" normalizeH="0" baseline="0">
             <a:ln>
               <a:noFill/>
             </a:ln>
@@ -7773,7 +10867,7 @@
           <a:buFontTx/>
           <a:buNone/>
           <a:tabLst/>
-          <a:defRPr b="0" baseline="0" cap="none" i="0" spc="0" strike="noStrike" sz="1800" u="none" kumimoji="0" normalizeH="0">
+          <a:defRPr kumimoji="0" sz="1800" b="0" i="0" u="none" strike="noStrike" cap="none" spc="0" normalizeH="0" baseline="0">
             <a:ln>
               <a:noFill/>
             </a:ln>
@@ -7799,7 +10893,7 @@
           <a:buFontTx/>
           <a:buNone/>
           <a:tabLst/>
-          <a:defRPr b="0" baseline="0" cap="none" i="0" spc="0" strike="noStrike" sz="1800" u="none" kumimoji="0" normalizeH="0">
+          <a:defRPr kumimoji="0" sz="1800" b="0" i="0" u="none" strike="noStrike" cap="none" spc="0" normalizeH="0" baseline="0">
             <a:ln>
               <a:noFill/>
             </a:ln>
@@ -7825,7 +10919,7 @@
           <a:buFontTx/>
           <a:buNone/>
           <a:tabLst/>
-          <a:defRPr b="0" baseline="0" cap="none" i="0" spc="0" strike="noStrike" sz="1800" u="none" kumimoji="0" normalizeH="0">
+          <a:defRPr kumimoji="0" sz="1800" b="0" i="0" u="none" strike="noStrike" cap="none" spc="0" normalizeH="0" baseline="0">
             <a:ln>
               <a:noFill/>
             </a:ln>
@@ -7851,7 +10945,7 @@
           <a:buFontTx/>
           <a:buNone/>
           <a:tabLst/>
-          <a:defRPr b="0" baseline="0" cap="none" i="0" spc="0" strike="noStrike" sz="1800" u="none" kumimoji="0" normalizeH="0">
+          <a:defRPr kumimoji="0" sz="1800" b="0" i="0" u="none" strike="noStrike" cap="none" spc="0" normalizeH="0" baseline="0">
             <a:ln>
               <a:noFill/>
             </a:ln>
@@ -7877,7 +10971,7 @@
           <a:buFontTx/>
           <a:buNone/>
           <a:tabLst/>
-          <a:defRPr b="0" baseline="0" cap="none" i="0" spc="0" strike="noStrike" sz="1800" u="none" kumimoji="0" normalizeH="0">
+          <a:defRPr kumimoji="0" sz="1800" b="0" i="0" u="none" strike="noStrike" cap="none" spc="0" normalizeH="0" baseline="0">
             <a:ln>
               <a:noFill/>
             </a:ln>
@@ -7903,7 +10997,7 @@
           <a:buFontTx/>
           <a:buNone/>
           <a:tabLst/>
-          <a:defRPr b="0" baseline="0" cap="none" i="0" spc="0" strike="noStrike" sz="1800" u="none" kumimoji="0" normalizeH="0">
+          <a:defRPr kumimoji="0" sz="1800" b="0" i="0" u="none" strike="noStrike" cap="none" spc="0" normalizeH="0" baseline="0">
             <a:ln>
               <a:noFill/>
             </a:ln>
@@ -7929,7 +11023,7 @@
           <a:buFontTx/>
           <a:buNone/>
           <a:tabLst/>
-          <a:defRPr b="0" baseline="0" cap="none" i="0" spc="0" strike="noStrike" sz="1800" u="none" kumimoji="0" normalizeH="0">
+          <a:defRPr kumimoji="0" sz="1800" b="0" i="0" u="none" strike="noStrike" cap="none" spc="0" normalizeH="0" baseline="0">
             <a:ln>
               <a:noFill/>
             </a:ln>
@@ -7955,7 +11049,7 @@
           <a:buFontTx/>
           <a:buNone/>
           <a:tabLst/>
-          <a:defRPr b="0" baseline="0" cap="none" i="0" spc="0" strike="noStrike" sz="1800" u="none" kumimoji="0" normalizeH="0">
+          <a:defRPr kumimoji="0" sz="1800" b="0" i="0" u="none" strike="noStrike" cap="none" spc="0" normalizeH="0" baseline="0">
             <a:ln>
               <a:noFill/>
             </a:ln>
@@ -7968,12 +11062,19 @@
         </a:lvl9pPr>
       </a:lstStyle>
       <a:style>
-        <a:lnRef idx="0"/>
-        <a:fillRef idx="0"/>
-        <a:effectRef idx="0"/>
+        <a:lnRef idx="0">
+          <a:scrgbClr r="0" g="0" b="0"/>
+        </a:lnRef>
+        <a:fillRef idx="0">
+          <a:scrgbClr r="0" g="0" b="0"/>
+        </a:fillRef>
+        <a:effectRef idx="0">
+          <a:scrgbClr r="0" g="0" b="0"/>
+        </a:effectRef>
         <a:fontRef idx="none"/>
       </a:style>
     </a:txDef>
   </a:objectDefaults>
+  <a:extraClrSchemeLst/>
 </a:theme>
 </file>